--- a/hamilton_principle/fig/fig.pptx
+++ b/hamilton_principle/fig/fig.pptx
@@ -5,11 +5,12 @@
     <p:sldMasterId id="2147483648" r:id="rId1"/>
   </p:sldMasterIdLst>
   <p:notesMasterIdLst>
-    <p:notesMasterId r:id="rId4"/>
+    <p:notesMasterId r:id="rId5"/>
   </p:notesMasterIdLst>
   <p:sldIdLst>
     <p:sldId id="256" r:id="rId2"/>
     <p:sldId id="257" r:id="rId3"/>
+    <p:sldId id="258" r:id="rId4"/>
   </p:sldIdLst>
   <p:sldSz cx="9144000" cy="6858000" type="screen4x3"/>
   <p:notesSz cx="6858000" cy="9144000"/>
@@ -213,7 +214,7 @@
             <a:fld id="{D2C63D3F-0352-EF45-A95C-C8137A1B6577}" type="datetimeFigureOut">
               <a:rPr lang="ja-JP" altLang="en-US" smtClean="0"/>
               <a:pPr/>
-              <a:t>2023/6/10</a:t>
+              <a:t>2023/6/17</a:t>
             </a:fld>
             <a:endParaRPr lang="ja-JP" altLang="en-US"/>
           </a:p>
@@ -838,8 +839,8 @@
           <a:chExt cx="0" cy="0"/>
         </a:xfrm>
       </p:grpSpPr>
-      <mc:AlternateContent xmlns:mc="http://schemas.openxmlformats.org/markup-compatibility/2006">
-        <mc:Choice xmlns:a14="http://schemas.microsoft.com/office/drawing/2010/main" Requires="a14">
+      <mc:AlternateContent xmlns:mc="http://schemas.openxmlformats.org/markup-compatibility/2006" xmlns:a14="http://schemas.microsoft.com/office/drawing/2010/main">
+        <mc:Choice Requires="a14">
           <p:sp>
             <p:nvSpPr>
               <p:cNvPr id="2" name="テキスト ボックス 1">
@@ -868,6 +869,7 @@
               </a:bodyPr>
               <a:lstStyle/>
               <a:p>
+                <a:pPr/>
                 <a14:m>
                   <m:oMathPara xmlns:m="http://schemas.openxmlformats.org/officeDocument/2006/math">
                     <m:oMathParaPr>
@@ -981,7 +983,7 @@
             </p:txBody>
           </p:sp>
         </mc:Choice>
-        <mc:Fallback>
+        <mc:Fallback xmlns="">
           <p:sp>
             <p:nvSpPr>
               <p:cNvPr id="2" name="テキスト ボックス 1">
@@ -1026,8 +1028,8 @@
           </p:sp>
         </mc:Fallback>
       </mc:AlternateContent>
-      <mc:AlternateContent xmlns:mc="http://schemas.openxmlformats.org/markup-compatibility/2006">
-        <mc:Choice xmlns:a14="http://schemas.microsoft.com/office/drawing/2010/main" Requires="a14">
+      <mc:AlternateContent xmlns:mc="http://schemas.openxmlformats.org/markup-compatibility/2006" xmlns:a14="http://schemas.microsoft.com/office/drawing/2010/main">
+        <mc:Choice Requires="a14">
           <p:sp>
             <p:nvSpPr>
               <p:cNvPr id="3" name="テキスト ボックス 2">
@@ -1056,6 +1058,7 @@
               </a:bodyPr>
               <a:lstStyle/>
               <a:p>
+                <a:pPr/>
                 <a14:m>
                   <m:oMathPara xmlns:m="http://schemas.openxmlformats.org/officeDocument/2006/math">
                     <m:oMathParaPr>
@@ -1169,7 +1172,7 @@
             </p:txBody>
           </p:sp>
         </mc:Choice>
-        <mc:Fallback>
+        <mc:Fallback xmlns="">
           <p:sp>
             <p:nvSpPr>
               <p:cNvPr id="3" name="テキスト ボックス 2">
@@ -1214,8 +1217,8 @@
           </p:sp>
         </mc:Fallback>
       </mc:AlternateContent>
-      <mc:AlternateContent xmlns:mc="http://schemas.openxmlformats.org/markup-compatibility/2006">
-        <mc:Choice xmlns:a14="http://schemas.microsoft.com/office/drawing/2010/main" Requires="a14">
+      <mc:AlternateContent xmlns:mc="http://schemas.openxmlformats.org/markup-compatibility/2006" xmlns:a14="http://schemas.microsoft.com/office/drawing/2010/main">
+        <mc:Choice Requires="a14">
           <p:sp>
             <p:nvSpPr>
               <p:cNvPr id="4" name="テキスト ボックス 3">
@@ -1244,6 +1247,7 @@
               </a:bodyPr>
               <a:lstStyle/>
               <a:p>
+                <a:pPr/>
                 <a14:m>
                   <m:oMathPara xmlns:m="http://schemas.openxmlformats.org/officeDocument/2006/math">
                     <m:oMathParaPr>
@@ -1357,7 +1361,7 @@
             </p:txBody>
           </p:sp>
         </mc:Choice>
-        <mc:Fallback>
+        <mc:Fallback xmlns="">
           <p:sp>
             <p:nvSpPr>
               <p:cNvPr id="4" name="テキスト ボックス 3">
@@ -1718,8 +1722,8 @@
           <a:chExt cx="0" cy="0"/>
         </a:xfrm>
       </p:grpSpPr>
-      <mc:AlternateContent xmlns:mc="http://schemas.openxmlformats.org/markup-compatibility/2006">
-        <mc:Choice xmlns:a14="http://schemas.microsoft.com/office/drawing/2010/main" Requires="a14">
+      <mc:AlternateContent xmlns:mc="http://schemas.openxmlformats.org/markup-compatibility/2006" xmlns:a14="http://schemas.microsoft.com/office/drawing/2010/main">
+        <mc:Choice Requires="a14">
           <p:sp>
             <p:nvSpPr>
               <p:cNvPr id="3" name="テキスト ボックス 2">
@@ -1748,6 +1752,7 @@
               </a:bodyPr>
               <a:lstStyle/>
               <a:p>
+                <a:pPr/>
                 <a14:m>
                   <m:oMathPara xmlns:m="http://schemas.openxmlformats.org/officeDocument/2006/math">
                     <m:oMathParaPr>
@@ -2026,7 +2031,7 @@
             </p:txBody>
           </p:sp>
         </mc:Choice>
-        <mc:Fallback>
+        <mc:Fallback xmlns="">
           <p:sp>
             <p:nvSpPr>
               <p:cNvPr id="3" name="テキスト ボックス 2">
@@ -2071,8 +2076,8 @@
           </p:sp>
         </mc:Fallback>
       </mc:AlternateContent>
-      <mc:AlternateContent xmlns:mc="http://schemas.openxmlformats.org/markup-compatibility/2006">
-        <mc:Choice xmlns:a14="http://schemas.microsoft.com/office/drawing/2010/main" Requires="a14">
+      <mc:AlternateContent xmlns:mc="http://schemas.openxmlformats.org/markup-compatibility/2006" xmlns:a14="http://schemas.microsoft.com/office/drawing/2010/main">
+        <mc:Choice Requires="a14">
           <p:sp>
             <p:nvSpPr>
               <p:cNvPr id="5" name="テキスト ボックス 4">
@@ -2139,7 +2144,7 @@
             </p:txBody>
           </p:sp>
         </mc:Choice>
-        <mc:Fallback>
+        <mc:Fallback xmlns="">
           <p:sp>
             <p:nvSpPr>
               <p:cNvPr id="5" name="テキスト ボックス 4">
@@ -2184,8 +2189,8 @@
           </p:sp>
         </mc:Fallback>
       </mc:AlternateContent>
-      <mc:AlternateContent xmlns:mc="http://schemas.openxmlformats.org/markup-compatibility/2006">
-        <mc:Choice xmlns:a14="http://schemas.microsoft.com/office/drawing/2010/main" Requires="a14">
+      <mc:AlternateContent xmlns:mc="http://schemas.openxmlformats.org/markup-compatibility/2006" xmlns:a14="http://schemas.microsoft.com/office/drawing/2010/main">
+        <mc:Choice Requires="a14">
           <p:sp>
             <p:nvSpPr>
               <p:cNvPr id="6" name="テキスト ボックス 5">
@@ -2214,6 +2219,7 @@
               </a:bodyPr>
               <a:lstStyle/>
               <a:p>
+                <a:pPr/>
                 <a14:m>
                   <m:oMathPara xmlns:m="http://schemas.openxmlformats.org/officeDocument/2006/math">
                     <m:oMathParaPr>
@@ -2321,7 +2327,7 @@
             </p:txBody>
           </p:sp>
         </mc:Choice>
-        <mc:Fallback>
+        <mc:Fallback xmlns="">
           <p:sp>
             <p:nvSpPr>
               <p:cNvPr id="6" name="テキスト ボックス 5">
@@ -2414,8 +2420,8 @@
           </a:fontRef>
         </p:style>
       </p:cxnSp>
-      <mc:AlternateContent xmlns:mc="http://schemas.openxmlformats.org/markup-compatibility/2006">
-        <mc:Choice xmlns:a14="http://schemas.microsoft.com/office/drawing/2010/main" Requires="a14">
+      <mc:AlternateContent xmlns:mc="http://schemas.openxmlformats.org/markup-compatibility/2006" xmlns:a14="http://schemas.microsoft.com/office/drawing/2010/main">
+        <mc:Choice Requires="a14">
           <p:sp>
             <p:nvSpPr>
               <p:cNvPr id="9" name="テキスト ボックス 8">
@@ -2444,6 +2450,7 @@
               </a:bodyPr>
               <a:lstStyle/>
               <a:p>
+                <a:pPr/>
                 <a14:m>
                   <m:oMathPara xmlns:m="http://schemas.openxmlformats.org/officeDocument/2006/math">
                     <m:oMathParaPr>
@@ -2557,7 +2564,7 @@
             </p:txBody>
           </p:sp>
         </mc:Choice>
-        <mc:Fallback>
+        <mc:Fallback xmlns="">
           <p:sp>
             <p:nvSpPr>
               <p:cNvPr id="9" name="テキスト ボックス 8">
@@ -2725,8 +2732,8 @@
           </a:fontRef>
         </p:style>
       </p:cxnSp>
-      <mc:AlternateContent xmlns:mc="http://schemas.openxmlformats.org/markup-compatibility/2006">
-        <mc:Choice xmlns:a14="http://schemas.microsoft.com/office/drawing/2010/main" Requires="a14">
+      <mc:AlternateContent xmlns:mc="http://schemas.openxmlformats.org/markup-compatibility/2006" xmlns:a14="http://schemas.microsoft.com/office/drawing/2010/main">
+        <mc:Choice Requires="a14">
           <p:sp>
             <p:nvSpPr>
               <p:cNvPr id="14" name="テキスト ボックス 13">
@@ -2774,7 +2781,7 @@
             </p:txBody>
           </p:sp>
         </mc:Choice>
-        <mc:Fallback>
+        <mc:Fallback xmlns="">
           <p:sp>
             <p:nvSpPr>
               <p:cNvPr id="14" name="テキスト ボックス 13">
@@ -2819,8 +2826,8 @@
           </p:sp>
         </mc:Fallback>
       </mc:AlternateContent>
-      <mc:AlternateContent xmlns:mc="http://schemas.openxmlformats.org/markup-compatibility/2006">
-        <mc:Choice xmlns:a14="http://schemas.microsoft.com/office/drawing/2010/main" Requires="a14">
+      <mc:AlternateContent xmlns:mc="http://schemas.openxmlformats.org/markup-compatibility/2006" xmlns:a14="http://schemas.microsoft.com/office/drawing/2010/main">
+        <mc:Choice Requires="a14">
           <p:sp>
             <p:nvSpPr>
               <p:cNvPr id="15" name="テキスト ボックス 14">
@@ -2849,6 +2856,7 @@
               </a:bodyPr>
               <a:lstStyle/>
               <a:p>
+                <a:pPr/>
                 <a14:m>
                   <m:oMathPara xmlns:m="http://schemas.openxmlformats.org/officeDocument/2006/math">
                     <m:oMathParaPr>
@@ -3017,7 +3025,7 @@
             </p:txBody>
           </p:sp>
         </mc:Choice>
-        <mc:Fallback>
+        <mc:Fallback xmlns="">
           <p:sp>
             <p:nvSpPr>
               <p:cNvPr id="15" name="テキスト ボックス 14">
@@ -3184,8 +3192,8 @@
           </a:p>
         </p:txBody>
       </p:sp>
-      <mc:AlternateContent xmlns:mc="http://schemas.openxmlformats.org/markup-compatibility/2006">
-        <mc:Choice xmlns:a14="http://schemas.microsoft.com/office/drawing/2010/main" Requires="a14">
+      <mc:AlternateContent xmlns:mc="http://schemas.openxmlformats.org/markup-compatibility/2006" xmlns:a14="http://schemas.microsoft.com/office/drawing/2010/main">
+        <mc:Choice Requires="a14">
           <p:sp>
             <p:nvSpPr>
               <p:cNvPr id="26" name="テキスト ボックス 25">
@@ -3214,6 +3222,7 @@
               </a:bodyPr>
               <a:lstStyle/>
               <a:p>
+                <a:pPr/>
                 <a14:m>
                   <m:oMathPara xmlns:m="http://schemas.openxmlformats.org/officeDocument/2006/math">
                     <m:oMathParaPr>
@@ -3327,7 +3336,7 @@
             </p:txBody>
           </p:sp>
         </mc:Choice>
-        <mc:Fallback>
+        <mc:Fallback xmlns="">
           <p:sp>
             <p:nvSpPr>
               <p:cNvPr id="26" name="テキスト ボックス 25">
@@ -3412,8 +3421,8 @@
           </a:p>
         </p:txBody>
       </p:sp>
-      <mc:AlternateContent xmlns:mc="http://schemas.openxmlformats.org/markup-compatibility/2006">
-        <mc:Choice xmlns:a14="http://schemas.microsoft.com/office/drawing/2010/main" Requires="a14">
+      <mc:AlternateContent xmlns:mc="http://schemas.openxmlformats.org/markup-compatibility/2006" xmlns:a14="http://schemas.microsoft.com/office/drawing/2010/main">
+        <mc:Choice Requires="a14">
           <p:sp>
             <p:nvSpPr>
               <p:cNvPr id="28" name="テキスト ボックス 27">
@@ -3442,6 +3451,7 @@
               </a:bodyPr>
               <a:lstStyle/>
               <a:p>
+                <a:pPr/>
                 <a14:m>
                   <m:oMathPara xmlns:m="http://schemas.openxmlformats.org/officeDocument/2006/math">
                     <m:oMathParaPr>
@@ -3591,7 +3601,7 @@
             </p:txBody>
           </p:sp>
         </mc:Choice>
-        <mc:Fallback>
+        <mc:Fallback xmlns="">
           <p:sp>
             <p:nvSpPr>
               <p:cNvPr id="28" name="テキスト ボックス 27">
@@ -3636,8 +3646,8 @@
           </p:sp>
         </mc:Fallback>
       </mc:AlternateContent>
-      <mc:AlternateContent xmlns:mc="http://schemas.openxmlformats.org/markup-compatibility/2006">
-        <mc:Choice xmlns:a14="http://schemas.microsoft.com/office/drawing/2010/main" Requires="a14">
+      <mc:AlternateContent xmlns:mc="http://schemas.openxmlformats.org/markup-compatibility/2006" xmlns:a14="http://schemas.microsoft.com/office/drawing/2010/main">
+        <mc:Choice Requires="a14">
           <p:sp>
             <p:nvSpPr>
               <p:cNvPr id="29" name="テキスト ボックス 28">
@@ -3666,6 +3676,7 @@
               </a:bodyPr>
               <a:lstStyle/>
               <a:p>
+                <a:pPr/>
                 <a14:m>
                   <m:oMathPara xmlns:m="http://schemas.openxmlformats.org/officeDocument/2006/math">
                     <m:oMathParaPr>
@@ -3710,7 +3721,7 @@
             </p:txBody>
           </p:sp>
         </mc:Choice>
-        <mc:Fallback>
+        <mc:Fallback xmlns="">
           <p:sp>
             <p:nvSpPr>
               <p:cNvPr id="29" name="テキスト ボックス 28">
@@ -3867,6 +3878,2073 @@
     <p:extLst>
       <p:ext uri="{BB962C8B-B14F-4D97-AF65-F5344CB8AC3E}">
         <p14:creationId xmlns:p14="http://schemas.microsoft.com/office/powerpoint/2010/main" val="263050594"/>
+      </p:ext>
+    </p:extLst>
+  </p:cSld>
+  <p:clrMapOvr>
+    <a:masterClrMapping/>
+  </p:clrMapOvr>
+</p:sld>
+</file>
+
+<file path=ppt/slides/slide3.xml><?xml version="1.0" encoding="utf-8"?>
+<p:sld xmlns:a="http://schemas.openxmlformats.org/drawingml/2006/main" xmlns:r="http://schemas.openxmlformats.org/officeDocument/2006/relationships" xmlns:p="http://schemas.openxmlformats.org/presentationml/2006/main">
+  <p:cSld>
+    <p:spTree>
+      <p:nvGrpSpPr>
+        <p:cNvPr id="1" name=""/>
+        <p:cNvGrpSpPr/>
+        <p:nvPr/>
+      </p:nvGrpSpPr>
+      <p:grpSpPr>
+        <a:xfrm>
+          <a:off x="0" y="0"/>
+          <a:ext cx="0" cy="0"/>
+          <a:chOff x="0" y="0"/>
+          <a:chExt cx="0" cy="0"/>
+        </a:xfrm>
+      </p:grpSpPr>
+      <mc:AlternateContent xmlns:mc="http://schemas.openxmlformats.org/markup-compatibility/2006">
+        <mc:Choice xmlns:a14="http://schemas.microsoft.com/office/drawing/2010/main" Requires="a14">
+          <p:sp>
+            <p:nvSpPr>
+              <p:cNvPr id="2" name="テキスト ボックス 1">
+                <a:extLst>
+                  <a:ext uri="{FF2B5EF4-FFF2-40B4-BE49-F238E27FC236}">
+                    <a16:creationId xmlns:a16="http://schemas.microsoft.com/office/drawing/2014/main" id="{801BC5A6-EB2A-DDFF-2230-F8B402A22397}"/>
+                  </a:ext>
+                </a:extLst>
+              </p:cNvPr>
+              <p:cNvSpPr txBox="1"/>
+              <p:nvPr/>
+            </p:nvSpPr>
+            <p:spPr>
+              <a:xfrm>
+                <a:off x="3203848" y="1772816"/>
+                <a:ext cx="1964127" cy="702308"/>
+              </a:xfrm>
+              <a:prstGeom prst="rect">
+                <a:avLst/>
+              </a:prstGeom>
+              <a:noFill/>
+            </p:spPr>
+            <p:txBody>
+              <a:bodyPr wrap="none" lIns="0" tIns="0" rIns="0" bIns="0" rtlCol="0">
+                <a:spAutoFit/>
+              </a:bodyPr>
+              <a:lstStyle/>
+              <a:p>
+                <a:pPr/>
+                <a14:m>
+                  <m:oMathPara xmlns:m="http://schemas.openxmlformats.org/officeDocument/2006/math">
+                    <m:oMathParaPr>
+                      <m:jc m:val="centerGroup"/>
+                    </m:oMathParaPr>
+                    <m:oMath xmlns:m="http://schemas.openxmlformats.org/officeDocument/2006/math">
+                      <m:r>
+                        <a:rPr kumimoji="1" lang="en-US" altLang="ja-JP" sz="2400" b="0" i="1" smtClean="0">
+                          <a:latin typeface="Cambria Math" panose="02040503050406030204" pitchFamily="18" charset="0"/>
+                        </a:rPr>
+                        <m:t>𝑚</m:t>
+                      </m:r>
+                      <m:f>
+                        <m:fPr>
+                          <m:ctrlPr>
+                            <a:rPr kumimoji="1" lang="en-US" altLang="ja-JP" sz="2400" b="0" i="1" smtClean="0">
+                              <a:latin typeface="Cambria Math" panose="02040503050406030204" pitchFamily="18" charset="0"/>
+                            </a:rPr>
+                          </m:ctrlPr>
+                        </m:fPr>
+                        <m:num>
+                          <m:r>
+                            <a:rPr kumimoji="1" lang="en-US" altLang="ja-JP" sz="2400" b="0" i="1" smtClean="0">
+                              <a:latin typeface="Cambria Math" panose="02040503050406030204" pitchFamily="18" charset="0"/>
+                            </a:rPr>
+                            <m:t>𝑑</m:t>
+                          </m:r>
+                          <m:sSub>
+                            <m:sSubPr>
+                              <m:ctrlPr>
+                                <a:rPr kumimoji="1" lang="en-US" altLang="ja-JP" sz="2400" b="0" i="1" smtClean="0">
+                                  <a:latin typeface="Cambria Math" panose="02040503050406030204" pitchFamily="18" charset="0"/>
+                                </a:rPr>
+                              </m:ctrlPr>
+                            </m:sSubPr>
+                            <m:e>
+                              <m:r>
+                                <a:rPr kumimoji="1" lang="en-US" altLang="ja-JP" sz="2400" b="0" i="1" smtClean="0">
+                                  <a:latin typeface="Cambria Math" panose="02040503050406030204" pitchFamily="18" charset="0"/>
+                                </a:rPr>
+                                <m:t>𝑣</m:t>
+                              </m:r>
+                            </m:e>
+                            <m:sub>
+                              <m:r>
+                                <a:rPr kumimoji="1" lang="en-US" altLang="ja-JP" sz="2400" b="0" i="1" smtClean="0">
+                                  <a:latin typeface="Cambria Math" panose="02040503050406030204" pitchFamily="18" charset="0"/>
+                                </a:rPr>
+                                <m:t>𝑥</m:t>
+                              </m:r>
+                            </m:sub>
+                          </m:sSub>
+                        </m:num>
+                        <m:den>
+                          <m:r>
+                            <a:rPr kumimoji="1" lang="en-US" altLang="ja-JP" sz="2400" b="0" i="1" smtClean="0">
+                              <a:latin typeface="Cambria Math" panose="02040503050406030204" pitchFamily="18" charset="0"/>
+                            </a:rPr>
+                            <m:t>𝑑𝑡</m:t>
+                          </m:r>
+                        </m:den>
+                      </m:f>
+                      <m:r>
+                        <a:rPr kumimoji="1" lang="en-US" altLang="ja-JP" sz="2400" b="0" i="1" smtClean="0">
+                          <a:latin typeface="Cambria Math" panose="02040503050406030204" pitchFamily="18" charset="0"/>
+                        </a:rPr>
+                        <m:t>=−</m:t>
+                      </m:r>
+                      <m:f>
+                        <m:fPr>
+                          <m:ctrlPr>
+                            <a:rPr kumimoji="1" lang="en-US" altLang="ja-JP" sz="2400" b="0" i="1" smtClean="0">
+                              <a:latin typeface="Cambria Math" panose="02040503050406030204" pitchFamily="18" charset="0"/>
+                            </a:rPr>
+                          </m:ctrlPr>
+                        </m:fPr>
+                        <m:num>
+                          <m:r>
+                            <a:rPr kumimoji="1" lang="en-US" altLang="ja-JP" sz="2400" b="0" i="1" smtClean="0">
+                              <a:latin typeface="Cambria Math" panose="02040503050406030204" pitchFamily="18" charset="0"/>
+                            </a:rPr>
+                            <m:t>𝜕</m:t>
+                          </m:r>
+                          <m:r>
+                            <a:rPr kumimoji="1" lang="en-US" altLang="ja-JP" sz="2400" b="0" i="1" smtClean="0">
+                              <a:latin typeface="Cambria Math" panose="02040503050406030204" pitchFamily="18" charset="0"/>
+                            </a:rPr>
+                            <m:t>𝑈</m:t>
+                          </m:r>
+                        </m:num>
+                        <m:den>
+                          <m:r>
+                            <a:rPr kumimoji="1" lang="en-US" altLang="ja-JP" sz="2400" b="0" i="1" smtClean="0">
+                              <a:latin typeface="Cambria Math" panose="02040503050406030204" pitchFamily="18" charset="0"/>
+                            </a:rPr>
+                            <m:t>𝜕</m:t>
+                          </m:r>
+                          <m:r>
+                            <a:rPr kumimoji="1" lang="en-US" altLang="ja-JP" sz="2400" b="0" i="1" smtClean="0">
+                              <a:latin typeface="Cambria Math" panose="02040503050406030204" pitchFamily="18" charset="0"/>
+                            </a:rPr>
+                            <m:t>𝑥</m:t>
+                          </m:r>
+                        </m:den>
+                      </m:f>
+                    </m:oMath>
+                  </m:oMathPara>
+                </a14:m>
+                <a:endParaRPr kumimoji="1" lang="ja-JP" altLang="en-US" sz="2400" dirty="0"/>
+              </a:p>
+            </p:txBody>
+          </p:sp>
+        </mc:Choice>
+        <mc:Fallback>
+          <p:sp>
+            <p:nvSpPr>
+              <p:cNvPr id="2" name="テキスト ボックス 1">
+                <a:extLst>
+                  <a:ext uri="{FF2B5EF4-FFF2-40B4-BE49-F238E27FC236}">
+                    <a16:creationId xmlns:a16="http://schemas.microsoft.com/office/drawing/2014/main" id="{801BC5A6-EB2A-DDFF-2230-F8B402A22397}"/>
+                  </a:ext>
+                </a:extLst>
+              </p:cNvPr>
+              <p:cNvSpPr txBox="1">
+                <a:spLocks noRot="1" noChangeAspect="1" noMove="1" noResize="1" noEditPoints="1" noAdjustHandles="1" noChangeArrowheads="1" noChangeShapeType="1" noTextEdit="1"/>
+              </p:cNvSpPr>
+              <p:nvPr/>
+            </p:nvSpPr>
+            <p:spPr>
+              <a:xfrm>
+                <a:off x="3203848" y="1772816"/>
+                <a:ext cx="1964127" cy="702308"/>
+              </a:xfrm>
+              <a:prstGeom prst="rect">
+                <a:avLst/>
+              </a:prstGeom>
+              <a:blipFill>
+                <a:blip r:embed="rId2"/>
+                <a:stretch>
+                  <a:fillRect l="-641" t="-1786" r="-1923" b="-16071"/>
+                </a:stretch>
+              </a:blipFill>
+            </p:spPr>
+            <p:txBody>
+              <a:bodyPr/>
+              <a:lstStyle/>
+              <a:p>
+                <a:r>
+                  <a:rPr lang="ja-JP" altLang="en-US">
+                    <a:noFill/>
+                  </a:rPr>
+                  <a:t> </a:t>
+                </a:r>
+              </a:p>
+            </p:txBody>
+          </p:sp>
+        </mc:Fallback>
+      </mc:AlternateContent>
+      <mc:AlternateContent xmlns:mc="http://schemas.openxmlformats.org/markup-compatibility/2006">
+        <mc:Choice xmlns:a14="http://schemas.microsoft.com/office/drawing/2010/main" Requires="a14">
+          <p:sp>
+            <p:nvSpPr>
+              <p:cNvPr id="3" name="テキスト ボックス 2">
+                <a:extLst>
+                  <a:ext uri="{FF2B5EF4-FFF2-40B4-BE49-F238E27FC236}">
+                    <a16:creationId xmlns:a16="http://schemas.microsoft.com/office/drawing/2014/main" id="{DD102C0D-0ED2-443E-CF4D-14FDDDB01FB6}"/>
+                  </a:ext>
+                </a:extLst>
+              </p:cNvPr>
+              <p:cNvSpPr txBox="1"/>
+              <p:nvPr/>
+            </p:nvSpPr>
+            <p:spPr>
+              <a:xfrm>
+                <a:off x="3203848" y="2780928"/>
+                <a:ext cx="1950662" cy="774443"/>
+              </a:xfrm>
+              <a:prstGeom prst="rect">
+                <a:avLst/>
+              </a:prstGeom>
+              <a:noFill/>
+            </p:spPr>
+            <p:txBody>
+              <a:bodyPr wrap="none" lIns="0" tIns="0" rIns="0" bIns="0" rtlCol="0">
+                <a:spAutoFit/>
+              </a:bodyPr>
+              <a:lstStyle/>
+              <a:p>
+                <a:pPr/>
+                <a14:m>
+                  <m:oMathPara xmlns:m="http://schemas.openxmlformats.org/officeDocument/2006/math">
+                    <m:oMathParaPr>
+                      <m:jc m:val="centerGroup"/>
+                    </m:oMathParaPr>
+                    <m:oMath xmlns:m="http://schemas.openxmlformats.org/officeDocument/2006/math">
+                      <m:r>
+                        <a:rPr kumimoji="1" lang="en-US" altLang="ja-JP" sz="2400" b="0" i="1" smtClean="0">
+                          <a:latin typeface="Cambria Math" panose="02040503050406030204" pitchFamily="18" charset="0"/>
+                        </a:rPr>
+                        <m:t>𝑚</m:t>
+                      </m:r>
+                      <m:f>
+                        <m:fPr>
+                          <m:ctrlPr>
+                            <a:rPr kumimoji="1" lang="en-US" altLang="ja-JP" sz="2400" b="0" i="1" smtClean="0">
+                              <a:latin typeface="Cambria Math" panose="02040503050406030204" pitchFamily="18" charset="0"/>
+                            </a:rPr>
+                          </m:ctrlPr>
+                        </m:fPr>
+                        <m:num>
+                          <m:r>
+                            <a:rPr kumimoji="1" lang="en-US" altLang="ja-JP" sz="2400" b="0" i="1" smtClean="0">
+                              <a:latin typeface="Cambria Math" panose="02040503050406030204" pitchFamily="18" charset="0"/>
+                            </a:rPr>
+                            <m:t>𝑑</m:t>
+                          </m:r>
+                          <m:sSub>
+                            <m:sSubPr>
+                              <m:ctrlPr>
+                                <a:rPr kumimoji="1" lang="en-US" altLang="ja-JP" sz="2400" b="0" i="1" smtClean="0">
+                                  <a:latin typeface="Cambria Math" panose="02040503050406030204" pitchFamily="18" charset="0"/>
+                                </a:rPr>
+                              </m:ctrlPr>
+                            </m:sSubPr>
+                            <m:e>
+                              <m:r>
+                                <a:rPr kumimoji="1" lang="en-US" altLang="ja-JP" sz="2400" b="0" i="1" smtClean="0">
+                                  <a:latin typeface="Cambria Math" panose="02040503050406030204" pitchFamily="18" charset="0"/>
+                                </a:rPr>
+                                <m:t>𝑣</m:t>
+                              </m:r>
+                            </m:e>
+                            <m:sub>
+                              <m:r>
+                                <a:rPr kumimoji="1" lang="en-US" altLang="ja-JP" sz="2400" b="0" i="1" smtClean="0">
+                                  <a:latin typeface="Cambria Math" panose="02040503050406030204" pitchFamily="18" charset="0"/>
+                                </a:rPr>
+                                <m:t>𝑦</m:t>
+                              </m:r>
+                            </m:sub>
+                          </m:sSub>
+                        </m:num>
+                        <m:den>
+                          <m:r>
+                            <a:rPr kumimoji="1" lang="en-US" altLang="ja-JP" sz="2400" b="0" i="1" smtClean="0">
+                              <a:latin typeface="Cambria Math" panose="02040503050406030204" pitchFamily="18" charset="0"/>
+                            </a:rPr>
+                            <m:t>𝑑𝑡</m:t>
+                          </m:r>
+                        </m:den>
+                      </m:f>
+                      <m:r>
+                        <a:rPr kumimoji="1" lang="en-US" altLang="ja-JP" sz="2400" b="0" i="1" smtClean="0">
+                          <a:latin typeface="Cambria Math" panose="02040503050406030204" pitchFamily="18" charset="0"/>
+                        </a:rPr>
+                        <m:t>=−</m:t>
+                      </m:r>
+                      <m:f>
+                        <m:fPr>
+                          <m:ctrlPr>
+                            <a:rPr kumimoji="1" lang="en-US" altLang="ja-JP" sz="2400" b="0" i="1" smtClean="0">
+                              <a:latin typeface="Cambria Math" panose="02040503050406030204" pitchFamily="18" charset="0"/>
+                            </a:rPr>
+                          </m:ctrlPr>
+                        </m:fPr>
+                        <m:num>
+                          <m:r>
+                            <a:rPr kumimoji="1" lang="en-US" altLang="ja-JP" sz="2400" b="0" i="1" smtClean="0">
+                              <a:latin typeface="Cambria Math" panose="02040503050406030204" pitchFamily="18" charset="0"/>
+                            </a:rPr>
+                            <m:t>𝜕</m:t>
+                          </m:r>
+                          <m:r>
+                            <a:rPr kumimoji="1" lang="en-US" altLang="ja-JP" sz="2400" b="0" i="1" smtClean="0">
+                              <a:latin typeface="Cambria Math" panose="02040503050406030204" pitchFamily="18" charset="0"/>
+                            </a:rPr>
+                            <m:t>𝑈</m:t>
+                          </m:r>
+                        </m:num>
+                        <m:den>
+                          <m:r>
+                            <a:rPr kumimoji="1" lang="en-US" altLang="ja-JP" sz="2400" b="0" i="1" smtClean="0">
+                              <a:latin typeface="Cambria Math" panose="02040503050406030204" pitchFamily="18" charset="0"/>
+                            </a:rPr>
+                            <m:t>𝜕</m:t>
+                          </m:r>
+                          <m:r>
+                            <a:rPr kumimoji="1" lang="en-US" altLang="ja-JP" sz="2400" b="0" i="1" smtClean="0">
+                              <a:latin typeface="Cambria Math" panose="02040503050406030204" pitchFamily="18" charset="0"/>
+                            </a:rPr>
+                            <m:t>𝑦</m:t>
+                          </m:r>
+                        </m:den>
+                      </m:f>
+                    </m:oMath>
+                  </m:oMathPara>
+                </a14:m>
+                <a:endParaRPr kumimoji="1" lang="ja-JP" altLang="en-US" sz="2400" dirty="0"/>
+              </a:p>
+            </p:txBody>
+          </p:sp>
+        </mc:Choice>
+        <mc:Fallback>
+          <p:sp>
+            <p:nvSpPr>
+              <p:cNvPr id="3" name="テキスト ボックス 2">
+                <a:extLst>
+                  <a:ext uri="{FF2B5EF4-FFF2-40B4-BE49-F238E27FC236}">
+                    <a16:creationId xmlns:a16="http://schemas.microsoft.com/office/drawing/2014/main" id="{DD102C0D-0ED2-443E-CF4D-14FDDDB01FB6}"/>
+                  </a:ext>
+                </a:extLst>
+              </p:cNvPr>
+              <p:cNvSpPr txBox="1">
+                <a:spLocks noRot="1" noChangeAspect="1" noMove="1" noResize="1" noEditPoints="1" noAdjustHandles="1" noChangeArrowheads="1" noChangeShapeType="1" noTextEdit="1"/>
+              </p:cNvSpPr>
+              <p:nvPr/>
+            </p:nvSpPr>
+            <p:spPr>
+              <a:xfrm>
+                <a:off x="3203848" y="2780928"/>
+                <a:ext cx="1950662" cy="774443"/>
+              </a:xfrm>
+              <a:prstGeom prst="rect">
+                <a:avLst/>
+              </a:prstGeom>
+              <a:blipFill>
+                <a:blip r:embed="rId3"/>
+                <a:stretch>
+                  <a:fillRect l="-1290" t="-1613" r="-3226" b="-17742"/>
+                </a:stretch>
+              </a:blipFill>
+            </p:spPr>
+            <p:txBody>
+              <a:bodyPr/>
+              <a:lstStyle/>
+              <a:p>
+                <a:r>
+                  <a:rPr lang="ja-JP" altLang="en-US">
+                    <a:noFill/>
+                  </a:rPr>
+                  <a:t> </a:t>
+                </a:r>
+              </a:p>
+            </p:txBody>
+          </p:sp>
+        </mc:Fallback>
+      </mc:AlternateContent>
+      <mc:AlternateContent xmlns:mc="http://schemas.openxmlformats.org/markup-compatibility/2006">
+        <mc:Choice xmlns:a14="http://schemas.microsoft.com/office/drawing/2010/main" Requires="a14">
+          <p:sp>
+            <p:nvSpPr>
+              <p:cNvPr id="4" name="テキスト ボックス 3">
+                <a:extLst>
+                  <a:ext uri="{FF2B5EF4-FFF2-40B4-BE49-F238E27FC236}">
+                    <a16:creationId xmlns:a16="http://schemas.microsoft.com/office/drawing/2014/main" id="{D6133A83-DD15-021F-0B65-C1063BECB296}"/>
+                  </a:ext>
+                </a:extLst>
+              </p:cNvPr>
+              <p:cNvSpPr txBox="1"/>
+              <p:nvPr/>
+            </p:nvSpPr>
+            <p:spPr>
+              <a:xfrm>
+                <a:off x="3203848" y="3789040"/>
+                <a:ext cx="1926105" cy="702244"/>
+              </a:xfrm>
+              <a:prstGeom prst="rect">
+                <a:avLst/>
+              </a:prstGeom>
+              <a:noFill/>
+            </p:spPr>
+            <p:txBody>
+              <a:bodyPr wrap="none" lIns="0" tIns="0" rIns="0" bIns="0" rtlCol="0">
+                <a:spAutoFit/>
+              </a:bodyPr>
+              <a:lstStyle/>
+              <a:p>
+                <a:pPr/>
+                <a14:m>
+                  <m:oMathPara xmlns:m="http://schemas.openxmlformats.org/officeDocument/2006/math">
+                    <m:oMathParaPr>
+                      <m:jc m:val="centerGroup"/>
+                    </m:oMathParaPr>
+                    <m:oMath xmlns:m="http://schemas.openxmlformats.org/officeDocument/2006/math">
+                      <m:r>
+                        <a:rPr kumimoji="1" lang="en-US" altLang="ja-JP" sz="2400" b="0" i="1" smtClean="0">
+                          <a:latin typeface="Cambria Math" panose="02040503050406030204" pitchFamily="18" charset="0"/>
+                        </a:rPr>
+                        <m:t>𝑚</m:t>
+                      </m:r>
+                      <m:f>
+                        <m:fPr>
+                          <m:ctrlPr>
+                            <a:rPr kumimoji="1" lang="en-US" altLang="ja-JP" sz="2400" b="0" i="1" smtClean="0">
+                              <a:latin typeface="Cambria Math" panose="02040503050406030204" pitchFamily="18" charset="0"/>
+                            </a:rPr>
+                          </m:ctrlPr>
+                        </m:fPr>
+                        <m:num>
+                          <m:r>
+                            <a:rPr kumimoji="1" lang="en-US" altLang="ja-JP" sz="2400" b="0" i="1" smtClean="0">
+                              <a:latin typeface="Cambria Math" panose="02040503050406030204" pitchFamily="18" charset="0"/>
+                            </a:rPr>
+                            <m:t>𝑑</m:t>
+                          </m:r>
+                          <m:sSub>
+                            <m:sSubPr>
+                              <m:ctrlPr>
+                                <a:rPr kumimoji="1" lang="en-US" altLang="ja-JP" sz="2400" b="0" i="1" smtClean="0">
+                                  <a:latin typeface="Cambria Math" panose="02040503050406030204" pitchFamily="18" charset="0"/>
+                                </a:rPr>
+                              </m:ctrlPr>
+                            </m:sSubPr>
+                            <m:e>
+                              <m:r>
+                                <a:rPr kumimoji="1" lang="en-US" altLang="ja-JP" sz="2400" b="0" i="1" smtClean="0">
+                                  <a:latin typeface="Cambria Math" panose="02040503050406030204" pitchFamily="18" charset="0"/>
+                                </a:rPr>
+                                <m:t>𝑣</m:t>
+                              </m:r>
+                            </m:e>
+                            <m:sub>
+                              <m:r>
+                                <a:rPr kumimoji="1" lang="en-US" altLang="ja-JP" sz="2400" b="0" i="1" smtClean="0">
+                                  <a:latin typeface="Cambria Math" panose="02040503050406030204" pitchFamily="18" charset="0"/>
+                                </a:rPr>
+                                <m:t>𝑧</m:t>
+                              </m:r>
+                            </m:sub>
+                          </m:sSub>
+                        </m:num>
+                        <m:den>
+                          <m:r>
+                            <a:rPr kumimoji="1" lang="en-US" altLang="ja-JP" sz="2400" b="0" i="1" smtClean="0">
+                              <a:latin typeface="Cambria Math" panose="02040503050406030204" pitchFamily="18" charset="0"/>
+                            </a:rPr>
+                            <m:t>𝑑𝑡</m:t>
+                          </m:r>
+                        </m:den>
+                      </m:f>
+                      <m:r>
+                        <a:rPr kumimoji="1" lang="en-US" altLang="ja-JP" sz="2400" b="0" i="1" smtClean="0">
+                          <a:latin typeface="Cambria Math" panose="02040503050406030204" pitchFamily="18" charset="0"/>
+                        </a:rPr>
+                        <m:t>=−</m:t>
+                      </m:r>
+                      <m:f>
+                        <m:fPr>
+                          <m:ctrlPr>
+                            <a:rPr kumimoji="1" lang="en-US" altLang="ja-JP" sz="2400" b="0" i="1" smtClean="0">
+                              <a:latin typeface="Cambria Math" panose="02040503050406030204" pitchFamily="18" charset="0"/>
+                            </a:rPr>
+                          </m:ctrlPr>
+                        </m:fPr>
+                        <m:num>
+                          <m:r>
+                            <a:rPr kumimoji="1" lang="en-US" altLang="ja-JP" sz="2400" b="0" i="1" smtClean="0">
+                              <a:latin typeface="Cambria Math" panose="02040503050406030204" pitchFamily="18" charset="0"/>
+                            </a:rPr>
+                            <m:t>𝜕</m:t>
+                          </m:r>
+                          <m:r>
+                            <a:rPr kumimoji="1" lang="en-US" altLang="ja-JP" sz="2400" b="0" i="1" smtClean="0">
+                              <a:latin typeface="Cambria Math" panose="02040503050406030204" pitchFamily="18" charset="0"/>
+                            </a:rPr>
+                            <m:t>𝑈</m:t>
+                          </m:r>
+                        </m:num>
+                        <m:den>
+                          <m:r>
+                            <a:rPr kumimoji="1" lang="en-US" altLang="ja-JP" sz="2400" b="0" i="1" smtClean="0">
+                              <a:latin typeface="Cambria Math" panose="02040503050406030204" pitchFamily="18" charset="0"/>
+                            </a:rPr>
+                            <m:t>𝜕</m:t>
+                          </m:r>
+                          <m:r>
+                            <a:rPr kumimoji="1" lang="en-US" altLang="ja-JP" sz="2400" b="0" i="1" smtClean="0">
+                              <a:latin typeface="Cambria Math" panose="02040503050406030204" pitchFamily="18" charset="0"/>
+                            </a:rPr>
+                            <m:t>𝑧</m:t>
+                          </m:r>
+                        </m:den>
+                      </m:f>
+                    </m:oMath>
+                  </m:oMathPara>
+                </a14:m>
+                <a:endParaRPr kumimoji="1" lang="ja-JP" altLang="en-US" sz="2400" dirty="0"/>
+              </a:p>
+            </p:txBody>
+          </p:sp>
+        </mc:Choice>
+        <mc:Fallback>
+          <p:sp>
+            <p:nvSpPr>
+              <p:cNvPr id="4" name="テキスト ボックス 3">
+                <a:extLst>
+                  <a:ext uri="{FF2B5EF4-FFF2-40B4-BE49-F238E27FC236}">
+                    <a16:creationId xmlns:a16="http://schemas.microsoft.com/office/drawing/2014/main" id="{D6133A83-DD15-021F-0B65-C1063BECB296}"/>
+                  </a:ext>
+                </a:extLst>
+              </p:cNvPr>
+              <p:cNvSpPr txBox="1">
+                <a:spLocks noRot="1" noChangeAspect="1" noMove="1" noResize="1" noEditPoints="1" noAdjustHandles="1" noChangeArrowheads="1" noChangeShapeType="1" noTextEdit="1"/>
+              </p:cNvSpPr>
+              <p:nvPr/>
+            </p:nvSpPr>
+            <p:spPr>
+              <a:xfrm>
+                <a:off x="3203848" y="3789040"/>
+                <a:ext cx="1926105" cy="702244"/>
+              </a:xfrm>
+              <a:prstGeom prst="rect">
+                <a:avLst/>
+              </a:prstGeom>
+              <a:blipFill>
+                <a:blip r:embed="rId4"/>
+                <a:stretch>
+                  <a:fillRect l="-1307" t="-1786" r="-2614" b="-14286"/>
+                </a:stretch>
+              </a:blipFill>
+            </p:spPr>
+            <p:txBody>
+              <a:bodyPr/>
+              <a:lstStyle/>
+              <a:p>
+                <a:r>
+                  <a:rPr lang="ja-JP" altLang="en-US">
+                    <a:noFill/>
+                  </a:rPr>
+                  <a:t> </a:t>
+                </a:r>
+              </a:p>
+            </p:txBody>
+          </p:sp>
+        </mc:Fallback>
+      </mc:AlternateContent>
+      <p:sp>
+        <p:nvSpPr>
+          <p:cNvPr id="5" name="四角形: 角を丸くする 4">
+            <a:extLst>
+              <a:ext uri="{FF2B5EF4-FFF2-40B4-BE49-F238E27FC236}">
+                <a16:creationId xmlns:a16="http://schemas.microsoft.com/office/drawing/2014/main" id="{63FF62D9-EC76-0C26-7E9E-69E6D2B2505F}"/>
+              </a:ext>
+            </a:extLst>
+          </p:cNvPr>
+          <p:cNvSpPr/>
+          <p:nvPr/>
+        </p:nvSpPr>
+        <p:spPr>
+          <a:xfrm>
+            <a:off x="4427984" y="1700808"/>
+            <a:ext cx="864096" cy="2880320"/>
+          </a:xfrm>
+          <a:prstGeom prst="roundRect">
+            <a:avLst/>
+          </a:prstGeom>
+          <a:noFill/>
+          <a:ln>
+            <a:solidFill>
+              <a:schemeClr val="accent1"/>
+            </a:solidFill>
+          </a:ln>
+        </p:spPr>
+        <p:txBody>
+          <a:bodyPr wrap="square" rtlCol="0" anchor="ctr">
+            <a:spAutoFit/>
+          </a:bodyPr>
+          <a:lstStyle/>
+          <a:p>
+            <a:pPr algn="ctr"/>
+            <a:endParaRPr kumimoji="1" lang="ja-JP" altLang="en-US" sz="2400" dirty="0"/>
+          </a:p>
+        </p:txBody>
+      </p:sp>
+      <p:sp>
+        <p:nvSpPr>
+          <p:cNvPr id="6" name="四角形: 角を丸くする 5">
+            <a:extLst>
+              <a:ext uri="{FF2B5EF4-FFF2-40B4-BE49-F238E27FC236}">
+                <a16:creationId xmlns:a16="http://schemas.microsoft.com/office/drawing/2014/main" id="{34923D60-7695-99A3-5198-55AEDB357E37}"/>
+              </a:ext>
+            </a:extLst>
+          </p:cNvPr>
+          <p:cNvSpPr/>
+          <p:nvPr/>
+        </p:nvSpPr>
+        <p:spPr>
+          <a:xfrm>
+            <a:off x="3059832" y="1700808"/>
+            <a:ext cx="1008112" cy="2880320"/>
+          </a:xfrm>
+          <a:prstGeom prst="roundRect">
+            <a:avLst/>
+          </a:prstGeom>
+          <a:noFill/>
+          <a:ln>
+            <a:solidFill>
+              <a:srgbClr val="FF0000"/>
+            </a:solidFill>
+          </a:ln>
+        </p:spPr>
+        <p:txBody>
+          <a:bodyPr wrap="square" rtlCol="0" anchor="ctr">
+            <a:spAutoFit/>
+          </a:bodyPr>
+          <a:lstStyle/>
+          <a:p>
+            <a:pPr algn="ctr"/>
+            <a:endParaRPr kumimoji="1" lang="ja-JP" altLang="en-US" sz="2400" dirty="0"/>
+          </a:p>
+        </p:txBody>
+      </p:sp>
+      <mc:AlternateContent xmlns:mc="http://schemas.openxmlformats.org/markup-compatibility/2006">
+        <mc:Choice xmlns:a14="http://schemas.microsoft.com/office/drawing/2010/main" Requires="a14">
+          <p:sp>
+            <p:nvSpPr>
+              <p:cNvPr id="7" name="テキスト ボックス 6">
+                <a:extLst>
+                  <a:ext uri="{FF2B5EF4-FFF2-40B4-BE49-F238E27FC236}">
+                    <a16:creationId xmlns:a16="http://schemas.microsoft.com/office/drawing/2014/main" id="{9627682D-A63D-BAA0-42F4-349AA70F610D}"/>
+                  </a:ext>
+                </a:extLst>
+              </p:cNvPr>
+              <p:cNvSpPr txBox="1"/>
+              <p:nvPr/>
+            </p:nvSpPr>
+            <p:spPr>
+              <a:xfrm>
+                <a:off x="5292080" y="642020"/>
+                <a:ext cx="1274580" cy="369332"/>
+              </a:xfrm>
+              <a:prstGeom prst="rect">
+                <a:avLst/>
+              </a:prstGeom>
+              <a:noFill/>
+            </p:spPr>
+            <p:txBody>
+              <a:bodyPr wrap="none" lIns="0" tIns="0" rIns="0" bIns="0" rtlCol="0">
+                <a:spAutoFit/>
+              </a:bodyPr>
+              <a:lstStyle/>
+              <a:p>
+                <a14:m>
+                  <m:oMathPara xmlns:m="http://schemas.openxmlformats.org/officeDocument/2006/math">
+                    <m:oMathParaPr>
+                      <m:jc m:val="centerGroup"/>
+                    </m:oMathParaPr>
+                    <m:oMath xmlns:m="http://schemas.openxmlformats.org/officeDocument/2006/math">
+                      <m:r>
+                        <a:rPr kumimoji="1" lang="en-US" altLang="ja-JP" sz="2400" b="0" i="1" smtClean="0">
+                          <a:latin typeface="Cambria Math" panose="02040503050406030204" pitchFamily="18" charset="0"/>
+                        </a:rPr>
+                        <m:t>𝑈</m:t>
+                      </m:r>
+                      <m:r>
+                        <a:rPr kumimoji="1" lang="en-US" altLang="ja-JP" sz="2400" b="0" i="1" smtClean="0">
+                          <a:latin typeface="Cambria Math" panose="02040503050406030204" pitchFamily="18" charset="0"/>
+                        </a:rPr>
+                        <m:t>(</m:t>
+                      </m:r>
+                      <m:r>
+                        <a:rPr kumimoji="1" lang="en-US" altLang="ja-JP" sz="2400" b="0" i="1" smtClean="0">
+                          <a:latin typeface="Cambria Math" panose="02040503050406030204" pitchFamily="18" charset="0"/>
+                        </a:rPr>
+                        <m:t>𝑥</m:t>
+                      </m:r>
+                      <m:r>
+                        <a:rPr kumimoji="1" lang="en-US" altLang="ja-JP" sz="2400" b="0" i="1" smtClean="0">
+                          <a:latin typeface="Cambria Math" panose="02040503050406030204" pitchFamily="18" charset="0"/>
+                        </a:rPr>
+                        <m:t>,</m:t>
+                      </m:r>
+                      <m:r>
+                        <a:rPr kumimoji="1" lang="en-US" altLang="ja-JP" sz="2400" b="0" i="1" smtClean="0">
+                          <a:latin typeface="Cambria Math" panose="02040503050406030204" pitchFamily="18" charset="0"/>
+                        </a:rPr>
+                        <m:t>𝑦</m:t>
+                      </m:r>
+                      <m:r>
+                        <a:rPr kumimoji="1" lang="en-US" altLang="ja-JP" sz="2400" b="0" i="1" smtClean="0">
+                          <a:latin typeface="Cambria Math" panose="02040503050406030204" pitchFamily="18" charset="0"/>
+                        </a:rPr>
+                        <m:t>,</m:t>
+                      </m:r>
+                      <m:r>
+                        <a:rPr kumimoji="1" lang="en-US" altLang="ja-JP" sz="2400" b="0" i="1" smtClean="0">
+                          <a:latin typeface="Cambria Math" panose="02040503050406030204" pitchFamily="18" charset="0"/>
+                        </a:rPr>
+                        <m:t>𝑧</m:t>
+                      </m:r>
+                      <m:r>
+                        <a:rPr kumimoji="1" lang="en-US" altLang="ja-JP" sz="2400" b="0" i="1" smtClean="0">
+                          <a:latin typeface="Cambria Math" panose="02040503050406030204" pitchFamily="18" charset="0"/>
+                        </a:rPr>
+                        <m:t>)</m:t>
+                      </m:r>
+                    </m:oMath>
+                  </m:oMathPara>
+                </a14:m>
+                <a:endParaRPr kumimoji="1" lang="ja-JP" altLang="en-US" sz="2400" dirty="0"/>
+              </a:p>
+            </p:txBody>
+          </p:sp>
+        </mc:Choice>
+        <mc:Fallback>
+          <p:sp>
+            <p:nvSpPr>
+              <p:cNvPr id="7" name="テキスト ボックス 6">
+                <a:extLst>
+                  <a:ext uri="{FF2B5EF4-FFF2-40B4-BE49-F238E27FC236}">
+                    <a16:creationId xmlns:a16="http://schemas.microsoft.com/office/drawing/2014/main" id="{9627682D-A63D-BAA0-42F4-349AA70F610D}"/>
+                  </a:ext>
+                </a:extLst>
+              </p:cNvPr>
+              <p:cNvSpPr txBox="1">
+                <a:spLocks noRot="1" noChangeAspect="1" noMove="1" noResize="1" noEditPoints="1" noAdjustHandles="1" noChangeArrowheads="1" noChangeShapeType="1" noTextEdit="1"/>
+              </p:cNvSpPr>
+              <p:nvPr/>
+            </p:nvSpPr>
+            <p:spPr>
+              <a:xfrm>
+                <a:off x="5292080" y="642020"/>
+                <a:ext cx="1274580" cy="369332"/>
+              </a:xfrm>
+              <a:prstGeom prst="rect">
+                <a:avLst/>
+              </a:prstGeom>
+              <a:blipFill>
+                <a:blip r:embed="rId5"/>
+                <a:stretch>
+                  <a:fillRect l="-4950" r="-8911" b="-33333"/>
+                </a:stretch>
+              </a:blipFill>
+            </p:spPr>
+            <p:txBody>
+              <a:bodyPr/>
+              <a:lstStyle/>
+              <a:p>
+                <a:r>
+                  <a:rPr lang="ja-JP" altLang="en-US">
+                    <a:noFill/>
+                  </a:rPr>
+                  <a:t> </a:t>
+                </a:r>
+              </a:p>
+            </p:txBody>
+          </p:sp>
+        </mc:Fallback>
+      </mc:AlternateContent>
+      <mc:AlternateContent xmlns:mc="http://schemas.openxmlformats.org/markup-compatibility/2006">
+        <mc:Choice xmlns:a14="http://schemas.microsoft.com/office/drawing/2010/main" Requires="a14">
+          <p:sp>
+            <p:nvSpPr>
+              <p:cNvPr id="8" name="テキスト ボックス 7">
+                <a:extLst>
+                  <a:ext uri="{FF2B5EF4-FFF2-40B4-BE49-F238E27FC236}">
+                    <a16:creationId xmlns:a16="http://schemas.microsoft.com/office/drawing/2014/main" id="{73AAB808-F4F6-FB5D-291E-C9AB5C6EADCB}"/>
+                  </a:ext>
+                </a:extLst>
+              </p:cNvPr>
+              <p:cNvSpPr txBox="1"/>
+              <p:nvPr/>
+            </p:nvSpPr>
+            <p:spPr>
+              <a:xfrm>
+                <a:off x="1708906" y="642020"/>
+                <a:ext cx="1692258" cy="424925"/>
+              </a:xfrm>
+              <a:prstGeom prst="rect">
+                <a:avLst/>
+              </a:prstGeom>
+              <a:noFill/>
+            </p:spPr>
+            <p:txBody>
+              <a:bodyPr wrap="none" lIns="0" tIns="0" rIns="0" bIns="0" rtlCol="0">
+                <a:spAutoFit/>
+              </a:bodyPr>
+              <a:lstStyle/>
+              <a:p>
+                <a14:m>
+                  <m:oMathPara xmlns:m="http://schemas.openxmlformats.org/officeDocument/2006/math">
+                    <m:oMathParaPr>
+                      <m:jc m:val="centerGroup"/>
+                    </m:oMathParaPr>
+                    <m:oMath xmlns:m="http://schemas.openxmlformats.org/officeDocument/2006/math">
+                      <m:r>
+                        <a:rPr kumimoji="1" lang="en-US" altLang="ja-JP" sz="2400" b="0" i="1" smtClean="0">
+                          <a:latin typeface="Cambria Math" panose="02040503050406030204" pitchFamily="18" charset="0"/>
+                        </a:rPr>
+                        <m:t>𝐾</m:t>
+                      </m:r>
+                      <m:d>
+                        <m:dPr>
+                          <m:ctrlPr>
+                            <a:rPr kumimoji="1" lang="en-US" altLang="ja-JP" sz="2400" b="0" i="1" smtClean="0">
+                              <a:latin typeface="Cambria Math" panose="02040503050406030204" pitchFamily="18" charset="0"/>
+                            </a:rPr>
+                          </m:ctrlPr>
+                        </m:dPr>
+                        <m:e>
+                          <m:sSub>
+                            <m:sSubPr>
+                              <m:ctrlPr>
+                                <a:rPr kumimoji="1" lang="en-US" altLang="ja-JP" sz="2400" b="0" i="1" smtClean="0">
+                                  <a:latin typeface="Cambria Math" panose="02040503050406030204" pitchFamily="18" charset="0"/>
+                                </a:rPr>
+                              </m:ctrlPr>
+                            </m:sSubPr>
+                            <m:e>
+                              <m:r>
+                                <a:rPr kumimoji="1" lang="en-US" altLang="ja-JP" sz="2400" b="0" i="1" smtClean="0">
+                                  <a:latin typeface="Cambria Math" panose="02040503050406030204" pitchFamily="18" charset="0"/>
+                                </a:rPr>
+                                <m:t>𝑣</m:t>
+                              </m:r>
+                            </m:e>
+                            <m:sub>
+                              <m:r>
+                                <a:rPr kumimoji="1" lang="en-US" altLang="ja-JP" sz="2400" b="0" i="1" smtClean="0">
+                                  <a:latin typeface="Cambria Math" panose="02040503050406030204" pitchFamily="18" charset="0"/>
+                                </a:rPr>
+                                <m:t>𝑥</m:t>
+                              </m:r>
+                            </m:sub>
+                          </m:sSub>
+                          <m:r>
+                            <a:rPr kumimoji="1" lang="en-US" altLang="ja-JP" sz="2400" b="0" i="1" smtClean="0">
+                              <a:latin typeface="Cambria Math" panose="02040503050406030204" pitchFamily="18" charset="0"/>
+                            </a:rPr>
+                            <m:t>,</m:t>
+                          </m:r>
+                          <m:sSub>
+                            <m:sSubPr>
+                              <m:ctrlPr>
+                                <a:rPr kumimoji="1" lang="en-US" altLang="ja-JP" sz="2400" b="0" i="1" smtClean="0">
+                                  <a:latin typeface="Cambria Math" panose="02040503050406030204" pitchFamily="18" charset="0"/>
+                                </a:rPr>
+                              </m:ctrlPr>
+                            </m:sSubPr>
+                            <m:e>
+                              <m:r>
+                                <a:rPr kumimoji="1" lang="en-US" altLang="ja-JP" sz="2400" b="0" i="1" smtClean="0">
+                                  <a:latin typeface="Cambria Math" panose="02040503050406030204" pitchFamily="18" charset="0"/>
+                                </a:rPr>
+                                <m:t>𝑣</m:t>
+                              </m:r>
+                            </m:e>
+                            <m:sub>
+                              <m:r>
+                                <a:rPr kumimoji="1" lang="en-US" altLang="ja-JP" sz="2400" b="0" i="1" smtClean="0">
+                                  <a:latin typeface="Cambria Math" panose="02040503050406030204" pitchFamily="18" charset="0"/>
+                                </a:rPr>
+                                <m:t>𝑦</m:t>
+                              </m:r>
+                            </m:sub>
+                          </m:sSub>
+                          <m:r>
+                            <a:rPr kumimoji="1" lang="en-US" altLang="ja-JP" sz="2400" b="0" i="1" smtClean="0">
+                              <a:latin typeface="Cambria Math" panose="02040503050406030204" pitchFamily="18" charset="0"/>
+                            </a:rPr>
+                            <m:t>,</m:t>
+                          </m:r>
+                          <m:sSub>
+                            <m:sSubPr>
+                              <m:ctrlPr>
+                                <a:rPr kumimoji="1" lang="en-US" altLang="ja-JP" sz="2400" b="0" i="1" smtClean="0">
+                                  <a:latin typeface="Cambria Math" panose="02040503050406030204" pitchFamily="18" charset="0"/>
+                                </a:rPr>
+                              </m:ctrlPr>
+                            </m:sSubPr>
+                            <m:e>
+                              <m:r>
+                                <a:rPr kumimoji="1" lang="en-US" altLang="ja-JP" sz="2400" b="0" i="1" smtClean="0">
+                                  <a:latin typeface="Cambria Math" panose="02040503050406030204" pitchFamily="18" charset="0"/>
+                                </a:rPr>
+                                <m:t>𝑣</m:t>
+                              </m:r>
+                            </m:e>
+                            <m:sub>
+                              <m:r>
+                                <a:rPr kumimoji="1" lang="en-US" altLang="ja-JP" sz="2400" b="0" i="1" smtClean="0">
+                                  <a:latin typeface="Cambria Math" panose="02040503050406030204" pitchFamily="18" charset="0"/>
+                                </a:rPr>
+                                <m:t>𝑧</m:t>
+                              </m:r>
+                            </m:sub>
+                          </m:sSub>
+                        </m:e>
+                      </m:d>
+                    </m:oMath>
+                  </m:oMathPara>
+                </a14:m>
+                <a:endParaRPr kumimoji="1" lang="ja-JP" altLang="en-US" sz="2400" dirty="0"/>
+              </a:p>
+            </p:txBody>
+          </p:sp>
+        </mc:Choice>
+        <mc:Fallback>
+          <p:sp>
+            <p:nvSpPr>
+              <p:cNvPr id="8" name="テキスト ボックス 7">
+                <a:extLst>
+                  <a:ext uri="{FF2B5EF4-FFF2-40B4-BE49-F238E27FC236}">
+                    <a16:creationId xmlns:a16="http://schemas.microsoft.com/office/drawing/2014/main" id="{73AAB808-F4F6-FB5D-291E-C9AB5C6EADCB}"/>
+                  </a:ext>
+                </a:extLst>
+              </p:cNvPr>
+              <p:cNvSpPr txBox="1">
+                <a:spLocks noRot="1" noChangeAspect="1" noMove="1" noResize="1" noEditPoints="1" noAdjustHandles="1" noChangeArrowheads="1" noChangeShapeType="1" noTextEdit="1"/>
+              </p:cNvSpPr>
+              <p:nvPr/>
+            </p:nvSpPr>
+            <p:spPr>
+              <a:xfrm>
+                <a:off x="1708906" y="642020"/>
+                <a:ext cx="1692258" cy="424925"/>
+              </a:xfrm>
+              <a:prstGeom prst="rect">
+                <a:avLst/>
+              </a:prstGeom>
+              <a:blipFill>
+                <a:blip r:embed="rId6"/>
+                <a:stretch>
+                  <a:fillRect l="-3731" b="-17647"/>
+                </a:stretch>
+              </a:blipFill>
+            </p:spPr>
+            <p:txBody>
+              <a:bodyPr/>
+              <a:lstStyle/>
+              <a:p>
+                <a:r>
+                  <a:rPr lang="ja-JP" altLang="en-US">
+                    <a:noFill/>
+                  </a:rPr>
+                  <a:t> </a:t>
+                </a:r>
+              </a:p>
+            </p:txBody>
+          </p:sp>
+        </mc:Fallback>
+      </mc:AlternateContent>
+      <p:cxnSp>
+        <p:nvCxnSpPr>
+          <p:cNvPr id="10" name="カギ線コネクタ 9">
+            <a:extLst>
+              <a:ext uri="{FF2B5EF4-FFF2-40B4-BE49-F238E27FC236}">
+                <a16:creationId xmlns:a16="http://schemas.microsoft.com/office/drawing/2014/main" id="{E6895F50-B5E3-4663-21D0-C200DF059F47}"/>
+              </a:ext>
+            </a:extLst>
+          </p:cNvPr>
+          <p:cNvCxnSpPr>
+            <a:cxnSpLocks/>
+            <a:stCxn id="8" idx="2"/>
+            <a:endCxn id="6" idx="1"/>
+          </p:cNvCxnSpPr>
+          <p:nvPr/>
+        </p:nvCxnSpPr>
+        <p:spPr>
+          <a:xfrm rot="16200000" flipH="1">
+            <a:off x="1770422" y="1851557"/>
+            <a:ext cx="2074023" cy="504797"/>
+          </a:xfrm>
+          <a:prstGeom prst="bentConnector2">
+            <a:avLst/>
+          </a:prstGeom>
+          <a:ln w="9525">
+            <a:solidFill>
+              <a:schemeClr val="tx1"/>
+            </a:solidFill>
+            <a:headEnd type="none"/>
+            <a:tailEnd type="triangle"/>
+          </a:ln>
+          <a:effectLst/>
+        </p:spPr>
+        <p:style>
+          <a:lnRef idx="2">
+            <a:schemeClr val="accent1"/>
+          </a:lnRef>
+          <a:fillRef idx="0">
+            <a:schemeClr val="accent1"/>
+          </a:fillRef>
+          <a:effectRef idx="1">
+            <a:schemeClr val="accent1"/>
+          </a:effectRef>
+          <a:fontRef idx="minor">
+            <a:schemeClr val="tx1"/>
+          </a:fontRef>
+        </p:style>
+      </p:cxnSp>
+      <p:cxnSp>
+        <p:nvCxnSpPr>
+          <p:cNvPr id="12" name="カギ線コネクタ 11">
+            <a:extLst>
+              <a:ext uri="{FF2B5EF4-FFF2-40B4-BE49-F238E27FC236}">
+                <a16:creationId xmlns:a16="http://schemas.microsoft.com/office/drawing/2014/main" id="{85A21E03-50B2-22CF-0D00-3983A883F6B5}"/>
+              </a:ext>
+            </a:extLst>
+          </p:cNvPr>
+          <p:cNvCxnSpPr>
+            <a:stCxn id="7" idx="2"/>
+            <a:endCxn id="5" idx="3"/>
+          </p:cNvCxnSpPr>
+          <p:nvPr/>
+        </p:nvCxnSpPr>
+        <p:spPr>
+          <a:xfrm rot="5400000">
+            <a:off x="4545917" y="1757515"/>
+            <a:ext cx="2129616" cy="637290"/>
+          </a:xfrm>
+          <a:prstGeom prst="bentConnector2">
+            <a:avLst/>
+          </a:prstGeom>
+          <a:ln w="9525">
+            <a:solidFill>
+              <a:schemeClr val="tx1"/>
+            </a:solidFill>
+            <a:headEnd type="none"/>
+            <a:tailEnd type="triangle"/>
+          </a:ln>
+          <a:effectLst/>
+        </p:spPr>
+        <p:style>
+          <a:lnRef idx="2">
+            <a:schemeClr val="accent1"/>
+          </a:lnRef>
+          <a:fillRef idx="0">
+            <a:schemeClr val="accent1"/>
+          </a:fillRef>
+          <a:effectRef idx="1">
+            <a:schemeClr val="accent1"/>
+          </a:effectRef>
+          <a:fontRef idx="minor">
+            <a:schemeClr val="tx1"/>
+          </a:fontRef>
+        </p:style>
+      </p:cxnSp>
+      <mc:AlternateContent xmlns:mc="http://schemas.openxmlformats.org/markup-compatibility/2006">
+        <mc:Choice xmlns:a14="http://schemas.microsoft.com/office/drawing/2010/main" Requires="a14">
+          <p:sp>
+            <p:nvSpPr>
+              <p:cNvPr id="21" name="テキスト ボックス 20">
+                <a:extLst>
+                  <a:ext uri="{FF2B5EF4-FFF2-40B4-BE49-F238E27FC236}">
+                    <a16:creationId xmlns:a16="http://schemas.microsoft.com/office/drawing/2014/main" id="{0ECE1100-C363-4771-986B-4B2590213D19}"/>
+                  </a:ext>
+                </a:extLst>
+              </p:cNvPr>
+              <p:cNvSpPr txBox="1"/>
+              <p:nvPr/>
+            </p:nvSpPr>
+            <p:spPr>
+              <a:xfrm>
+                <a:off x="1144329" y="1735898"/>
+                <a:ext cx="1129155" cy="764697"/>
+              </a:xfrm>
+              <a:prstGeom prst="rect">
+                <a:avLst/>
+              </a:prstGeom>
+              <a:noFill/>
+            </p:spPr>
+            <p:txBody>
+              <a:bodyPr wrap="none" lIns="0" tIns="0" rIns="0" bIns="0" rtlCol="0">
+                <a:spAutoFit/>
+              </a:bodyPr>
+              <a:lstStyle/>
+              <a:p>
+                <a14:m>
+                  <m:oMathPara xmlns:m="http://schemas.openxmlformats.org/officeDocument/2006/math">
+                    <m:oMathParaPr>
+                      <m:jc m:val="centerGroup"/>
+                    </m:oMathParaPr>
+                    <m:oMath xmlns:m="http://schemas.openxmlformats.org/officeDocument/2006/math">
+                      <m:f>
+                        <m:fPr>
+                          <m:ctrlPr>
+                            <a:rPr kumimoji="1" lang="en-US" altLang="ja-JP" sz="2400" b="0" i="1" smtClean="0">
+                              <a:latin typeface="Cambria Math" panose="02040503050406030204" pitchFamily="18" charset="0"/>
+                            </a:rPr>
+                          </m:ctrlPr>
+                        </m:fPr>
+                        <m:num>
+                          <m:r>
+                            <a:rPr kumimoji="1" lang="en-US" altLang="ja-JP" sz="2400" b="0" i="1" smtClean="0">
+                              <a:latin typeface="Cambria Math" panose="02040503050406030204" pitchFamily="18" charset="0"/>
+                            </a:rPr>
+                            <m:t>𝑑</m:t>
+                          </m:r>
+                        </m:num>
+                        <m:den>
+                          <m:r>
+                            <a:rPr kumimoji="1" lang="en-US" altLang="ja-JP" sz="2400" b="0" i="1" smtClean="0">
+                              <a:latin typeface="Cambria Math" panose="02040503050406030204" pitchFamily="18" charset="0"/>
+                            </a:rPr>
+                            <m:t>𝑑𝑡</m:t>
+                          </m:r>
+                        </m:den>
+                      </m:f>
+                      <m:r>
+                        <a:rPr kumimoji="1" lang="en-US" altLang="ja-JP" sz="2400" b="0" i="1" smtClean="0">
+                          <a:latin typeface="Cambria Math" panose="02040503050406030204" pitchFamily="18" charset="0"/>
+                          <a:ea typeface="Cambria Math" panose="02040503050406030204" pitchFamily="18" charset="0"/>
+                        </a:rPr>
+                        <m:t>∘</m:t>
+                      </m:r>
+                      <m:f>
+                        <m:fPr>
+                          <m:ctrlPr>
+                            <a:rPr kumimoji="1" lang="en-US" altLang="ja-JP" sz="2400" b="0" i="1" smtClean="0">
+                              <a:latin typeface="Cambria Math" panose="02040503050406030204" pitchFamily="18" charset="0"/>
+                              <a:ea typeface="Cambria Math" panose="02040503050406030204" pitchFamily="18" charset="0"/>
+                            </a:rPr>
+                          </m:ctrlPr>
+                        </m:fPr>
+                        <m:num>
+                          <m:r>
+                            <a:rPr kumimoji="1" lang="en-US" altLang="ja-JP" sz="2400" b="0" i="1" smtClean="0">
+                              <a:latin typeface="Cambria Math" panose="02040503050406030204" pitchFamily="18" charset="0"/>
+                              <a:ea typeface="Cambria Math" panose="02040503050406030204" pitchFamily="18" charset="0"/>
+                            </a:rPr>
+                            <m:t>𝜕</m:t>
+                          </m:r>
+                        </m:num>
+                        <m:den>
+                          <m:r>
+                            <a:rPr kumimoji="1" lang="en-US" altLang="ja-JP" sz="2400" b="0" i="1" smtClean="0">
+                              <a:latin typeface="Cambria Math" panose="02040503050406030204" pitchFamily="18" charset="0"/>
+                              <a:ea typeface="Cambria Math" panose="02040503050406030204" pitchFamily="18" charset="0"/>
+                            </a:rPr>
+                            <m:t>𝜕</m:t>
+                          </m:r>
+                          <m:sSub>
+                            <m:sSubPr>
+                              <m:ctrlPr>
+                                <a:rPr kumimoji="1" lang="en-US" altLang="ja-JP" sz="2400" b="0" i="1" smtClean="0">
+                                  <a:latin typeface="Cambria Math" panose="02040503050406030204" pitchFamily="18" charset="0"/>
+                                  <a:ea typeface="Cambria Math" panose="02040503050406030204" pitchFamily="18" charset="0"/>
+                                </a:rPr>
+                              </m:ctrlPr>
+                            </m:sSubPr>
+                            <m:e>
+                              <m:r>
+                                <a:rPr kumimoji="1" lang="en-US" altLang="ja-JP" sz="2400" b="0" i="1" smtClean="0">
+                                  <a:latin typeface="Cambria Math" panose="02040503050406030204" pitchFamily="18" charset="0"/>
+                                  <a:ea typeface="Cambria Math" panose="02040503050406030204" pitchFamily="18" charset="0"/>
+                                </a:rPr>
+                                <m:t>𝑣</m:t>
+                              </m:r>
+                            </m:e>
+                            <m:sub>
+                              <m:r>
+                                <a:rPr kumimoji="1" lang="en-US" altLang="ja-JP" sz="2400" b="0" i="1" smtClean="0">
+                                  <a:latin typeface="Cambria Math" panose="02040503050406030204" pitchFamily="18" charset="0"/>
+                                  <a:ea typeface="Cambria Math" panose="02040503050406030204" pitchFamily="18" charset="0"/>
+                                </a:rPr>
+                                <m:t>𝑥</m:t>
+                              </m:r>
+                            </m:sub>
+                          </m:sSub>
+                        </m:den>
+                      </m:f>
+                    </m:oMath>
+                  </m:oMathPara>
+                </a14:m>
+                <a:endParaRPr kumimoji="1" lang="ja-JP" altLang="en-US" sz="2400" dirty="0"/>
+              </a:p>
+            </p:txBody>
+          </p:sp>
+        </mc:Choice>
+        <mc:Fallback>
+          <p:sp>
+            <p:nvSpPr>
+              <p:cNvPr id="21" name="テキスト ボックス 20">
+                <a:extLst>
+                  <a:ext uri="{FF2B5EF4-FFF2-40B4-BE49-F238E27FC236}">
+                    <a16:creationId xmlns:a16="http://schemas.microsoft.com/office/drawing/2014/main" id="{0ECE1100-C363-4771-986B-4B2590213D19}"/>
+                  </a:ext>
+                </a:extLst>
+              </p:cNvPr>
+              <p:cNvSpPr txBox="1">
+                <a:spLocks noRot="1" noChangeAspect="1" noMove="1" noResize="1" noEditPoints="1" noAdjustHandles="1" noChangeArrowheads="1" noChangeShapeType="1" noTextEdit="1"/>
+              </p:cNvSpPr>
+              <p:nvPr/>
+            </p:nvSpPr>
+            <p:spPr>
+              <a:xfrm>
+                <a:off x="1144329" y="1735898"/>
+                <a:ext cx="1129155" cy="764697"/>
+              </a:xfrm>
+              <a:prstGeom prst="rect">
+                <a:avLst/>
+              </a:prstGeom>
+              <a:blipFill>
+                <a:blip r:embed="rId7"/>
+                <a:stretch>
+                  <a:fillRect l="-6667" t="-1639" b="-8197"/>
+                </a:stretch>
+              </a:blipFill>
+            </p:spPr>
+            <p:txBody>
+              <a:bodyPr/>
+              <a:lstStyle/>
+              <a:p>
+                <a:r>
+                  <a:rPr lang="ja-JP" altLang="en-US">
+                    <a:noFill/>
+                  </a:rPr>
+                  <a:t> </a:t>
+                </a:r>
+              </a:p>
+            </p:txBody>
+          </p:sp>
+        </mc:Fallback>
+      </mc:AlternateContent>
+      <mc:AlternateContent xmlns:mc="http://schemas.openxmlformats.org/markup-compatibility/2006">
+        <mc:Choice xmlns:a14="http://schemas.microsoft.com/office/drawing/2010/main" Requires="a14">
+          <p:sp>
+            <p:nvSpPr>
+              <p:cNvPr id="23" name="テキスト ボックス 22">
+                <a:extLst>
+                  <a:ext uri="{FF2B5EF4-FFF2-40B4-BE49-F238E27FC236}">
+                    <a16:creationId xmlns:a16="http://schemas.microsoft.com/office/drawing/2014/main" id="{5903DA07-5B29-D39A-4BAF-101F4D2AB619}"/>
+                  </a:ext>
+                </a:extLst>
+              </p:cNvPr>
+              <p:cNvSpPr txBox="1"/>
+              <p:nvPr/>
+            </p:nvSpPr>
+            <p:spPr>
+              <a:xfrm>
+                <a:off x="1181559" y="2738005"/>
+                <a:ext cx="1138196" cy="805926"/>
+              </a:xfrm>
+              <a:prstGeom prst="rect">
+                <a:avLst/>
+              </a:prstGeom>
+              <a:noFill/>
+            </p:spPr>
+            <p:txBody>
+              <a:bodyPr wrap="none" lIns="0" tIns="0" rIns="0" bIns="0" rtlCol="0">
+                <a:spAutoFit/>
+              </a:bodyPr>
+              <a:lstStyle/>
+              <a:p>
+                <a14:m>
+                  <m:oMathPara xmlns:m="http://schemas.openxmlformats.org/officeDocument/2006/math">
+                    <m:oMathParaPr>
+                      <m:jc m:val="centerGroup"/>
+                    </m:oMathParaPr>
+                    <m:oMath xmlns:m="http://schemas.openxmlformats.org/officeDocument/2006/math">
+                      <m:f>
+                        <m:fPr>
+                          <m:ctrlPr>
+                            <a:rPr kumimoji="1" lang="en-US" altLang="ja-JP" sz="2400" b="0" i="1" smtClean="0">
+                              <a:latin typeface="Cambria Math" panose="02040503050406030204" pitchFamily="18" charset="0"/>
+                            </a:rPr>
+                          </m:ctrlPr>
+                        </m:fPr>
+                        <m:num>
+                          <m:r>
+                            <a:rPr kumimoji="1" lang="en-US" altLang="ja-JP" sz="2400" b="0" i="1" smtClean="0">
+                              <a:latin typeface="Cambria Math" panose="02040503050406030204" pitchFamily="18" charset="0"/>
+                            </a:rPr>
+                            <m:t>𝑑</m:t>
+                          </m:r>
+                        </m:num>
+                        <m:den>
+                          <m:r>
+                            <a:rPr kumimoji="1" lang="en-US" altLang="ja-JP" sz="2400" b="0" i="1" smtClean="0">
+                              <a:latin typeface="Cambria Math" panose="02040503050406030204" pitchFamily="18" charset="0"/>
+                            </a:rPr>
+                            <m:t>𝑑𝑡</m:t>
+                          </m:r>
+                        </m:den>
+                      </m:f>
+                      <m:r>
+                        <a:rPr kumimoji="1" lang="en-US" altLang="ja-JP" sz="2400" b="0" i="1" smtClean="0">
+                          <a:latin typeface="Cambria Math" panose="02040503050406030204" pitchFamily="18" charset="0"/>
+                          <a:ea typeface="Cambria Math" panose="02040503050406030204" pitchFamily="18" charset="0"/>
+                        </a:rPr>
+                        <m:t>∘</m:t>
+                      </m:r>
+                      <m:f>
+                        <m:fPr>
+                          <m:ctrlPr>
+                            <a:rPr kumimoji="1" lang="en-US" altLang="ja-JP" sz="2400" b="0" i="1" smtClean="0">
+                              <a:latin typeface="Cambria Math" panose="02040503050406030204" pitchFamily="18" charset="0"/>
+                              <a:ea typeface="Cambria Math" panose="02040503050406030204" pitchFamily="18" charset="0"/>
+                            </a:rPr>
+                          </m:ctrlPr>
+                        </m:fPr>
+                        <m:num>
+                          <m:r>
+                            <a:rPr kumimoji="1" lang="en-US" altLang="ja-JP" sz="2400" b="0" i="1" smtClean="0">
+                              <a:latin typeface="Cambria Math" panose="02040503050406030204" pitchFamily="18" charset="0"/>
+                              <a:ea typeface="Cambria Math" panose="02040503050406030204" pitchFamily="18" charset="0"/>
+                            </a:rPr>
+                            <m:t>𝜕</m:t>
+                          </m:r>
+                        </m:num>
+                        <m:den>
+                          <m:r>
+                            <a:rPr kumimoji="1" lang="en-US" altLang="ja-JP" sz="2400" b="0" i="1" smtClean="0">
+                              <a:latin typeface="Cambria Math" panose="02040503050406030204" pitchFamily="18" charset="0"/>
+                              <a:ea typeface="Cambria Math" panose="02040503050406030204" pitchFamily="18" charset="0"/>
+                            </a:rPr>
+                            <m:t>𝜕</m:t>
+                          </m:r>
+                          <m:sSub>
+                            <m:sSubPr>
+                              <m:ctrlPr>
+                                <a:rPr kumimoji="1" lang="en-US" altLang="ja-JP" sz="2400" b="0" i="1" smtClean="0">
+                                  <a:latin typeface="Cambria Math" panose="02040503050406030204" pitchFamily="18" charset="0"/>
+                                  <a:ea typeface="Cambria Math" panose="02040503050406030204" pitchFamily="18" charset="0"/>
+                                </a:rPr>
+                              </m:ctrlPr>
+                            </m:sSubPr>
+                            <m:e>
+                              <m:r>
+                                <a:rPr kumimoji="1" lang="en-US" altLang="ja-JP" sz="2400" b="0" i="1" smtClean="0">
+                                  <a:latin typeface="Cambria Math" panose="02040503050406030204" pitchFamily="18" charset="0"/>
+                                  <a:ea typeface="Cambria Math" panose="02040503050406030204" pitchFamily="18" charset="0"/>
+                                </a:rPr>
+                                <m:t>𝑣</m:t>
+                              </m:r>
+                            </m:e>
+                            <m:sub>
+                              <m:r>
+                                <a:rPr kumimoji="1" lang="en-US" altLang="ja-JP" sz="2400" b="0" i="1" smtClean="0">
+                                  <a:latin typeface="Cambria Math" panose="02040503050406030204" pitchFamily="18" charset="0"/>
+                                  <a:ea typeface="Cambria Math" panose="02040503050406030204" pitchFamily="18" charset="0"/>
+                                </a:rPr>
+                                <m:t>𝑦</m:t>
+                              </m:r>
+                            </m:sub>
+                          </m:sSub>
+                        </m:den>
+                      </m:f>
+                    </m:oMath>
+                  </m:oMathPara>
+                </a14:m>
+                <a:endParaRPr kumimoji="1" lang="ja-JP" altLang="en-US" sz="2400" dirty="0"/>
+              </a:p>
+            </p:txBody>
+          </p:sp>
+        </mc:Choice>
+        <mc:Fallback>
+          <p:sp>
+            <p:nvSpPr>
+              <p:cNvPr id="23" name="テキスト ボックス 22">
+                <a:extLst>
+                  <a:ext uri="{FF2B5EF4-FFF2-40B4-BE49-F238E27FC236}">
+                    <a16:creationId xmlns:a16="http://schemas.microsoft.com/office/drawing/2014/main" id="{5903DA07-5B29-D39A-4BAF-101F4D2AB619}"/>
+                  </a:ext>
+                </a:extLst>
+              </p:cNvPr>
+              <p:cNvSpPr txBox="1">
+                <a:spLocks noRot="1" noChangeAspect="1" noMove="1" noResize="1" noEditPoints="1" noAdjustHandles="1" noChangeArrowheads="1" noChangeShapeType="1" noTextEdit="1"/>
+              </p:cNvSpPr>
+              <p:nvPr/>
+            </p:nvSpPr>
+            <p:spPr>
+              <a:xfrm>
+                <a:off x="1181559" y="2738005"/>
+                <a:ext cx="1138196" cy="805926"/>
+              </a:xfrm>
+              <a:prstGeom prst="rect">
+                <a:avLst/>
+              </a:prstGeom>
+              <a:blipFill>
+                <a:blip r:embed="rId8"/>
+                <a:stretch>
+                  <a:fillRect l="-6667" r="-2222" b="-9375"/>
+                </a:stretch>
+              </a:blipFill>
+            </p:spPr>
+            <p:txBody>
+              <a:bodyPr/>
+              <a:lstStyle/>
+              <a:p>
+                <a:r>
+                  <a:rPr lang="ja-JP" altLang="en-US">
+                    <a:noFill/>
+                  </a:rPr>
+                  <a:t> </a:t>
+                </a:r>
+              </a:p>
+            </p:txBody>
+          </p:sp>
+        </mc:Fallback>
+      </mc:AlternateContent>
+      <mc:AlternateContent xmlns:mc="http://schemas.openxmlformats.org/markup-compatibility/2006">
+        <mc:Choice xmlns:a14="http://schemas.microsoft.com/office/drawing/2010/main" Requires="a14">
+          <p:sp>
+            <p:nvSpPr>
+              <p:cNvPr id="24" name="テキスト ボックス 23">
+                <a:extLst>
+                  <a:ext uri="{FF2B5EF4-FFF2-40B4-BE49-F238E27FC236}">
+                    <a16:creationId xmlns:a16="http://schemas.microsoft.com/office/drawing/2014/main" id="{1C0AA6A9-E7E7-2CB2-6516-6AD4B4FE29B7}"/>
+                  </a:ext>
+                </a:extLst>
+              </p:cNvPr>
+              <p:cNvSpPr txBox="1"/>
+              <p:nvPr/>
+            </p:nvSpPr>
+            <p:spPr>
+              <a:xfrm>
+                <a:off x="1186080" y="3762965"/>
+                <a:ext cx="1129155" cy="764697"/>
+              </a:xfrm>
+              <a:prstGeom prst="rect">
+                <a:avLst/>
+              </a:prstGeom>
+              <a:noFill/>
+            </p:spPr>
+            <p:txBody>
+              <a:bodyPr wrap="none" lIns="0" tIns="0" rIns="0" bIns="0" rtlCol="0">
+                <a:spAutoFit/>
+              </a:bodyPr>
+              <a:lstStyle/>
+              <a:p>
+                <a14:m>
+                  <m:oMathPara xmlns:m="http://schemas.openxmlformats.org/officeDocument/2006/math">
+                    <m:oMathParaPr>
+                      <m:jc m:val="centerGroup"/>
+                    </m:oMathParaPr>
+                    <m:oMath xmlns:m="http://schemas.openxmlformats.org/officeDocument/2006/math">
+                      <m:f>
+                        <m:fPr>
+                          <m:ctrlPr>
+                            <a:rPr kumimoji="1" lang="en-US" altLang="ja-JP" sz="2400" b="0" i="1" smtClean="0">
+                              <a:latin typeface="Cambria Math" panose="02040503050406030204" pitchFamily="18" charset="0"/>
+                            </a:rPr>
+                          </m:ctrlPr>
+                        </m:fPr>
+                        <m:num>
+                          <m:r>
+                            <a:rPr kumimoji="1" lang="en-US" altLang="ja-JP" sz="2400" b="0" i="1" smtClean="0">
+                              <a:latin typeface="Cambria Math" panose="02040503050406030204" pitchFamily="18" charset="0"/>
+                            </a:rPr>
+                            <m:t>𝑑</m:t>
+                          </m:r>
+                        </m:num>
+                        <m:den>
+                          <m:r>
+                            <a:rPr kumimoji="1" lang="en-US" altLang="ja-JP" sz="2400" b="0" i="1" smtClean="0">
+                              <a:latin typeface="Cambria Math" panose="02040503050406030204" pitchFamily="18" charset="0"/>
+                            </a:rPr>
+                            <m:t>𝑑𝑡</m:t>
+                          </m:r>
+                        </m:den>
+                      </m:f>
+                      <m:r>
+                        <a:rPr kumimoji="1" lang="en-US" altLang="ja-JP" sz="2400" b="0" i="1" smtClean="0">
+                          <a:latin typeface="Cambria Math" panose="02040503050406030204" pitchFamily="18" charset="0"/>
+                          <a:ea typeface="Cambria Math" panose="02040503050406030204" pitchFamily="18" charset="0"/>
+                        </a:rPr>
+                        <m:t>∘</m:t>
+                      </m:r>
+                      <m:f>
+                        <m:fPr>
+                          <m:ctrlPr>
+                            <a:rPr kumimoji="1" lang="en-US" altLang="ja-JP" sz="2400" b="0" i="1" smtClean="0">
+                              <a:latin typeface="Cambria Math" panose="02040503050406030204" pitchFamily="18" charset="0"/>
+                              <a:ea typeface="Cambria Math" panose="02040503050406030204" pitchFamily="18" charset="0"/>
+                            </a:rPr>
+                          </m:ctrlPr>
+                        </m:fPr>
+                        <m:num>
+                          <m:r>
+                            <a:rPr kumimoji="1" lang="en-US" altLang="ja-JP" sz="2400" b="0" i="1" smtClean="0">
+                              <a:latin typeface="Cambria Math" panose="02040503050406030204" pitchFamily="18" charset="0"/>
+                              <a:ea typeface="Cambria Math" panose="02040503050406030204" pitchFamily="18" charset="0"/>
+                            </a:rPr>
+                            <m:t>𝜕</m:t>
+                          </m:r>
+                        </m:num>
+                        <m:den>
+                          <m:r>
+                            <a:rPr kumimoji="1" lang="en-US" altLang="ja-JP" sz="2400" b="0" i="1" smtClean="0">
+                              <a:latin typeface="Cambria Math" panose="02040503050406030204" pitchFamily="18" charset="0"/>
+                              <a:ea typeface="Cambria Math" panose="02040503050406030204" pitchFamily="18" charset="0"/>
+                            </a:rPr>
+                            <m:t>𝜕</m:t>
+                          </m:r>
+                          <m:sSub>
+                            <m:sSubPr>
+                              <m:ctrlPr>
+                                <a:rPr kumimoji="1" lang="en-US" altLang="ja-JP" sz="2400" b="0" i="1" smtClean="0">
+                                  <a:latin typeface="Cambria Math" panose="02040503050406030204" pitchFamily="18" charset="0"/>
+                                  <a:ea typeface="Cambria Math" panose="02040503050406030204" pitchFamily="18" charset="0"/>
+                                </a:rPr>
+                              </m:ctrlPr>
+                            </m:sSubPr>
+                            <m:e>
+                              <m:r>
+                                <a:rPr kumimoji="1" lang="en-US" altLang="ja-JP" sz="2400" b="0" i="1" smtClean="0">
+                                  <a:latin typeface="Cambria Math" panose="02040503050406030204" pitchFamily="18" charset="0"/>
+                                  <a:ea typeface="Cambria Math" panose="02040503050406030204" pitchFamily="18" charset="0"/>
+                                </a:rPr>
+                                <m:t>𝑣</m:t>
+                              </m:r>
+                            </m:e>
+                            <m:sub>
+                              <m:r>
+                                <a:rPr kumimoji="1" lang="en-US" altLang="ja-JP" sz="2400" b="0" i="1" smtClean="0">
+                                  <a:latin typeface="Cambria Math" panose="02040503050406030204" pitchFamily="18" charset="0"/>
+                                  <a:ea typeface="Cambria Math" panose="02040503050406030204" pitchFamily="18" charset="0"/>
+                                </a:rPr>
+                                <m:t>𝑧</m:t>
+                              </m:r>
+                            </m:sub>
+                          </m:sSub>
+                        </m:den>
+                      </m:f>
+                    </m:oMath>
+                  </m:oMathPara>
+                </a14:m>
+                <a:endParaRPr kumimoji="1" lang="ja-JP" altLang="en-US" sz="2400" dirty="0"/>
+              </a:p>
+            </p:txBody>
+          </p:sp>
+        </mc:Choice>
+        <mc:Fallback>
+          <p:sp>
+            <p:nvSpPr>
+              <p:cNvPr id="24" name="テキスト ボックス 23">
+                <a:extLst>
+                  <a:ext uri="{FF2B5EF4-FFF2-40B4-BE49-F238E27FC236}">
+                    <a16:creationId xmlns:a16="http://schemas.microsoft.com/office/drawing/2014/main" id="{1C0AA6A9-E7E7-2CB2-6516-6AD4B4FE29B7}"/>
+                  </a:ext>
+                </a:extLst>
+              </p:cNvPr>
+              <p:cNvSpPr txBox="1">
+                <a:spLocks noRot="1" noChangeAspect="1" noMove="1" noResize="1" noEditPoints="1" noAdjustHandles="1" noChangeArrowheads="1" noChangeShapeType="1" noTextEdit="1"/>
+              </p:cNvSpPr>
+              <p:nvPr/>
+            </p:nvSpPr>
+            <p:spPr>
+              <a:xfrm>
+                <a:off x="1186080" y="3762965"/>
+                <a:ext cx="1129155" cy="764697"/>
+              </a:xfrm>
+              <a:prstGeom prst="rect">
+                <a:avLst/>
+              </a:prstGeom>
+              <a:blipFill>
+                <a:blip r:embed="rId9"/>
+                <a:stretch>
+                  <a:fillRect l="-5556" t="-1639" b="-6557"/>
+                </a:stretch>
+              </a:blipFill>
+            </p:spPr>
+            <p:txBody>
+              <a:bodyPr/>
+              <a:lstStyle/>
+              <a:p>
+                <a:r>
+                  <a:rPr lang="ja-JP" altLang="en-US">
+                    <a:noFill/>
+                  </a:rPr>
+                  <a:t> </a:t>
+                </a:r>
+              </a:p>
+            </p:txBody>
+          </p:sp>
+        </mc:Fallback>
+      </mc:AlternateContent>
+      <mc:AlternateContent xmlns:mc="http://schemas.openxmlformats.org/markup-compatibility/2006">
+        <mc:Choice xmlns:a14="http://schemas.microsoft.com/office/drawing/2010/main" Requires="a14">
+          <p:sp>
+            <p:nvSpPr>
+              <p:cNvPr id="26" name="テキスト ボックス 25">
+                <a:extLst>
+                  <a:ext uri="{FF2B5EF4-FFF2-40B4-BE49-F238E27FC236}">
+                    <a16:creationId xmlns:a16="http://schemas.microsoft.com/office/drawing/2014/main" id="{B3DDAEF6-1C91-A62B-E3D3-DEF49129F41A}"/>
+                  </a:ext>
+                </a:extLst>
+              </p:cNvPr>
+              <p:cNvSpPr txBox="1"/>
+              <p:nvPr/>
+            </p:nvSpPr>
+            <p:spPr>
+              <a:xfrm>
+                <a:off x="6015329" y="1595026"/>
+                <a:ext cx="840763" cy="857029"/>
+              </a:xfrm>
+              <a:prstGeom prst="rect">
+                <a:avLst/>
+              </a:prstGeom>
+              <a:noFill/>
+            </p:spPr>
+            <p:txBody>
+              <a:bodyPr wrap="square">
+                <a:spAutoFit/>
+              </a:bodyPr>
+              <a:lstStyle/>
+              <a:p>
+                <a:pPr/>
+                <a14:m>
+                  <m:oMathPara xmlns:m="http://schemas.openxmlformats.org/officeDocument/2006/math">
+                    <m:oMathParaPr>
+                      <m:jc m:val="centerGroup"/>
+                    </m:oMathParaPr>
+                    <m:oMath xmlns:m="http://schemas.openxmlformats.org/officeDocument/2006/math">
+                      <m:f>
+                        <m:fPr>
+                          <m:ctrlPr>
+                            <a:rPr kumimoji="1" lang="en-US" altLang="ja-JP" sz="2400" b="0" i="1" smtClean="0">
+                              <a:latin typeface="Cambria Math" panose="02040503050406030204" pitchFamily="18" charset="0"/>
+                              <a:ea typeface="Cambria Math" panose="02040503050406030204" pitchFamily="18" charset="0"/>
+                            </a:rPr>
+                          </m:ctrlPr>
+                        </m:fPr>
+                        <m:num>
+                          <m:r>
+                            <a:rPr kumimoji="1" lang="en-US" altLang="ja-JP" sz="2400" b="0" i="1" smtClean="0">
+                              <a:latin typeface="Cambria Math" panose="02040503050406030204" pitchFamily="18" charset="0"/>
+                              <a:ea typeface="Cambria Math" panose="02040503050406030204" pitchFamily="18" charset="0"/>
+                            </a:rPr>
+                            <m:t>𝜕</m:t>
+                          </m:r>
+                        </m:num>
+                        <m:den>
+                          <m:r>
+                            <a:rPr kumimoji="1" lang="en-US" altLang="ja-JP" sz="2400" b="0" i="1" smtClean="0">
+                              <a:latin typeface="Cambria Math" panose="02040503050406030204" pitchFamily="18" charset="0"/>
+                              <a:ea typeface="Cambria Math" panose="02040503050406030204" pitchFamily="18" charset="0"/>
+                            </a:rPr>
+                            <m:t>𝜕</m:t>
+                          </m:r>
+                          <m:sSub>
+                            <m:sSubPr>
+                              <m:ctrlPr>
+                                <a:rPr kumimoji="1" lang="en-US" altLang="ja-JP" sz="2400" b="0" i="1" smtClean="0">
+                                  <a:latin typeface="Cambria Math" panose="02040503050406030204" pitchFamily="18" charset="0"/>
+                                  <a:ea typeface="Cambria Math" panose="02040503050406030204" pitchFamily="18" charset="0"/>
+                                </a:rPr>
+                              </m:ctrlPr>
+                            </m:sSubPr>
+                            <m:e>
+                              <m:r>
+                                <a:rPr kumimoji="1" lang="en-US" altLang="ja-JP" sz="2400" b="0" i="1" smtClean="0">
+                                  <a:latin typeface="Cambria Math" panose="02040503050406030204" pitchFamily="18" charset="0"/>
+                                  <a:ea typeface="Cambria Math" panose="02040503050406030204" pitchFamily="18" charset="0"/>
+                                </a:rPr>
+                                <m:t>𝑣</m:t>
+                              </m:r>
+                            </m:e>
+                            <m:sub>
+                              <m:r>
+                                <a:rPr kumimoji="1" lang="en-US" altLang="ja-JP" sz="2400" b="0" i="1" smtClean="0">
+                                  <a:latin typeface="Cambria Math" panose="02040503050406030204" pitchFamily="18" charset="0"/>
+                                  <a:ea typeface="Cambria Math" panose="02040503050406030204" pitchFamily="18" charset="0"/>
+                                </a:rPr>
+                                <m:t>𝑥</m:t>
+                              </m:r>
+                            </m:sub>
+                          </m:sSub>
+                        </m:den>
+                      </m:f>
+                    </m:oMath>
+                  </m:oMathPara>
+                </a14:m>
+                <a:endParaRPr lang="ja-JP" altLang="en-US" sz="2400"/>
+              </a:p>
+            </p:txBody>
+          </p:sp>
+        </mc:Choice>
+        <mc:Fallback>
+          <p:sp>
+            <p:nvSpPr>
+              <p:cNvPr id="26" name="テキスト ボックス 25">
+                <a:extLst>
+                  <a:ext uri="{FF2B5EF4-FFF2-40B4-BE49-F238E27FC236}">
+                    <a16:creationId xmlns:a16="http://schemas.microsoft.com/office/drawing/2014/main" id="{B3DDAEF6-1C91-A62B-E3D3-DEF49129F41A}"/>
+                  </a:ext>
+                </a:extLst>
+              </p:cNvPr>
+              <p:cNvSpPr txBox="1">
+                <a:spLocks noRot="1" noChangeAspect="1" noMove="1" noResize="1" noEditPoints="1" noAdjustHandles="1" noChangeArrowheads="1" noChangeShapeType="1" noTextEdit="1"/>
+              </p:cNvSpPr>
+              <p:nvPr/>
+            </p:nvSpPr>
+            <p:spPr>
+              <a:xfrm>
+                <a:off x="6015329" y="1595026"/>
+                <a:ext cx="840763" cy="857029"/>
+              </a:xfrm>
+              <a:prstGeom prst="rect">
+                <a:avLst/>
+              </a:prstGeom>
+              <a:blipFill>
+                <a:blip r:embed="rId10"/>
+                <a:stretch>
+                  <a:fillRect b="-1471"/>
+                </a:stretch>
+              </a:blipFill>
+            </p:spPr>
+            <p:txBody>
+              <a:bodyPr/>
+              <a:lstStyle/>
+              <a:p>
+                <a:r>
+                  <a:rPr lang="ja-JP" altLang="en-US">
+                    <a:noFill/>
+                  </a:rPr>
+                  <a:t> </a:t>
+                </a:r>
+              </a:p>
+            </p:txBody>
+          </p:sp>
+        </mc:Fallback>
+      </mc:AlternateContent>
+      <mc:AlternateContent xmlns:mc="http://schemas.openxmlformats.org/markup-compatibility/2006">
+        <mc:Choice xmlns:a14="http://schemas.microsoft.com/office/drawing/2010/main" Requires="a14">
+          <p:sp>
+            <p:nvSpPr>
+              <p:cNvPr id="27" name="テキスト ボックス 26">
+                <a:extLst>
+                  <a:ext uri="{FF2B5EF4-FFF2-40B4-BE49-F238E27FC236}">
+                    <a16:creationId xmlns:a16="http://schemas.microsoft.com/office/drawing/2014/main" id="{7D9E38A2-999E-DF5A-EF74-DFFC4F1E1BC0}"/>
+                  </a:ext>
+                </a:extLst>
+              </p:cNvPr>
+              <p:cNvSpPr txBox="1"/>
+              <p:nvPr/>
+            </p:nvSpPr>
+            <p:spPr>
+              <a:xfrm>
+                <a:off x="6086616" y="2663993"/>
+                <a:ext cx="840763" cy="857029"/>
+              </a:xfrm>
+              <a:prstGeom prst="rect">
+                <a:avLst/>
+              </a:prstGeom>
+              <a:noFill/>
+            </p:spPr>
+            <p:txBody>
+              <a:bodyPr wrap="square">
+                <a:spAutoFit/>
+              </a:bodyPr>
+              <a:lstStyle/>
+              <a:p>
+                <a:pPr/>
+                <a14:m>
+                  <m:oMathPara xmlns:m="http://schemas.openxmlformats.org/officeDocument/2006/math">
+                    <m:oMathParaPr>
+                      <m:jc m:val="centerGroup"/>
+                    </m:oMathParaPr>
+                    <m:oMath xmlns:m="http://schemas.openxmlformats.org/officeDocument/2006/math">
+                      <m:f>
+                        <m:fPr>
+                          <m:ctrlPr>
+                            <a:rPr kumimoji="1" lang="en-US" altLang="ja-JP" sz="2400" b="0" i="1" smtClean="0">
+                              <a:latin typeface="Cambria Math" panose="02040503050406030204" pitchFamily="18" charset="0"/>
+                              <a:ea typeface="Cambria Math" panose="02040503050406030204" pitchFamily="18" charset="0"/>
+                            </a:rPr>
+                          </m:ctrlPr>
+                        </m:fPr>
+                        <m:num>
+                          <m:r>
+                            <a:rPr kumimoji="1" lang="en-US" altLang="ja-JP" sz="2400" b="0" i="1" smtClean="0">
+                              <a:latin typeface="Cambria Math" panose="02040503050406030204" pitchFamily="18" charset="0"/>
+                              <a:ea typeface="Cambria Math" panose="02040503050406030204" pitchFamily="18" charset="0"/>
+                            </a:rPr>
+                            <m:t>𝜕</m:t>
+                          </m:r>
+                        </m:num>
+                        <m:den>
+                          <m:r>
+                            <a:rPr kumimoji="1" lang="en-US" altLang="ja-JP" sz="2400" b="0" i="1" smtClean="0">
+                              <a:latin typeface="Cambria Math" panose="02040503050406030204" pitchFamily="18" charset="0"/>
+                              <a:ea typeface="Cambria Math" panose="02040503050406030204" pitchFamily="18" charset="0"/>
+                            </a:rPr>
+                            <m:t>𝜕</m:t>
+                          </m:r>
+                          <m:sSub>
+                            <m:sSubPr>
+                              <m:ctrlPr>
+                                <a:rPr kumimoji="1" lang="en-US" altLang="ja-JP" sz="2400" b="0" i="1" smtClean="0">
+                                  <a:latin typeface="Cambria Math" panose="02040503050406030204" pitchFamily="18" charset="0"/>
+                                  <a:ea typeface="Cambria Math" panose="02040503050406030204" pitchFamily="18" charset="0"/>
+                                </a:rPr>
+                              </m:ctrlPr>
+                            </m:sSubPr>
+                            <m:e>
+                              <m:r>
+                                <a:rPr kumimoji="1" lang="en-US" altLang="ja-JP" sz="2400" b="0" i="1" smtClean="0">
+                                  <a:latin typeface="Cambria Math" panose="02040503050406030204" pitchFamily="18" charset="0"/>
+                                  <a:ea typeface="Cambria Math" panose="02040503050406030204" pitchFamily="18" charset="0"/>
+                                </a:rPr>
+                                <m:t>𝑣</m:t>
+                              </m:r>
+                            </m:e>
+                            <m:sub>
+                              <m:r>
+                                <a:rPr kumimoji="1" lang="en-US" altLang="ja-JP" sz="2400" b="0" i="1" smtClean="0">
+                                  <a:latin typeface="Cambria Math" panose="02040503050406030204" pitchFamily="18" charset="0"/>
+                                  <a:ea typeface="Cambria Math" panose="02040503050406030204" pitchFamily="18" charset="0"/>
+                                </a:rPr>
+                                <m:t>𝑥</m:t>
+                              </m:r>
+                            </m:sub>
+                          </m:sSub>
+                        </m:den>
+                      </m:f>
+                    </m:oMath>
+                  </m:oMathPara>
+                </a14:m>
+                <a:endParaRPr lang="ja-JP" altLang="en-US" sz="2400"/>
+              </a:p>
+            </p:txBody>
+          </p:sp>
+        </mc:Choice>
+        <mc:Fallback>
+          <p:sp>
+            <p:nvSpPr>
+              <p:cNvPr id="27" name="テキスト ボックス 26">
+                <a:extLst>
+                  <a:ext uri="{FF2B5EF4-FFF2-40B4-BE49-F238E27FC236}">
+                    <a16:creationId xmlns:a16="http://schemas.microsoft.com/office/drawing/2014/main" id="{7D9E38A2-999E-DF5A-EF74-DFFC4F1E1BC0}"/>
+                  </a:ext>
+                </a:extLst>
+              </p:cNvPr>
+              <p:cNvSpPr txBox="1">
+                <a:spLocks noRot="1" noChangeAspect="1" noMove="1" noResize="1" noEditPoints="1" noAdjustHandles="1" noChangeArrowheads="1" noChangeShapeType="1" noTextEdit="1"/>
+              </p:cNvSpPr>
+              <p:nvPr/>
+            </p:nvSpPr>
+            <p:spPr>
+              <a:xfrm>
+                <a:off x="6086616" y="2663993"/>
+                <a:ext cx="840763" cy="857029"/>
+              </a:xfrm>
+              <a:prstGeom prst="rect">
+                <a:avLst/>
+              </a:prstGeom>
+              <a:blipFill>
+                <a:blip r:embed="rId11"/>
+                <a:stretch>
+                  <a:fillRect/>
+                </a:stretch>
+              </a:blipFill>
+            </p:spPr>
+            <p:txBody>
+              <a:bodyPr/>
+              <a:lstStyle/>
+              <a:p>
+                <a:r>
+                  <a:rPr lang="ja-JP" altLang="en-US">
+                    <a:noFill/>
+                  </a:rPr>
+                  <a:t> </a:t>
+                </a:r>
+              </a:p>
+            </p:txBody>
+          </p:sp>
+        </mc:Fallback>
+      </mc:AlternateContent>
+      <mc:AlternateContent xmlns:mc="http://schemas.openxmlformats.org/markup-compatibility/2006">
+        <mc:Choice xmlns:a14="http://schemas.microsoft.com/office/drawing/2010/main" Requires="a14">
+          <p:sp>
+            <p:nvSpPr>
+              <p:cNvPr id="28" name="テキスト ボックス 27">
+                <a:extLst>
+                  <a:ext uri="{FF2B5EF4-FFF2-40B4-BE49-F238E27FC236}">
+                    <a16:creationId xmlns:a16="http://schemas.microsoft.com/office/drawing/2014/main" id="{9895AC37-5663-C964-6038-694CEBDD8BEB}"/>
+                  </a:ext>
+                </a:extLst>
+              </p:cNvPr>
+              <p:cNvSpPr txBox="1"/>
+              <p:nvPr/>
+            </p:nvSpPr>
+            <p:spPr>
+              <a:xfrm>
+                <a:off x="6086616" y="3634255"/>
+                <a:ext cx="840763" cy="857029"/>
+              </a:xfrm>
+              <a:prstGeom prst="rect">
+                <a:avLst/>
+              </a:prstGeom>
+              <a:noFill/>
+            </p:spPr>
+            <p:txBody>
+              <a:bodyPr wrap="square">
+                <a:spAutoFit/>
+              </a:bodyPr>
+              <a:lstStyle/>
+              <a:p>
+                <a:pPr/>
+                <a14:m>
+                  <m:oMathPara xmlns:m="http://schemas.openxmlformats.org/officeDocument/2006/math">
+                    <m:oMathParaPr>
+                      <m:jc m:val="centerGroup"/>
+                    </m:oMathParaPr>
+                    <m:oMath xmlns:m="http://schemas.openxmlformats.org/officeDocument/2006/math">
+                      <m:f>
+                        <m:fPr>
+                          <m:ctrlPr>
+                            <a:rPr kumimoji="1" lang="en-US" altLang="ja-JP" sz="2400" b="0" i="1" smtClean="0">
+                              <a:latin typeface="Cambria Math" panose="02040503050406030204" pitchFamily="18" charset="0"/>
+                              <a:ea typeface="Cambria Math" panose="02040503050406030204" pitchFamily="18" charset="0"/>
+                            </a:rPr>
+                          </m:ctrlPr>
+                        </m:fPr>
+                        <m:num>
+                          <m:r>
+                            <a:rPr kumimoji="1" lang="en-US" altLang="ja-JP" sz="2400" b="0" i="1" smtClean="0">
+                              <a:latin typeface="Cambria Math" panose="02040503050406030204" pitchFamily="18" charset="0"/>
+                              <a:ea typeface="Cambria Math" panose="02040503050406030204" pitchFamily="18" charset="0"/>
+                            </a:rPr>
+                            <m:t>𝜕</m:t>
+                          </m:r>
+                        </m:num>
+                        <m:den>
+                          <m:r>
+                            <a:rPr kumimoji="1" lang="en-US" altLang="ja-JP" sz="2400" b="0" i="1" smtClean="0">
+                              <a:latin typeface="Cambria Math" panose="02040503050406030204" pitchFamily="18" charset="0"/>
+                              <a:ea typeface="Cambria Math" panose="02040503050406030204" pitchFamily="18" charset="0"/>
+                            </a:rPr>
+                            <m:t>𝜕</m:t>
+                          </m:r>
+                          <m:sSub>
+                            <m:sSubPr>
+                              <m:ctrlPr>
+                                <a:rPr kumimoji="1" lang="en-US" altLang="ja-JP" sz="2400" b="0" i="1" smtClean="0">
+                                  <a:latin typeface="Cambria Math" panose="02040503050406030204" pitchFamily="18" charset="0"/>
+                                  <a:ea typeface="Cambria Math" panose="02040503050406030204" pitchFamily="18" charset="0"/>
+                                </a:rPr>
+                              </m:ctrlPr>
+                            </m:sSubPr>
+                            <m:e>
+                              <m:r>
+                                <a:rPr kumimoji="1" lang="en-US" altLang="ja-JP" sz="2400" b="0" i="1" smtClean="0">
+                                  <a:latin typeface="Cambria Math" panose="02040503050406030204" pitchFamily="18" charset="0"/>
+                                  <a:ea typeface="Cambria Math" panose="02040503050406030204" pitchFamily="18" charset="0"/>
+                                </a:rPr>
+                                <m:t>𝑣</m:t>
+                              </m:r>
+                            </m:e>
+                            <m:sub>
+                              <m:r>
+                                <a:rPr kumimoji="1" lang="en-US" altLang="ja-JP" sz="2400" b="0" i="1" smtClean="0">
+                                  <a:latin typeface="Cambria Math" panose="02040503050406030204" pitchFamily="18" charset="0"/>
+                                  <a:ea typeface="Cambria Math" panose="02040503050406030204" pitchFamily="18" charset="0"/>
+                                </a:rPr>
+                                <m:t>𝑥</m:t>
+                              </m:r>
+                            </m:sub>
+                          </m:sSub>
+                        </m:den>
+                      </m:f>
+                    </m:oMath>
+                  </m:oMathPara>
+                </a14:m>
+                <a:endParaRPr lang="ja-JP" altLang="en-US" sz="2400"/>
+              </a:p>
+            </p:txBody>
+          </p:sp>
+        </mc:Choice>
+        <mc:Fallback>
+          <p:sp>
+            <p:nvSpPr>
+              <p:cNvPr id="28" name="テキスト ボックス 27">
+                <a:extLst>
+                  <a:ext uri="{FF2B5EF4-FFF2-40B4-BE49-F238E27FC236}">
+                    <a16:creationId xmlns:a16="http://schemas.microsoft.com/office/drawing/2014/main" id="{9895AC37-5663-C964-6038-694CEBDD8BEB}"/>
+                  </a:ext>
+                </a:extLst>
+              </p:cNvPr>
+              <p:cNvSpPr txBox="1">
+                <a:spLocks noRot="1" noChangeAspect="1" noMove="1" noResize="1" noEditPoints="1" noAdjustHandles="1" noChangeArrowheads="1" noChangeShapeType="1" noTextEdit="1"/>
+              </p:cNvSpPr>
+              <p:nvPr/>
+            </p:nvSpPr>
+            <p:spPr>
+              <a:xfrm>
+                <a:off x="6086616" y="3634255"/>
+                <a:ext cx="840763" cy="857029"/>
+              </a:xfrm>
+              <a:prstGeom prst="rect">
+                <a:avLst/>
+              </a:prstGeom>
+              <a:blipFill>
+                <a:blip r:embed="rId12"/>
+                <a:stretch>
+                  <a:fillRect b="-1471"/>
+                </a:stretch>
+              </a:blipFill>
+            </p:spPr>
+            <p:txBody>
+              <a:bodyPr/>
+              <a:lstStyle/>
+              <a:p>
+                <a:r>
+                  <a:rPr lang="ja-JP" altLang="en-US">
+                    <a:noFill/>
+                  </a:rPr>
+                  <a:t> </a:t>
+                </a:r>
+              </a:p>
+            </p:txBody>
+          </p:sp>
+        </mc:Fallback>
+      </mc:AlternateContent>
+    </p:spTree>
+    <p:extLst>
+      <p:ext uri="{BB962C8B-B14F-4D97-AF65-F5344CB8AC3E}">
+        <p14:creationId xmlns:p14="http://schemas.microsoft.com/office/powerpoint/2010/main" val="4039640820"/>
       </p:ext>
     </p:extLst>
   </p:cSld>

--- a/hamilton_principle/fig/fig.pptx
+++ b/hamilton_principle/fig/fig.pptx
@@ -5519,7 +5519,7 @@
             </p:nvSpPr>
             <p:spPr>
               <a:xfrm>
-                <a:off x="6015329" y="1595026"/>
+                <a:off x="6090399" y="1618095"/>
                 <a:ext cx="840763" cy="857029"/>
               </a:xfrm>
               <a:prstGeom prst="rect">
@@ -5621,7 +5621,7 @@
             </p:nvSpPr>
             <p:spPr>
               <a:xfrm>
-                <a:off x="6015329" y="1595026"/>
+                <a:off x="6090399" y="1618095"/>
                 <a:ext cx="840763" cy="857029"/>
               </a:xfrm>
               <a:prstGeom prst="rect">

--- a/hamilton_principle/fig/fig.pptx
+++ b/hamilton_principle/fig/fig.pptx
@@ -5,12 +5,13 @@
     <p:sldMasterId id="2147483648" r:id="rId1"/>
   </p:sldMasterIdLst>
   <p:notesMasterIdLst>
-    <p:notesMasterId r:id="rId5"/>
+    <p:notesMasterId r:id="rId6"/>
   </p:notesMasterIdLst>
   <p:sldIdLst>
     <p:sldId id="256" r:id="rId2"/>
     <p:sldId id="257" r:id="rId3"/>
     <p:sldId id="258" r:id="rId4"/>
+    <p:sldId id="259" r:id="rId5"/>
   </p:sldIdLst>
   <p:sldSz cx="9144000" cy="6858000" type="screen4x3"/>
   <p:notesSz cx="6858000" cy="9144000"/>
@@ -214,7 +215,7 @@
             <a:fld id="{D2C63D3F-0352-EF45-A95C-C8137A1B6577}" type="datetimeFigureOut">
               <a:rPr lang="ja-JP" altLang="en-US" smtClean="0"/>
               <a:pPr/>
-              <a:t>2023/6/17</a:t>
+              <a:t>2023/6/18</a:t>
             </a:fld>
             <a:endParaRPr lang="ja-JP" altLang="en-US"/>
           </a:p>
@@ -514,6 +515,91 @@
     </a:lvl9pPr>
   </p:notesStyle>
 </p:notesMaster>
+</file>
+
+<file path=ppt/notesSlides/notesSlide1.xml><?xml version="1.0" encoding="utf-8"?>
+<p:notes xmlns:a="http://schemas.openxmlformats.org/drawingml/2006/main" xmlns:r="http://schemas.openxmlformats.org/officeDocument/2006/relationships" xmlns:p="http://schemas.openxmlformats.org/presentationml/2006/main">
+  <p:cSld>
+    <p:spTree>
+      <p:nvGrpSpPr>
+        <p:cNvPr id="1" name=""/>
+        <p:cNvGrpSpPr/>
+        <p:nvPr/>
+      </p:nvGrpSpPr>
+      <p:grpSpPr>
+        <a:xfrm>
+          <a:off x="0" y="0"/>
+          <a:ext cx="0" cy="0"/>
+          <a:chOff x="0" y="0"/>
+          <a:chExt cx="0" cy="0"/>
+        </a:xfrm>
+      </p:grpSpPr>
+      <p:sp>
+        <p:nvSpPr>
+          <p:cNvPr id="2" name="スライド イメージ プレースホルダー 1"/>
+          <p:cNvSpPr>
+            <a:spLocks noGrp="1" noRot="1" noChangeAspect="1"/>
+          </p:cNvSpPr>
+          <p:nvPr>
+            <p:ph type="sldImg"/>
+          </p:nvPr>
+        </p:nvSpPr>
+        <p:spPr/>
+      </p:sp>
+      <p:sp>
+        <p:nvSpPr>
+          <p:cNvPr id="3" name="ノート プレースホルダー 2"/>
+          <p:cNvSpPr>
+            <a:spLocks noGrp="1"/>
+          </p:cNvSpPr>
+          <p:nvPr>
+            <p:ph type="body" idx="1"/>
+          </p:nvPr>
+        </p:nvSpPr>
+        <p:spPr/>
+        <p:txBody>
+          <a:bodyPr/>
+          <a:lstStyle/>
+          <a:p>
+            <a:endParaRPr kumimoji="1" lang="ja-JP" altLang="en-US"/>
+          </a:p>
+        </p:txBody>
+      </p:sp>
+      <p:sp>
+        <p:nvSpPr>
+          <p:cNvPr id="4" name="スライド番号プレースホルダー 3"/>
+          <p:cNvSpPr>
+            <a:spLocks noGrp="1"/>
+          </p:cNvSpPr>
+          <p:nvPr>
+            <p:ph type="sldNum" sz="quarter" idx="5"/>
+          </p:nvPr>
+        </p:nvSpPr>
+        <p:spPr/>
+        <p:txBody>
+          <a:bodyPr/>
+          <a:lstStyle/>
+          <a:p>
+            <a:fld id="{658B8C6D-C3B1-8D4B-883D-F931C7D3B8B2}" type="slidenum">
+              <a:rPr lang="ja-JP" altLang="en-US" smtClean="0"/>
+              <a:pPr/>
+              <a:t>4</a:t>
+            </a:fld>
+            <a:endParaRPr lang="ja-JP" altLang="en-US"/>
+          </a:p>
+        </p:txBody>
+      </p:sp>
+    </p:spTree>
+    <p:extLst>
+      <p:ext uri="{BB962C8B-B14F-4D97-AF65-F5344CB8AC3E}">
+        <p14:creationId xmlns:p14="http://schemas.microsoft.com/office/powerpoint/2010/main" val="4229688776"/>
+      </p:ext>
+    </p:extLst>
+  </p:cSld>
+  <p:clrMapOvr>
+    <a:masterClrMapping/>
+  </p:clrMapOvr>
+</p:notes>
 </file>
 
 <file path=ppt/slideLayouts/slideLayout1.xml><?xml version="1.0" encoding="utf-8"?>
@@ -3904,8 +3990,8 @@
           <a:chExt cx="0" cy="0"/>
         </a:xfrm>
       </p:grpSpPr>
-      <mc:AlternateContent xmlns:mc="http://schemas.openxmlformats.org/markup-compatibility/2006">
-        <mc:Choice xmlns:a14="http://schemas.microsoft.com/office/drawing/2010/main" Requires="a14">
+      <mc:AlternateContent xmlns:mc="http://schemas.openxmlformats.org/markup-compatibility/2006" xmlns:a14="http://schemas.microsoft.com/office/drawing/2010/main">
+        <mc:Choice Requires="a14">
           <p:sp>
             <p:nvSpPr>
               <p:cNvPr id="2" name="テキスト ボックス 1">
@@ -4048,7 +4134,7 @@
             </p:txBody>
           </p:sp>
         </mc:Choice>
-        <mc:Fallback>
+        <mc:Fallback xmlns="">
           <p:sp>
             <p:nvSpPr>
               <p:cNvPr id="2" name="テキスト ボックス 1">
@@ -4093,8 +4179,8 @@
           </p:sp>
         </mc:Fallback>
       </mc:AlternateContent>
-      <mc:AlternateContent xmlns:mc="http://schemas.openxmlformats.org/markup-compatibility/2006">
-        <mc:Choice xmlns:a14="http://schemas.microsoft.com/office/drawing/2010/main" Requires="a14">
+      <mc:AlternateContent xmlns:mc="http://schemas.openxmlformats.org/markup-compatibility/2006" xmlns:a14="http://schemas.microsoft.com/office/drawing/2010/main">
+        <mc:Choice Requires="a14">
           <p:sp>
             <p:nvSpPr>
               <p:cNvPr id="3" name="テキスト ボックス 2">
@@ -4237,7 +4323,7 @@
             </p:txBody>
           </p:sp>
         </mc:Choice>
-        <mc:Fallback>
+        <mc:Fallback xmlns="">
           <p:sp>
             <p:nvSpPr>
               <p:cNvPr id="3" name="テキスト ボックス 2">
@@ -4282,8 +4368,8 @@
           </p:sp>
         </mc:Fallback>
       </mc:AlternateContent>
-      <mc:AlternateContent xmlns:mc="http://schemas.openxmlformats.org/markup-compatibility/2006">
-        <mc:Choice xmlns:a14="http://schemas.microsoft.com/office/drawing/2010/main" Requires="a14">
+      <mc:AlternateContent xmlns:mc="http://schemas.openxmlformats.org/markup-compatibility/2006" xmlns:a14="http://schemas.microsoft.com/office/drawing/2010/main">
+        <mc:Choice Requires="a14">
           <p:sp>
             <p:nvSpPr>
               <p:cNvPr id="4" name="テキスト ボックス 3">
@@ -4426,7 +4512,7 @@
             </p:txBody>
           </p:sp>
         </mc:Choice>
-        <mc:Fallback>
+        <mc:Fallback xmlns="">
           <p:sp>
             <p:nvSpPr>
               <p:cNvPr id="4" name="テキスト ボックス 3">
@@ -4547,8 +4633,8 @@
           </a:p>
         </p:txBody>
       </p:sp>
-      <mc:AlternateContent xmlns:mc="http://schemas.openxmlformats.org/markup-compatibility/2006">
-        <mc:Choice xmlns:a14="http://schemas.microsoft.com/office/drawing/2010/main" Requires="a14">
+      <mc:AlternateContent xmlns:mc="http://schemas.openxmlformats.org/markup-compatibility/2006" xmlns:a14="http://schemas.microsoft.com/office/drawing/2010/main">
+        <mc:Choice Requires="a14">
           <p:sp>
             <p:nvSpPr>
               <p:cNvPr id="7" name="テキスト ボックス 6">
@@ -4577,6 +4663,7 @@
               </a:bodyPr>
               <a:lstStyle/>
               <a:p>
+                <a:pPr/>
                 <a14:m>
                   <m:oMathPara xmlns:m="http://schemas.openxmlformats.org/officeDocument/2006/math">
                     <m:oMathParaPr>
@@ -4639,7 +4726,7 @@
             </p:txBody>
           </p:sp>
         </mc:Choice>
-        <mc:Fallback>
+        <mc:Fallback xmlns="">
           <p:sp>
             <p:nvSpPr>
               <p:cNvPr id="7" name="テキスト ボックス 6">
@@ -4684,8 +4771,8 @@
           </p:sp>
         </mc:Fallback>
       </mc:AlternateContent>
-      <mc:AlternateContent xmlns:mc="http://schemas.openxmlformats.org/markup-compatibility/2006">
-        <mc:Choice xmlns:a14="http://schemas.microsoft.com/office/drawing/2010/main" Requires="a14">
+      <mc:AlternateContent xmlns:mc="http://schemas.openxmlformats.org/markup-compatibility/2006" xmlns:a14="http://schemas.microsoft.com/office/drawing/2010/main">
+        <mc:Choice Requires="a14">
           <p:sp>
             <p:nvSpPr>
               <p:cNvPr id="8" name="テキスト ボックス 7">
@@ -4714,6 +4801,7 @@
               </a:bodyPr>
               <a:lstStyle/>
               <a:p>
+                <a:pPr/>
                 <a14:m>
                   <m:oMathPara xmlns:m="http://schemas.openxmlformats.org/officeDocument/2006/math">
                     <m:oMathParaPr>
@@ -4832,7 +4920,7 @@
             </p:txBody>
           </p:sp>
         </mc:Choice>
-        <mc:Fallback>
+        <mc:Fallback xmlns="">
           <p:sp>
             <p:nvSpPr>
               <p:cNvPr id="8" name="テキスト ボックス 7">
@@ -4972,8 +5060,8 @@
           </a:fontRef>
         </p:style>
       </p:cxnSp>
-      <mc:AlternateContent xmlns:mc="http://schemas.openxmlformats.org/markup-compatibility/2006">
-        <mc:Choice xmlns:a14="http://schemas.microsoft.com/office/drawing/2010/main" Requires="a14">
+      <mc:AlternateContent xmlns:mc="http://schemas.openxmlformats.org/markup-compatibility/2006" xmlns:a14="http://schemas.microsoft.com/office/drawing/2010/main">
+        <mc:Choice Requires="a14">
           <p:sp>
             <p:nvSpPr>
               <p:cNvPr id="21" name="テキスト ボックス 20">
@@ -5002,6 +5090,7 @@
               </a:bodyPr>
               <a:lstStyle/>
               <a:p>
+                <a:pPr/>
                 <a14:m>
                   <m:oMathPara xmlns:m="http://schemas.openxmlformats.org/officeDocument/2006/math">
                     <m:oMathParaPr>
@@ -5104,7 +5193,7 @@
             </p:txBody>
           </p:sp>
         </mc:Choice>
-        <mc:Fallback>
+        <mc:Fallback xmlns="">
           <p:sp>
             <p:nvSpPr>
               <p:cNvPr id="21" name="テキスト ボックス 20">
@@ -5149,8 +5238,8 @@
           </p:sp>
         </mc:Fallback>
       </mc:AlternateContent>
-      <mc:AlternateContent xmlns:mc="http://schemas.openxmlformats.org/markup-compatibility/2006">
-        <mc:Choice xmlns:a14="http://schemas.microsoft.com/office/drawing/2010/main" Requires="a14">
+      <mc:AlternateContent xmlns:mc="http://schemas.openxmlformats.org/markup-compatibility/2006" xmlns:a14="http://schemas.microsoft.com/office/drawing/2010/main">
+        <mc:Choice Requires="a14">
           <p:sp>
             <p:nvSpPr>
               <p:cNvPr id="23" name="テキスト ボックス 22">
@@ -5179,6 +5268,7 @@
               </a:bodyPr>
               <a:lstStyle/>
               <a:p>
+                <a:pPr/>
                 <a14:m>
                   <m:oMathPara xmlns:m="http://schemas.openxmlformats.org/officeDocument/2006/math">
                     <m:oMathParaPr>
@@ -5281,7 +5371,7 @@
             </p:txBody>
           </p:sp>
         </mc:Choice>
-        <mc:Fallback>
+        <mc:Fallback xmlns="">
           <p:sp>
             <p:nvSpPr>
               <p:cNvPr id="23" name="テキスト ボックス 22">
@@ -5326,8 +5416,8 @@
           </p:sp>
         </mc:Fallback>
       </mc:AlternateContent>
-      <mc:AlternateContent xmlns:mc="http://schemas.openxmlformats.org/markup-compatibility/2006">
-        <mc:Choice xmlns:a14="http://schemas.microsoft.com/office/drawing/2010/main" Requires="a14">
+      <mc:AlternateContent xmlns:mc="http://schemas.openxmlformats.org/markup-compatibility/2006" xmlns:a14="http://schemas.microsoft.com/office/drawing/2010/main">
+        <mc:Choice Requires="a14">
           <p:sp>
             <p:nvSpPr>
               <p:cNvPr id="24" name="テキスト ボックス 23">
@@ -5356,6 +5446,7 @@
               </a:bodyPr>
               <a:lstStyle/>
               <a:p>
+                <a:pPr/>
                 <a14:m>
                   <m:oMathPara xmlns:m="http://schemas.openxmlformats.org/officeDocument/2006/math">
                     <m:oMathParaPr>
@@ -5458,7 +5549,7 @@
             </p:txBody>
           </p:sp>
         </mc:Choice>
-        <mc:Fallback>
+        <mc:Fallback xmlns="">
           <p:sp>
             <p:nvSpPr>
               <p:cNvPr id="24" name="テキスト ボックス 23">
@@ -5503,8 +5594,8 @@
           </p:sp>
         </mc:Fallback>
       </mc:AlternateContent>
-      <mc:AlternateContent xmlns:mc="http://schemas.openxmlformats.org/markup-compatibility/2006">
-        <mc:Choice xmlns:a14="http://schemas.microsoft.com/office/drawing/2010/main" Requires="a14">
+      <mc:AlternateContent xmlns:mc="http://schemas.openxmlformats.org/markup-compatibility/2006" xmlns:a14="http://schemas.microsoft.com/office/drawing/2010/main">
+        <mc:Choice Requires="a14">
           <p:sp>
             <p:nvSpPr>
               <p:cNvPr id="26" name="テキスト ボックス 25">
@@ -5604,7 +5695,7 @@
             </p:txBody>
           </p:sp>
         </mc:Choice>
-        <mc:Fallback>
+        <mc:Fallback xmlns="">
           <p:sp>
             <p:nvSpPr>
               <p:cNvPr id="26" name="テキスト ボックス 25">
@@ -5649,8 +5740,8 @@
           </p:sp>
         </mc:Fallback>
       </mc:AlternateContent>
-      <mc:AlternateContent xmlns:mc="http://schemas.openxmlformats.org/markup-compatibility/2006">
-        <mc:Choice xmlns:a14="http://schemas.microsoft.com/office/drawing/2010/main" Requires="a14">
+      <mc:AlternateContent xmlns:mc="http://schemas.openxmlformats.org/markup-compatibility/2006" xmlns:a14="http://schemas.microsoft.com/office/drawing/2010/main">
+        <mc:Choice Requires="a14">
           <p:sp>
             <p:nvSpPr>
               <p:cNvPr id="27" name="テキスト ボックス 26">
@@ -5750,7 +5841,7 @@
             </p:txBody>
           </p:sp>
         </mc:Choice>
-        <mc:Fallback>
+        <mc:Fallback xmlns="">
           <p:sp>
             <p:nvSpPr>
               <p:cNvPr id="27" name="テキスト ボックス 26">
@@ -5795,8 +5886,8 @@
           </p:sp>
         </mc:Fallback>
       </mc:AlternateContent>
-      <mc:AlternateContent xmlns:mc="http://schemas.openxmlformats.org/markup-compatibility/2006">
-        <mc:Choice xmlns:a14="http://schemas.microsoft.com/office/drawing/2010/main" Requires="a14">
+      <mc:AlternateContent xmlns:mc="http://schemas.openxmlformats.org/markup-compatibility/2006" xmlns:a14="http://schemas.microsoft.com/office/drawing/2010/main">
+        <mc:Choice Requires="a14">
           <p:sp>
             <p:nvSpPr>
               <p:cNvPr id="28" name="テキスト ボックス 27">
@@ -5896,7 +5987,7 @@
             </p:txBody>
           </p:sp>
         </mc:Choice>
-        <mc:Fallback>
+        <mc:Fallback xmlns="">
           <p:sp>
             <p:nvSpPr>
               <p:cNvPr id="28" name="テキスト ボックス 27">
@@ -5945,6 +6036,2263 @@
     <p:extLst>
       <p:ext uri="{BB962C8B-B14F-4D97-AF65-F5344CB8AC3E}">
         <p14:creationId xmlns:p14="http://schemas.microsoft.com/office/powerpoint/2010/main" val="4039640820"/>
+      </p:ext>
+    </p:extLst>
+  </p:cSld>
+  <p:clrMapOvr>
+    <a:masterClrMapping/>
+  </p:clrMapOvr>
+</p:sld>
+</file>
+
+<file path=ppt/slides/slide4.xml><?xml version="1.0" encoding="utf-8"?>
+<p:sld xmlns:a="http://schemas.openxmlformats.org/drawingml/2006/main" xmlns:r="http://schemas.openxmlformats.org/officeDocument/2006/relationships" xmlns:p="http://schemas.openxmlformats.org/presentationml/2006/main">
+  <p:cSld>
+    <p:spTree>
+      <p:nvGrpSpPr>
+        <p:cNvPr id="1" name=""/>
+        <p:cNvGrpSpPr/>
+        <p:nvPr/>
+      </p:nvGrpSpPr>
+      <p:grpSpPr>
+        <a:xfrm>
+          <a:off x="0" y="0"/>
+          <a:ext cx="0" cy="0"/>
+          <a:chOff x="0" y="0"/>
+          <a:chExt cx="0" cy="0"/>
+        </a:xfrm>
+      </p:grpSpPr>
+      <p:cxnSp>
+        <p:nvCxnSpPr>
+          <p:cNvPr id="3" name="直線矢印コネクタ 2">
+            <a:extLst>
+              <a:ext uri="{FF2B5EF4-FFF2-40B4-BE49-F238E27FC236}">
+                <a16:creationId xmlns:a16="http://schemas.microsoft.com/office/drawing/2014/main" id="{F0D16DA5-E568-3404-7F96-7515FDEB5134}"/>
+              </a:ext>
+            </a:extLst>
+          </p:cNvPr>
+          <p:cNvCxnSpPr/>
+          <p:nvPr/>
+        </p:nvCxnSpPr>
+        <p:spPr>
+          <a:xfrm flipV="1">
+            <a:off x="971600" y="1359630"/>
+            <a:ext cx="0" cy="2592288"/>
+          </a:xfrm>
+          <a:prstGeom prst="straightConnector1">
+            <a:avLst/>
+          </a:prstGeom>
+          <a:ln w="9525">
+            <a:solidFill>
+              <a:schemeClr val="tx1"/>
+            </a:solidFill>
+            <a:headEnd type="none"/>
+            <a:tailEnd type="triangle"/>
+          </a:ln>
+          <a:effectLst/>
+        </p:spPr>
+        <p:style>
+          <a:lnRef idx="2">
+            <a:schemeClr val="accent1"/>
+          </a:lnRef>
+          <a:fillRef idx="0">
+            <a:schemeClr val="accent1"/>
+          </a:fillRef>
+          <a:effectRef idx="1">
+            <a:schemeClr val="accent1"/>
+          </a:effectRef>
+          <a:fontRef idx="minor">
+            <a:schemeClr val="tx1"/>
+          </a:fontRef>
+        </p:style>
+      </p:cxnSp>
+      <p:cxnSp>
+        <p:nvCxnSpPr>
+          <p:cNvPr id="5" name="直線矢印コネクタ 4">
+            <a:extLst>
+              <a:ext uri="{FF2B5EF4-FFF2-40B4-BE49-F238E27FC236}">
+                <a16:creationId xmlns:a16="http://schemas.microsoft.com/office/drawing/2014/main" id="{3419CFED-834D-28B7-05B0-47E67B50B72F}"/>
+              </a:ext>
+            </a:extLst>
+          </p:cNvPr>
+          <p:cNvCxnSpPr/>
+          <p:nvPr/>
+        </p:nvCxnSpPr>
+        <p:spPr>
+          <a:xfrm>
+            <a:off x="755576" y="3735894"/>
+            <a:ext cx="3096344" cy="0"/>
+          </a:xfrm>
+          <a:prstGeom prst="straightConnector1">
+            <a:avLst/>
+          </a:prstGeom>
+          <a:ln w="9525">
+            <a:solidFill>
+              <a:schemeClr val="tx1"/>
+            </a:solidFill>
+            <a:headEnd type="none"/>
+            <a:tailEnd type="triangle"/>
+          </a:ln>
+          <a:effectLst/>
+        </p:spPr>
+        <p:style>
+          <a:lnRef idx="2">
+            <a:schemeClr val="accent1"/>
+          </a:lnRef>
+          <a:fillRef idx="0">
+            <a:schemeClr val="accent1"/>
+          </a:fillRef>
+          <a:effectRef idx="1">
+            <a:schemeClr val="accent1"/>
+          </a:effectRef>
+          <a:fontRef idx="minor">
+            <a:schemeClr val="tx1"/>
+          </a:fontRef>
+        </p:style>
+      </p:cxnSp>
+      <p:sp>
+        <p:nvSpPr>
+          <p:cNvPr id="8" name="フリーフォーム: 図形 7">
+            <a:extLst>
+              <a:ext uri="{FF2B5EF4-FFF2-40B4-BE49-F238E27FC236}">
+                <a16:creationId xmlns:a16="http://schemas.microsoft.com/office/drawing/2014/main" id="{0D204B0C-ABA0-7FE1-27B0-0039356DED93}"/>
+              </a:ext>
+            </a:extLst>
+          </p:cNvPr>
+          <p:cNvSpPr/>
+          <p:nvPr/>
+        </p:nvSpPr>
+        <p:spPr>
+          <a:xfrm>
+            <a:off x="957942" y="1575654"/>
+            <a:ext cx="2893977" cy="2150977"/>
+          </a:xfrm>
+          <a:custGeom>
+            <a:avLst/>
+            <a:gdLst>
+              <a:gd name="connsiteX0" fmla="*/ 0 w 2884714"/>
+              <a:gd name="connsiteY0" fmla="*/ 2100943 h 2100943"/>
+              <a:gd name="connsiteX1" fmla="*/ 1393371 w 2884714"/>
+              <a:gd name="connsiteY1" fmla="*/ 1654629 h 2100943"/>
+              <a:gd name="connsiteX2" fmla="*/ 2884714 w 2884714"/>
+              <a:gd name="connsiteY2" fmla="*/ 0 h 2100943"/>
+            </a:gdLst>
+            <a:ahLst/>
+            <a:cxnLst>
+              <a:cxn ang="0">
+                <a:pos x="connsiteX0" y="connsiteY0"/>
+              </a:cxn>
+              <a:cxn ang="0">
+                <a:pos x="connsiteX1" y="connsiteY1"/>
+              </a:cxn>
+              <a:cxn ang="0">
+                <a:pos x="connsiteX2" y="connsiteY2"/>
+              </a:cxn>
+            </a:cxnLst>
+            <a:rect l="l" t="t" r="r" b="b"/>
+            <a:pathLst>
+              <a:path w="2884714" h="2100943">
+                <a:moveTo>
+                  <a:pt x="0" y="2100943"/>
+                </a:moveTo>
+                <a:cubicBezTo>
+                  <a:pt x="456292" y="2052864"/>
+                  <a:pt x="912585" y="2004786"/>
+                  <a:pt x="1393371" y="1654629"/>
+                </a:cubicBezTo>
+                <a:cubicBezTo>
+                  <a:pt x="1874157" y="1304472"/>
+                  <a:pt x="2379435" y="652236"/>
+                  <a:pt x="2884714" y="0"/>
+                </a:cubicBezTo>
+              </a:path>
+            </a:pathLst>
+          </a:custGeom>
+          <a:noFill/>
+          <a:ln w="38100">
+            <a:solidFill>
+              <a:schemeClr val="accent6">
+                <a:lumMod val="60000"/>
+                <a:lumOff val="40000"/>
+              </a:schemeClr>
+            </a:solidFill>
+          </a:ln>
+        </p:spPr>
+        <p:txBody>
+          <a:bodyPr rtlCol="0" anchor="ctr"/>
+          <a:lstStyle/>
+          <a:p>
+            <a:pPr algn="ctr"/>
+            <a:endParaRPr kumimoji="1" lang="ja-JP" altLang="en-US"/>
+          </a:p>
+        </p:txBody>
+      </p:sp>
+      <p:sp>
+        <p:nvSpPr>
+          <p:cNvPr id="9" name="フリーフォーム: 図形 8">
+            <a:extLst>
+              <a:ext uri="{FF2B5EF4-FFF2-40B4-BE49-F238E27FC236}">
+                <a16:creationId xmlns:a16="http://schemas.microsoft.com/office/drawing/2014/main" id="{1CAB70CB-154E-91DC-590A-EB6818B14069}"/>
+              </a:ext>
+            </a:extLst>
+          </p:cNvPr>
+          <p:cNvSpPr/>
+          <p:nvPr/>
+        </p:nvSpPr>
+        <p:spPr>
+          <a:xfrm>
+            <a:off x="979714" y="1538603"/>
+            <a:ext cx="2884715" cy="2209800"/>
+          </a:xfrm>
+          <a:custGeom>
+            <a:avLst/>
+            <a:gdLst>
+              <a:gd name="connsiteX0" fmla="*/ 0 w 2884715"/>
+              <a:gd name="connsiteY0" fmla="*/ 2209800 h 2209800"/>
+              <a:gd name="connsiteX1" fmla="*/ 2068286 w 2884715"/>
+              <a:gd name="connsiteY1" fmla="*/ 1676400 h 2209800"/>
+              <a:gd name="connsiteX2" fmla="*/ 2884715 w 2884715"/>
+              <a:gd name="connsiteY2" fmla="*/ 0 h 2209800"/>
+            </a:gdLst>
+            <a:ahLst/>
+            <a:cxnLst>
+              <a:cxn ang="0">
+                <a:pos x="connsiteX0" y="connsiteY0"/>
+              </a:cxn>
+              <a:cxn ang="0">
+                <a:pos x="connsiteX1" y="connsiteY1"/>
+              </a:cxn>
+              <a:cxn ang="0">
+                <a:pos x="connsiteX2" y="connsiteY2"/>
+              </a:cxn>
+            </a:cxnLst>
+            <a:rect l="l" t="t" r="r" b="b"/>
+            <a:pathLst>
+              <a:path w="2884715" h="2209800">
+                <a:moveTo>
+                  <a:pt x="0" y="2209800"/>
+                </a:moveTo>
+                <a:cubicBezTo>
+                  <a:pt x="793750" y="2127250"/>
+                  <a:pt x="1587500" y="2044700"/>
+                  <a:pt x="2068286" y="1676400"/>
+                </a:cubicBezTo>
+                <a:cubicBezTo>
+                  <a:pt x="2549072" y="1308100"/>
+                  <a:pt x="2716893" y="654050"/>
+                  <a:pt x="2884715" y="0"/>
+                </a:cubicBezTo>
+              </a:path>
+            </a:pathLst>
+          </a:custGeom>
+          <a:noFill/>
+          <a:ln w="38100">
+            <a:solidFill>
+              <a:schemeClr val="tx2">
+                <a:lumMod val="60000"/>
+                <a:lumOff val="40000"/>
+              </a:schemeClr>
+            </a:solidFill>
+          </a:ln>
+        </p:spPr>
+        <p:txBody>
+          <a:bodyPr rtlCol="0" anchor="ctr"/>
+          <a:lstStyle/>
+          <a:p>
+            <a:pPr algn="ctr"/>
+            <a:endParaRPr kumimoji="1" lang="ja-JP" altLang="en-US"/>
+          </a:p>
+        </p:txBody>
+      </p:sp>
+      <p:cxnSp>
+        <p:nvCxnSpPr>
+          <p:cNvPr id="10" name="直線矢印コネクタ 9">
+            <a:extLst>
+              <a:ext uri="{FF2B5EF4-FFF2-40B4-BE49-F238E27FC236}">
+                <a16:creationId xmlns:a16="http://schemas.microsoft.com/office/drawing/2014/main" id="{C31C3136-30B8-BA54-110C-C308831A4CF4}"/>
+              </a:ext>
+            </a:extLst>
+          </p:cNvPr>
+          <p:cNvCxnSpPr/>
+          <p:nvPr/>
+        </p:nvCxnSpPr>
+        <p:spPr>
+          <a:xfrm flipV="1">
+            <a:off x="5292080" y="1359630"/>
+            <a:ext cx="0" cy="2592288"/>
+          </a:xfrm>
+          <a:prstGeom prst="straightConnector1">
+            <a:avLst/>
+          </a:prstGeom>
+          <a:ln w="9525">
+            <a:solidFill>
+              <a:schemeClr val="tx1"/>
+            </a:solidFill>
+            <a:headEnd type="none"/>
+            <a:tailEnd type="triangle"/>
+          </a:ln>
+          <a:effectLst/>
+        </p:spPr>
+        <p:style>
+          <a:lnRef idx="2">
+            <a:schemeClr val="accent1"/>
+          </a:lnRef>
+          <a:fillRef idx="0">
+            <a:schemeClr val="accent1"/>
+          </a:fillRef>
+          <a:effectRef idx="1">
+            <a:schemeClr val="accent1"/>
+          </a:effectRef>
+          <a:fontRef idx="minor">
+            <a:schemeClr val="tx1"/>
+          </a:fontRef>
+        </p:style>
+      </p:cxnSp>
+      <p:cxnSp>
+        <p:nvCxnSpPr>
+          <p:cNvPr id="11" name="直線矢印コネクタ 10">
+            <a:extLst>
+              <a:ext uri="{FF2B5EF4-FFF2-40B4-BE49-F238E27FC236}">
+                <a16:creationId xmlns:a16="http://schemas.microsoft.com/office/drawing/2014/main" id="{D3DB4D71-65F8-3158-D8F4-F77719FCDD8D}"/>
+              </a:ext>
+            </a:extLst>
+          </p:cNvPr>
+          <p:cNvCxnSpPr/>
+          <p:nvPr/>
+        </p:nvCxnSpPr>
+        <p:spPr>
+          <a:xfrm>
+            <a:off x="5076056" y="3735894"/>
+            <a:ext cx="3096344" cy="0"/>
+          </a:xfrm>
+          <a:prstGeom prst="straightConnector1">
+            <a:avLst/>
+          </a:prstGeom>
+          <a:ln w="9525">
+            <a:solidFill>
+              <a:schemeClr val="tx1"/>
+            </a:solidFill>
+            <a:headEnd type="none"/>
+            <a:tailEnd type="triangle"/>
+          </a:ln>
+          <a:effectLst/>
+        </p:spPr>
+        <p:style>
+          <a:lnRef idx="2">
+            <a:schemeClr val="accent1"/>
+          </a:lnRef>
+          <a:fillRef idx="0">
+            <a:schemeClr val="accent1"/>
+          </a:fillRef>
+          <a:effectRef idx="1">
+            <a:schemeClr val="accent1"/>
+          </a:effectRef>
+          <a:fontRef idx="minor">
+            <a:schemeClr val="tx1"/>
+          </a:fontRef>
+        </p:style>
+      </p:cxnSp>
+      <p:sp>
+        <p:nvSpPr>
+          <p:cNvPr id="12" name="フリーフォーム: 図形 11">
+            <a:extLst>
+              <a:ext uri="{FF2B5EF4-FFF2-40B4-BE49-F238E27FC236}">
+                <a16:creationId xmlns:a16="http://schemas.microsoft.com/office/drawing/2014/main" id="{77185765-2A36-5811-131C-9BB0971BB1D0}"/>
+              </a:ext>
+            </a:extLst>
+          </p:cNvPr>
+          <p:cNvSpPr/>
+          <p:nvPr/>
+        </p:nvSpPr>
+        <p:spPr>
+          <a:xfrm>
+            <a:off x="5312229" y="1593031"/>
+            <a:ext cx="2862942" cy="2122714"/>
+          </a:xfrm>
+          <a:custGeom>
+            <a:avLst/>
+            <a:gdLst>
+              <a:gd name="connsiteX0" fmla="*/ 0 w 2862942"/>
+              <a:gd name="connsiteY0" fmla="*/ 2122714 h 2122714"/>
+              <a:gd name="connsiteX1" fmla="*/ 1752600 w 2862942"/>
+              <a:gd name="connsiteY1" fmla="*/ 1110343 h 2122714"/>
+              <a:gd name="connsiteX2" fmla="*/ 2862942 w 2862942"/>
+              <a:gd name="connsiteY2" fmla="*/ 0 h 2122714"/>
+            </a:gdLst>
+            <a:ahLst/>
+            <a:cxnLst>
+              <a:cxn ang="0">
+                <a:pos x="connsiteX0" y="connsiteY0"/>
+              </a:cxn>
+              <a:cxn ang="0">
+                <a:pos x="connsiteX1" y="connsiteY1"/>
+              </a:cxn>
+              <a:cxn ang="0">
+                <a:pos x="connsiteX2" y="connsiteY2"/>
+              </a:cxn>
+            </a:cxnLst>
+            <a:rect l="l" t="t" r="r" b="b"/>
+            <a:pathLst>
+              <a:path w="2862942" h="2122714">
+                <a:moveTo>
+                  <a:pt x="0" y="2122714"/>
+                </a:moveTo>
+                <a:cubicBezTo>
+                  <a:pt x="637721" y="1793421"/>
+                  <a:pt x="1275443" y="1464129"/>
+                  <a:pt x="1752600" y="1110343"/>
+                </a:cubicBezTo>
+                <a:cubicBezTo>
+                  <a:pt x="2229757" y="756557"/>
+                  <a:pt x="2546349" y="378278"/>
+                  <a:pt x="2862942" y="0"/>
+                </a:cubicBezTo>
+              </a:path>
+            </a:pathLst>
+          </a:custGeom>
+          <a:noFill/>
+          <a:ln w="38100">
+            <a:solidFill>
+              <a:schemeClr val="tx2">
+                <a:lumMod val="60000"/>
+                <a:lumOff val="40000"/>
+              </a:schemeClr>
+            </a:solidFill>
+          </a:ln>
+        </p:spPr>
+        <p:txBody>
+          <a:bodyPr rtlCol="0" anchor="ctr"/>
+          <a:lstStyle/>
+          <a:p>
+            <a:pPr algn="ctr"/>
+            <a:endParaRPr kumimoji="1" lang="ja-JP" altLang="en-US"/>
+          </a:p>
+        </p:txBody>
+      </p:sp>
+      <p:sp>
+        <p:nvSpPr>
+          <p:cNvPr id="13" name="フリーフォーム: 図形 12">
+            <a:extLst>
+              <a:ext uri="{FF2B5EF4-FFF2-40B4-BE49-F238E27FC236}">
+                <a16:creationId xmlns:a16="http://schemas.microsoft.com/office/drawing/2014/main" id="{436F1998-B871-8AA6-DA66-CFE57B0CC1E9}"/>
+              </a:ext>
+            </a:extLst>
+          </p:cNvPr>
+          <p:cNvSpPr/>
+          <p:nvPr/>
+        </p:nvSpPr>
+        <p:spPr>
+          <a:xfrm>
+            <a:off x="5279571" y="1582145"/>
+            <a:ext cx="2884715" cy="2144486"/>
+          </a:xfrm>
+          <a:custGeom>
+            <a:avLst/>
+            <a:gdLst>
+              <a:gd name="connsiteX0" fmla="*/ 0 w 2884715"/>
+              <a:gd name="connsiteY0" fmla="*/ 2144486 h 2144486"/>
+              <a:gd name="connsiteX1" fmla="*/ 1502229 w 2884715"/>
+              <a:gd name="connsiteY1" fmla="*/ 903515 h 2144486"/>
+              <a:gd name="connsiteX2" fmla="*/ 2884715 w 2884715"/>
+              <a:gd name="connsiteY2" fmla="*/ 0 h 2144486"/>
+            </a:gdLst>
+            <a:ahLst/>
+            <a:cxnLst>
+              <a:cxn ang="0">
+                <a:pos x="connsiteX0" y="connsiteY0"/>
+              </a:cxn>
+              <a:cxn ang="0">
+                <a:pos x="connsiteX1" y="connsiteY1"/>
+              </a:cxn>
+              <a:cxn ang="0">
+                <a:pos x="connsiteX2" y="connsiteY2"/>
+              </a:cxn>
+            </a:cxnLst>
+            <a:rect l="l" t="t" r="r" b="b"/>
+            <a:pathLst>
+              <a:path w="2884715" h="2144486">
+                <a:moveTo>
+                  <a:pt x="0" y="2144486"/>
+                </a:moveTo>
+                <a:cubicBezTo>
+                  <a:pt x="510721" y="1702707"/>
+                  <a:pt x="1021443" y="1260929"/>
+                  <a:pt x="1502229" y="903515"/>
+                </a:cubicBezTo>
+                <a:cubicBezTo>
+                  <a:pt x="1983015" y="546101"/>
+                  <a:pt x="2433865" y="273050"/>
+                  <a:pt x="2884715" y="0"/>
+                </a:cubicBezTo>
+              </a:path>
+            </a:pathLst>
+          </a:custGeom>
+          <a:noFill/>
+          <a:ln w="38100">
+            <a:solidFill>
+              <a:schemeClr val="accent6">
+                <a:lumMod val="60000"/>
+                <a:lumOff val="40000"/>
+              </a:schemeClr>
+            </a:solidFill>
+          </a:ln>
+        </p:spPr>
+        <p:txBody>
+          <a:bodyPr rtlCol="0" anchor="ctr"/>
+          <a:lstStyle/>
+          <a:p>
+            <a:pPr algn="ctr"/>
+            <a:endParaRPr kumimoji="1" lang="ja-JP" altLang="en-US"/>
+          </a:p>
+        </p:txBody>
+      </p:sp>
+      <mc:AlternateContent xmlns:mc="http://schemas.openxmlformats.org/markup-compatibility/2006">
+        <mc:Choice xmlns:a14="http://schemas.microsoft.com/office/drawing/2010/main" Requires="a14">
+          <p:sp>
+            <p:nvSpPr>
+              <p:cNvPr id="14" name="テキスト ボックス 13">
+                <a:extLst>
+                  <a:ext uri="{FF2B5EF4-FFF2-40B4-BE49-F238E27FC236}">
+                    <a16:creationId xmlns:a16="http://schemas.microsoft.com/office/drawing/2014/main" id="{8519F426-EED6-EA25-0554-F2DE5286E610}"/>
+                  </a:ext>
+                </a:extLst>
+              </p:cNvPr>
+              <p:cNvSpPr txBox="1"/>
+              <p:nvPr/>
+            </p:nvSpPr>
+            <p:spPr>
+              <a:xfrm>
+                <a:off x="2555776" y="3807902"/>
+                <a:ext cx="198259" cy="369332"/>
+              </a:xfrm>
+              <a:prstGeom prst="rect">
+                <a:avLst/>
+              </a:prstGeom>
+              <a:noFill/>
+            </p:spPr>
+            <p:txBody>
+              <a:bodyPr wrap="none" lIns="0" tIns="0" rIns="0" bIns="0" rtlCol="0">
+                <a:spAutoFit/>
+              </a:bodyPr>
+              <a:lstStyle/>
+              <a:p>
+                <a14:m>
+                  <m:oMathPara xmlns:m="http://schemas.openxmlformats.org/officeDocument/2006/math">
+                    <m:oMathParaPr>
+                      <m:jc m:val="centerGroup"/>
+                    </m:oMathParaPr>
+                    <m:oMath xmlns:m="http://schemas.openxmlformats.org/officeDocument/2006/math">
+                      <m:r>
+                        <a:rPr kumimoji="1" lang="en-US" altLang="ja-JP" sz="2400" b="0" i="1" smtClean="0">
+                          <a:latin typeface="Cambria Math" panose="02040503050406030204" pitchFamily="18" charset="0"/>
+                        </a:rPr>
+                        <m:t>𝑡</m:t>
+                      </m:r>
+                    </m:oMath>
+                  </m:oMathPara>
+                </a14:m>
+                <a:endParaRPr kumimoji="1" lang="ja-JP" altLang="en-US" sz="2400" dirty="0"/>
+              </a:p>
+            </p:txBody>
+          </p:sp>
+        </mc:Choice>
+        <mc:Fallback>
+          <p:sp>
+            <p:nvSpPr>
+              <p:cNvPr id="14" name="テキスト ボックス 13">
+                <a:extLst>
+                  <a:ext uri="{FF2B5EF4-FFF2-40B4-BE49-F238E27FC236}">
+                    <a16:creationId xmlns:a16="http://schemas.microsoft.com/office/drawing/2014/main" id="{8519F426-EED6-EA25-0554-F2DE5286E610}"/>
+                  </a:ext>
+                </a:extLst>
+              </p:cNvPr>
+              <p:cNvSpPr txBox="1">
+                <a:spLocks noRot="1" noChangeAspect="1" noMove="1" noResize="1" noEditPoints="1" noAdjustHandles="1" noChangeArrowheads="1" noChangeShapeType="1" noTextEdit="1"/>
+              </p:cNvSpPr>
+              <p:nvPr/>
+            </p:nvSpPr>
+            <p:spPr>
+              <a:xfrm>
+                <a:off x="2555776" y="3807902"/>
+                <a:ext cx="198259" cy="369332"/>
+              </a:xfrm>
+              <a:prstGeom prst="rect">
+                <a:avLst/>
+              </a:prstGeom>
+              <a:blipFill>
+                <a:blip r:embed="rId3"/>
+                <a:stretch>
+                  <a:fillRect l="-27273" r="-27273" b="-3333"/>
+                </a:stretch>
+              </a:blipFill>
+            </p:spPr>
+            <p:txBody>
+              <a:bodyPr/>
+              <a:lstStyle/>
+              <a:p>
+                <a:r>
+                  <a:rPr lang="ja-JP" altLang="en-US">
+                    <a:noFill/>
+                  </a:rPr>
+                  <a:t> </a:t>
+                </a:r>
+              </a:p>
+            </p:txBody>
+          </p:sp>
+        </mc:Fallback>
+      </mc:AlternateContent>
+      <mc:AlternateContent xmlns:mc="http://schemas.openxmlformats.org/markup-compatibility/2006">
+        <mc:Choice xmlns:a14="http://schemas.microsoft.com/office/drawing/2010/main" Requires="a14">
+          <p:sp>
+            <p:nvSpPr>
+              <p:cNvPr id="15" name="テキスト ボックス 14">
+                <a:extLst>
+                  <a:ext uri="{FF2B5EF4-FFF2-40B4-BE49-F238E27FC236}">
+                    <a16:creationId xmlns:a16="http://schemas.microsoft.com/office/drawing/2014/main" id="{52E78300-F940-F91E-E517-C5528A1D9297}"/>
+                  </a:ext>
+                </a:extLst>
+              </p:cNvPr>
+              <p:cNvSpPr txBox="1"/>
+              <p:nvPr/>
+            </p:nvSpPr>
+            <p:spPr>
+              <a:xfrm>
+                <a:off x="6876256" y="3807902"/>
+                <a:ext cx="198259" cy="369332"/>
+              </a:xfrm>
+              <a:prstGeom prst="rect">
+                <a:avLst/>
+              </a:prstGeom>
+              <a:noFill/>
+            </p:spPr>
+            <p:txBody>
+              <a:bodyPr wrap="none" lIns="0" tIns="0" rIns="0" bIns="0" rtlCol="0">
+                <a:spAutoFit/>
+              </a:bodyPr>
+              <a:lstStyle/>
+              <a:p>
+                <a14:m>
+                  <m:oMathPara xmlns:m="http://schemas.openxmlformats.org/officeDocument/2006/math">
+                    <m:oMathParaPr>
+                      <m:jc m:val="centerGroup"/>
+                    </m:oMathParaPr>
+                    <m:oMath xmlns:m="http://schemas.openxmlformats.org/officeDocument/2006/math">
+                      <m:r>
+                        <a:rPr kumimoji="1" lang="en-US" altLang="ja-JP" sz="2400" b="0" i="1" smtClean="0">
+                          <a:latin typeface="Cambria Math" panose="02040503050406030204" pitchFamily="18" charset="0"/>
+                        </a:rPr>
+                        <m:t>𝑡</m:t>
+                      </m:r>
+                    </m:oMath>
+                  </m:oMathPara>
+                </a14:m>
+                <a:endParaRPr kumimoji="1" lang="ja-JP" altLang="en-US" sz="2400" dirty="0"/>
+              </a:p>
+            </p:txBody>
+          </p:sp>
+        </mc:Choice>
+        <mc:Fallback>
+          <p:sp>
+            <p:nvSpPr>
+              <p:cNvPr id="15" name="テキスト ボックス 14">
+                <a:extLst>
+                  <a:ext uri="{FF2B5EF4-FFF2-40B4-BE49-F238E27FC236}">
+                    <a16:creationId xmlns:a16="http://schemas.microsoft.com/office/drawing/2014/main" id="{52E78300-F940-F91E-E517-C5528A1D9297}"/>
+                  </a:ext>
+                </a:extLst>
+              </p:cNvPr>
+              <p:cNvSpPr txBox="1">
+                <a:spLocks noRot="1" noChangeAspect="1" noMove="1" noResize="1" noEditPoints="1" noAdjustHandles="1" noChangeArrowheads="1" noChangeShapeType="1" noTextEdit="1"/>
+              </p:cNvSpPr>
+              <p:nvPr/>
+            </p:nvSpPr>
+            <p:spPr>
+              <a:xfrm>
+                <a:off x="6876256" y="3807902"/>
+                <a:ext cx="198259" cy="369332"/>
+              </a:xfrm>
+              <a:prstGeom prst="rect">
+                <a:avLst/>
+              </a:prstGeom>
+              <a:blipFill>
+                <a:blip r:embed="rId4"/>
+                <a:stretch>
+                  <a:fillRect l="-30303" r="-24242" b="-3333"/>
+                </a:stretch>
+              </a:blipFill>
+            </p:spPr>
+            <p:txBody>
+              <a:bodyPr/>
+              <a:lstStyle/>
+              <a:p>
+                <a:r>
+                  <a:rPr lang="ja-JP" altLang="en-US">
+                    <a:noFill/>
+                  </a:rPr>
+                  <a:t> </a:t>
+                </a:r>
+              </a:p>
+            </p:txBody>
+          </p:sp>
+        </mc:Fallback>
+      </mc:AlternateContent>
+      <mc:AlternateContent xmlns:mc="http://schemas.openxmlformats.org/markup-compatibility/2006">
+        <mc:Choice xmlns:a14="http://schemas.microsoft.com/office/drawing/2010/main" Requires="a14">
+          <p:sp>
+            <p:nvSpPr>
+              <p:cNvPr id="16" name="テキスト ボックス 15">
+                <a:extLst>
+                  <a:ext uri="{FF2B5EF4-FFF2-40B4-BE49-F238E27FC236}">
+                    <a16:creationId xmlns:a16="http://schemas.microsoft.com/office/drawing/2014/main" id="{71E1520D-4EE5-0CFE-B3E2-80EAE11F48A6}"/>
+                  </a:ext>
+                </a:extLst>
+              </p:cNvPr>
+              <p:cNvSpPr txBox="1"/>
+              <p:nvPr/>
+            </p:nvSpPr>
+            <p:spPr>
+              <a:xfrm>
+                <a:off x="6228184" y="3231838"/>
+                <a:ext cx="630494" cy="369332"/>
+              </a:xfrm>
+              <a:prstGeom prst="rect">
+                <a:avLst/>
+              </a:prstGeom>
+              <a:noFill/>
+            </p:spPr>
+            <p:txBody>
+              <a:bodyPr wrap="none" lIns="0" tIns="0" rIns="0" bIns="0" rtlCol="0">
+                <a:spAutoFit/>
+              </a:bodyPr>
+              <a:lstStyle/>
+              <a:p>
+                <a14:m>
+                  <m:oMathPara xmlns:m="http://schemas.openxmlformats.org/officeDocument/2006/math">
+                    <m:oMathParaPr>
+                      <m:jc m:val="centerGroup"/>
+                    </m:oMathParaPr>
+                    <m:oMath xmlns:m="http://schemas.openxmlformats.org/officeDocument/2006/math">
+                      <m:r>
+                        <a:rPr kumimoji="1" lang="en-US" altLang="ja-JP" sz="2400" b="0" i="1" smtClean="0">
+                          <a:latin typeface="Cambria Math" panose="02040503050406030204" pitchFamily="18" charset="0"/>
+                        </a:rPr>
+                        <m:t>𝑣</m:t>
+                      </m:r>
+                      <m:r>
+                        <a:rPr kumimoji="1" lang="en-US" altLang="ja-JP" sz="2400" b="0" i="1" smtClean="0">
+                          <a:latin typeface="Cambria Math" panose="02040503050406030204" pitchFamily="18" charset="0"/>
+                        </a:rPr>
+                        <m:t>(</m:t>
+                      </m:r>
+                      <m:r>
+                        <a:rPr kumimoji="1" lang="en-US" altLang="ja-JP" sz="2400" b="0" i="1" smtClean="0">
+                          <a:latin typeface="Cambria Math" panose="02040503050406030204" pitchFamily="18" charset="0"/>
+                        </a:rPr>
+                        <m:t>𝑡</m:t>
+                      </m:r>
+                      <m:r>
+                        <a:rPr kumimoji="1" lang="en-US" altLang="ja-JP" sz="2400" b="0" i="1" smtClean="0">
+                          <a:latin typeface="Cambria Math" panose="02040503050406030204" pitchFamily="18" charset="0"/>
+                        </a:rPr>
+                        <m:t>)</m:t>
+                      </m:r>
+                    </m:oMath>
+                  </m:oMathPara>
+                </a14:m>
+                <a:endParaRPr kumimoji="1" lang="ja-JP" altLang="en-US" sz="2400" dirty="0"/>
+              </a:p>
+            </p:txBody>
+          </p:sp>
+        </mc:Choice>
+        <mc:Fallback>
+          <p:sp>
+            <p:nvSpPr>
+              <p:cNvPr id="16" name="テキスト ボックス 15">
+                <a:extLst>
+                  <a:ext uri="{FF2B5EF4-FFF2-40B4-BE49-F238E27FC236}">
+                    <a16:creationId xmlns:a16="http://schemas.microsoft.com/office/drawing/2014/main" id="{71E1520D-4EE5-0CFE-B3E2-80EAE11F48A6}"/>
+                  </a:ext>
+                </a:extLst>
+              </p:cNvPr>
+              <p:cNvSpPr txBox="1">
+                <a:spLocks noRot="1" noChangeAspect="1" noMove="1" noResize="1" noEditPoints="1" noAdjustHandles="1" noChangeArrowheads="1" noChangeShapeType="1" noTextEdit="1"/>
+              </p:cNvSpPr>
+              <p:nvPr/>
+            </p:nvSpPr>
+            <p:spPr>
+              <a:xfrm>
+                <a:off x="6228184" y="3231838"/>
+                <a:ext cx="630494" cy="369332"/>
+              </a:xfrm>
+              <a:prstGeom prst="rect">
+                <a:avLst/>
+              </a:prstGeom>
+              <a:blipFill>
+                <a:blip r:embed="rId5"/>
+                <a:stretch>
+                  <a:fillRect l="-6796" r="-16505" b="-34426"/>
+                </a:stretch>
+              </a:blipFill>
+            </p:spPr>
+            <p:txBody>
+              <a:bodyPr/>
+              <a:lstStyle/>
+              <a:p>
+                <a:r>
+                  <a:rPr lang="ja-JP" altLang="en-US">
+                    <a:noFill/>
+                  </a:rPr>
+                  <a:t> </a:t>
+                </a:r>
+              </a:p>
+            </p:txBody>
+          </p:sp>
+        </mc:Fallback>
+      </mc:AlternateContent>
+      <mc:AlternateContent xmlns:mc="http://schemas.openxmlformats.org/markup-compatibility/2006">
+        <mc:Choice xmlns:a14="http://schemas.microsoft.com/office/drawing/2010/main" Requires="a14">
+          <p:sp>
+            <p:nvSpPr>
+              <p:cNvPr id="17" name="テキスト ボックス 16">
+                <a:extLst>
+                  <a:ext uri="{FF2B5EF4-FFF2-40B4-BE49-F238E27FC236}">
+                    <a16:creationId xmlns:a16="http://schemas.microsoft.com/office/drawing/2014/main" id="{7B3F96B6-569B-134B-A75D-3FC02D64A336}"/>
+                  </a:ext>
+                </a:extLst>
+              </p:cNvPr>
+              <p:cNvSpPr txBox="1"/>
+              <p:nvPr/>
+            </p:nvSpPr>
+            <p:spPr>
+              <a:xfrm>
+                <a:off x="2915816" y="1575654"/>
+                <a:ext cx="661015" cy="369332"/>
+              </a:xfrm>
+              <a:prstGeom prst="rect">
+                <a:avLst/>
+              </a:prstGeom>
+              <a:noFill/>
+            </p:spPr>
+            <p:txBody>
+              <a:bodyPr wrap="none" lIns="0" tIns="0" rIns="0" bIns="0" rtlCol="0">
+                <a:spAutoFit/>
+              </a:bodyPr>
+              <a:lstStyle/>
+              <a:p>
+                <a14:m>
+                  <m:oMathPara xmlns:m="http://schemas.openxmlformats.org/officeDocument/2006/math">
+                    <m:oMathParaPr>
+                      <m:jc m:val="centerGroup"/>
+                    </m:oMathParaPr>
+                    <m:oMath xmlns:m="http://schemas.openxmlformats.org/officeDocument/2006/math">
+                      <m:r>
+                        <a:rPr kumimoji="1" lang="en-US" altLang="ja-JP" sz="2400" b="0" i="1" smtClean="0">
+                          <a:latin typeface="Cambria Math" panose="02040503050406030204" pitchFamily="18" charset="0"/>
+                        </a:rPr>
+                        <m:t>𝑋</m:t>
+                      </m:r>
+                      <m:r>
+                        <a:rPr kumimoji="1" lang="en-US" altLang="ja-JP" sz="2400" b="0" i="1" smtClean="0">
+                          <a:latin typeface="Cambria Math" panose="02040503050406030204" pitchFamily="18" charset="0"/>
+                        </a:rPr>
+                        <m:t>(</m:t>
+                      </m:r>
+                      <m:r>
+                        <a:rPr kumimoji="1" lang="en-US" altLang="ja-JP" sz="2400" b="0" i="1" smtClean="0">
+                          <a:latin typeface="Cambria Math" panose="02040503050406030204" pitchFamily="18" charset="0"/>
+                        </a:rPr>
+                        <m:t>𝑡</m:t>
+                      </m:r>
+                      <m:r>
+                        <a:rPr kumimoji="1" lang="en-US" altLang="ja-JP" sz="2400" b="0" i="1" smtClean="0">
+                          <a:latin typeface="Cambria Math" panose="02040503050406030204" pitchFamily="18" charset="0"/>
+                        </a:rPr>
+                        <m:t>)</m:t>
+                      </m:r>
+                    </m:oMath>
+                  </m:oMathPara>
+                </a14:m>
+                <a:endParaRPr kumimoji="1" lang="ja-JP" altLang="en-US" sz="2400" dirty="0"/>
+              </a:p>
+            </p:txBody>
+          </p:sp>
+        </mc:Choice>
+        <mc:Fallback>
+          <p:sp>
+            <p:nvSpPr>
+              <p:cNvPr id="17" name="テキスト ボックス 16">
+                <a:extLst>
+                  <a:ext uri="{FF2B5EF4-FFF2-40B4-BE49-F238E27FC236}">
+                    <a16:creationId xmlns:a16="http://schemas.microsoft.com/office/drawing/2014/main" id="{7B3F96B6-569B-134B-A75D-3FC02D64A336}"/>
+                  </a:ext>
+                </a:extLst>
+              </p:cNvPr>
+              <p:cNvSpPr txBox="1">
+                <a:spLocks noRot="1" noChangeAspect="1" noMove="1" noResize="1" noEditPoints="1" noAdjustHandles="1" noChangeArrowheads="1" noChangeShapeType="1" noTextEdit="1"/>
+              </p:cNvSpPr>
+              <p:nvPr/>
+            </p:nvSpPr>
+            <p:spPr>
+              <a:xfrm>
+                <a:off x="2915816" y="1575654"/>
+                <a:ext cx="661015" cy="369332"/>
+              </a:xfrm>
+              <a:prstGeom prst="rect">
+                <a:avLst/>
+              </a:prstGeom>
+              <a:blipFill>
+                <a:blip r:embed="rId6"/>
+                <a:stretch>
+                  <a:fillRect l="-10092" r="-15596" b="-34426"/>
+                </a:stretch>
+              </a:blipFill>
+            </p:spPr>
+            <p:txBody>
+              <a:bodyPr/>
+              <a:lstStyle/>
+              <a:p>
+                <a:r>
+                  <a:rPr lang="ja-JP" altLang="en-US">
+                    <a:noFill/>
+                  </a:rPr>
+                  <a:t> </a:t>
+                </a:r>
+              </a:p>
+            </p:txBody>
+          </p:sp>
+        </mc:Fallback>
+      </mc:AlternateContent>
+      <mc:AlternateContent xmlns:mc="http://schemas.openxmlformats.org/markup-compatibility/2006">
+        <mc:Choice xmlns:a14="http://schemas.microsoft.com/office/drawing/2010/main" Requires="a14">
+          <p:sp>
+            <p:nvSpPr>
+              <p:cNvPr id="18" name="テキスト ボックス 17">
+                <a:extLst>
+                  <a:ext uri="{FF2B5EF4-FFF2-40B4-BE49-F238E27FC236}">
+                    <a16:creationId xmlns:a16="http://schemas.microsoft.com/office/drawing/2014/main" id="{43C6AFEE-A617-2087-B497-2176D793E0DE}"/>
+                  </a:ext>
+                </a:extLst>
+              </p:cNvPr>
+              <p:cNvSpPr txBox="1"/>
+              <p:nvPr/>
+            </p:nvSpPr>
+            <p:spPr>
+              <a:xfrm>
+                <a:off x="5940152" y="2079710"/>
+                <a:ext cx="656846" cy="369332"/>
+              </a:xfrm>
+              <a:prstGeom prst="rect">
+                <a:avLst/>
+              </a:prstGeom>
+              <a:noFill/>
+            </p:spPr>
+            <p:txBody>
+              <a:bodyPr wrap="none" lIns="0" tIns="0" rIns="0" bIns="0" rtlCol="0">
+                <a:spAutoFit/>
+              </a:bodyPr>
+              <a:lstStyle/>
+              <a:p>
+                <a14:m>
+                  <m:oMathPara xmlns:m="http://schemas.openxmlformats.org/officeDocument/2006/math">
+                    <m:oMathParaPr>
+                      <m:jc m:val="centerGroup"/>
+                    </m:oMathParaPr>
+                    <m:oMath xmlns:m="http://schemas.openxmlformats.org/officeDocument/2006/math">
+                      <m:r>
+                        <a:rPr kumimoji="1" lang="en-US" altLang="ja-JP" sz="2400" b="0" i="1" smtClean="0">
+                          <a:latin typeface="Cambria Math" panose="02040503050406030204" pitchFamily="18" charset="0"/>
+                        </a:rPr>
+                        <m:t>𝑉</m:t>
+                      </m:r>
+                      <m:r>
+                        <a:rPr kumimoji="1" lang="en-US" altLang="ja-JP" sz="2400" b="0" i="1" smtClean="0">
+                          <a:latin typeface="Cambria Math" panose="02040503050406030204" pitchFamily="18" charset="0"/>
+                        </a:rPr>
+                        <m:t>(</m:t>
+                      </m:r>
+                      <m:r>
+                        <a:rPr kumimoji="1" lang="en-US" altLang="ja-JP" sz="2400" b="0" i="1" smtClean="0">
+                          <a:latin typeface="Cambria Math" panose="02040503050406030204" pitchFamily="18" charset="0"/>
+                        </a:rPr>
+                        <m:t>𝑡</m:t>
+                      </m:r>
+                      <m:r>
+                        <a:rPr kumimoji="1" lang="en-US" altLang="ja-JP" sz="2400" b="0" i="1" smtClean="0">
+                          <a:latin typeface="Cambria Math" panose="02040503050406030204" pitchFamily="18" charset="0"/>
+                        </a:rPr>
+                        <m:t>)</m:t>
+                      </m:r>
+                    </m:oMath>
+                  </m:oMathPara>
+                </a14:m>
+                <a:endParaRPr kumimoji="1" lang="ja-JP" altLang="en-US" sz="2400" dirty="0"/>
+              </a:p>
+            </p:txBody>
+          </p:sp>
+        </mc:Choice>
+        <mc:Fallback>
+          <p:sp>
+            <p:nvSpPr>
+              <p:cNvPr id="18" name="テキスト ボックス 17">
+                <a:extLst>
+                  <a:ext uri="{FF2B5EF4-FFF2-40B4-BE49-F238E27FC236}">
+                    <a16:creationId xmlns:a16="http://schemas.microsoft.com/office/drawing/2014/main" id="{43C6AFEE-A617-2087-B497-2176D793E0DE}"/>
+                  </a:ext>
+                </a:extLst>
+              </p:cNvPr>
+              <p:cNvSpPr txBox="1">
+                <a:spLocks noRot="1" noChangeAspect="1" noMove="1" noResize="1" noEditPoints="1" noAdjustHandles="1" noChangeArrowheads="1" noChangeShapeType="1" noTextEdit="1"/>
+              </p:cNvSpPr>
+              <p:nvPr/>
+            </p:nvSpPr>
+            <p:spPr>
+              <a:xfrm>
+                <a:off x="5940152" y="2079710"/>
+                <a:ext cx="656846" cy="369332"/>
+              </a:xfrm>
+              <a:prstGeom prst="rect">
+                <a:avLst/>
+              </a:prstGeom>
+              <a:blipFill>
+                <a:blip r:embed="rId7"/>
+                <a:stretch>
+                  <a:fillRect l="-10185" r="-16667" b="-34426"/>
+                </a:stretch>
+              </a:blipFill>
+            </p:spPr>
+            <p:txBody>
+              <a:bodyPr/>
+              <a:lstStyle/>
+              <a:p>
+                <a:r>
+                  <a:rPr lang="ja-JP" altLang="en-US">
+                    <a:noFill/>
+                  </a:rPr>
+                  <a:t> </a:t>
+                </a:r>
+              </a:p>
+            </p:txBody>
+          </p:sp>
+        </mc:Fallback>
+      </mc:AlternateContent>
+      <mc:AlternateContent xmlns:mc="http://schemas.openxmlformats.org/markup-compatibility/2006">
+        <mc:Choice xmlns:a14="http://schemas.microsoft.com/office/drawing/2010/main" Requires="a14">
+          <p:sp>
+            <p:nvSpPr>
+              <p:cNvPr id="19" name="テキスト ボックス 18">
+                <a:extLst>
+                  <a:ext uri="{FF2B5EF4-FFF2-40B4-BE49-F238E27FC236}">
+                    <a16:creationId xmlns:a16="http://schemas.microsoft.com/office/drawing/2014/main" id="{6605A7EF-865D-0CEF-83F2-8E1588EB577D}"/>
+                  </a:ext>
+                </a:extLst>
+              </p:cNvPr>
+              <p:cNvSpPr txBox="1"/>
+              <p:nvPr/>
+            </p:nvSpPr>
+            <p:spPr>
+              <a:xfrm>
+                <a:off x="3059832" y="3140968"/>
+                <a:ext cx="627544" cy="369332"/>
+              </a:xfrm>
+              <a:prstGeom prst="rect">
+                <a:avLst/>
+              </a:prstGeom>
+              <a:noFill/>
+            </p:spPr>
+            <p:txBody>
+              <a:bodyPr wrap="none" lIns="0" tIns="0" rIns="0" bIns="0" rtlCol="0">
+                <a:spAutoFit/>
+              </a:bodyPr>
+              <a:lstStyle/>
+              <a:p>
+                <a14:m>
+                  <m:oMathPara xmlns:m="http://schemas.openxmlformats.org/officeDocument/2006/math">
+                    <m:oMathParaPr>
+                      <m:jc m:val="centerGroup"/>
+                    </m:oMathParaPr>
+                    <m:oMath xmlns:m="http://schemas.openxmlformats.org/officeDocument/2006/math">
+                      <m:r>
+                        <a:rPr kumimoji="1" lang="en-US" altLang="ja-JP" sz="2400" b="0" i="1" smtClean="0">
+                          <a:latin typeface="Cambria Math" panose="02040503050406030204" pitchFamily="18" charset="0"/>
+                        </a:rPr>
+                        <m:t>𝑥</m:t>
+                      </m:r>
+                      <m:r>
+                        <a:rPr kumimoji="1" lang="en-US" altLang="ja-JP" sz="2400" b="0" i="1" smtClean="0">
+                          <a:latin typeface="Cambria Math" panose="02040503050406030204" pitchFamily="18" charset="0"/>
+                        </a:rPr>
+                        <m:t>(</m:t>
+                      </m:r>
+                      <m:r>
+                        <a:rPr kumimoji="1" lang="en-US" altLang="ja-JP" sz="2400" b="0" i="1" smtClean="0">
+                          <a:latin typeface="Cambria Math" panose="02040503050406030204" pitchFamily="18" charset="0"/>
+                        </a:rPr>
+                        <m:t>𝑡</m:t>
+                      </m:r>
+                      <m:r>
+                        <a:rPr kumimoji="1" lang="en-US" altLang="ja-JP" sz="2400" b="0" i="1" smtClean="0">
+                          <a:latin typeface="Cambria Math" panose="02040503050406030204" pitchFamily="18" charset="0"/>
+                        </a:rPr>
+                        <m:t>)</m:t>
+                      </m:r>
+                    </m:oMath>
+                  </m:oMathPara>
+                </a14:m>
+                <a:endParaRPr kumimoji="1" lang="ja-JP" altLang="en-US" sz="2400" dirty="0"/>
+              </a:p>
+            </p:txBody>
+          </p:sp>
+        </mc:Choice>
+        <mc:Fallback>
+          <p:sp>
+            <p:nvSpPr>
+              <p:cNvPr id="19" name="テキスト ボックス 18">
+                <a:extLst>
+                  <a:ext uri="{FF2B5EF4-FFF2-40B4-BE49-F238E27FC236}">
+                    <a16:creationId xmlns:a16="http://schemas.microsoft.com/office/drawing/2014/main" id="{6605A7EF-865D-0CEF-83F2-8E1588EB577D}"/>
+                  </a:ext>
+                </a:extLst>
+              </p:cNvPr>
+              <p:cNvSpPr txBox="1">
+                <a:spLocks noRot="1" noChangeAspect="1" noMove="1" noResize="1" noEditPoints="1" noAdjustHandles="1" noChangeArrowheads="1" noChangeShapeType="1" noTextEdit="1"/>
+              </p:cNvSpPr>
+              <p:nvPr/>
+            </p:nvSpPr>
+            <p:spPr>
+              <a:xfrm>
+                <a:off x="3059832" y="3140968"/>
+                <a:ext cx="627544" cy="369332"/>
+              </a:xfrm>
+              <a:prstGeom prst="rect">
+                <a:avLst/>
+              </a:prstGeom>
+              <a:blipFill>
+                <a:blip r:embed="rId8"/>
+                <a:stretch>
+                  <a:fillRect l="-6796" r="-16505" b="-34426"/>
+                </a:stretch>
+              </a:blipFill>
+            </p:spPr>
+            <p:txBody>
+              <a:bodyPr/>
+              <a:lstStyle/>
+              <a:p>
+                <a:r>
+                  <a:rPr lang="ja-JP" altLang="en-US">
+                    <a:noFill/>
+                  </a:rPr>
+                  <a:t> </a:t>
+                </a:r>
+              </a:p>
+            </p:txBody>
+          </p:sp>
+        </mc:Fallback>
+      </mc:AlternateContent>
+      <p:sp>
+        <p:nvSpPr>
+          <p:cNvPr id="20" name="矢印: 右 19">
+            <a:extLst>
+              <a:ext uri="{FF2B5EF4-FFF2-40B4-BE49-F238E27FC236}">
+                <a16:creationId xmlns:a16="http://schemas.microsoft.com/office/drawing/2014/main" id="{B8865B5F-3A67-06A9-430F-7F84DE74C10E}"/>
+              </a:ext>
+            </a:extLst>
+          </p:cNvPr>
+          <p:cNvSpPr/>
+          <p:nvPr/>
+        </p:nvSpPr>
+        <p:spPr>
+          <a:xfrm>
+            <a:off x="4211960" y="2511758"/>
+            <a:ext cx="720080" cy="432048"/>
+          </a:xfrm>
+          <a:prstGeom prst="rightArrow">
+            <a:avLst/>
+          </a:prstGeom>
+          <a:solidFill>
+            <a:srgbClr val="FF0000"/>
+          </a:solidFill>
+          <a:ln>
+            <a:solidFill>
+              <a:schemeClr val="tx1"/>
+            </a:solidFill>
+          </a:ln>
+        </p:spPr>
+        <p:txBody>
+          <a:bodyPr wrap="square" rtlCol="0" anchor="ctr">
+            <a:spAutoFit/>
+          </a:bodyPr>
+          <a:lstStyle/>
+          <a:p>
+            <a:pPr algn="ctr"/>
+            <a:endParaRPr kumimoji="1" lang="ja-JP" altLang="en-US" sz="2400" dirty="0"/>
+          </a:p>
+        </p:txBody>
+      </p:sp>
+      <mc:AlternateContent xmlns:mc="http://schemas.openxmlformats.org/markup-compatibility/2006">
+        <mc:Choice xmlns:a14="http://schemas.microsoft.com/office/drawing/2010/main" Requires="a14">
+          <p:sp>
+            <p:nvSpPr>
+              <p:cNvPr id="21" name="テキスト ボックス 20">
+                <a:extLst>
+                  <a:ext uri="{FF2B5EF4-FFF2-40B4-BE49-F238E27FC236}">
+                    <a16:creationId xmlns:a16="http://schemas.microsoft.com/office/drawing/2014/main" id="{5D55B1C0-1FF5-37B8-A836-B4273D6588CB}"/>
+                  </a:ext>
+                </a:extLst>
+              </p:cNvPr>
+              <p:cNvSpPr txBox="1"/>
+              <p:nvPr/>
+            </p:nvSpPr>
+            <p:spPr>
+              <a:xfrm>
+                <a:off x="4355976" y="1719670"/>
+                <a:ext cx="376192" cy="701218"/>
+              </a:xfrm>
+              <a:prstGeom prst="rect">
+                <a:avLst/>
+              </a:prstGeom>
+              <a:noFill/>
+            </p:spPr>
+            <p:txBody>
+              <a:bodyPr wrap="none" lIns="0" tIns="0" rIns="0" bIns="0" rtlCol="0">
+                <a:spAutoFit/>
+              </a:bodyPr>
+              <a:lstStyle/>
+              <a:p>
+                <a14:m>
+                  <m:oMathPara xmlns:m="http://schemas.openxmlformats.org/officeDocument/2006/math">
+                    <m:oMathParaPr>
+                      <m:jc m:val="centerGroup"/>
+                    </m:oMathParaPr>
+                    <m:oMath xmlns:m="http://schemas.openxmlformats.org/officeDocument/2006/math">
+                      <m:f>
+                        <m:fPr>
+                          <m:ctrlPr>
+                            <a:rPr kumimoji="1" lang="en-US" altLang="ja-JP" sz="2400" b="0" i="1" smtClean="0">
+                              <a:latin typeface="Cambria Math" panose="02040503050406030204" pitchFamily="18" charset="0"/>
+                            </a:rPr>
+                          </m:ctrlPr>
+                        </m:fPr>
+                        <m:num>
+                          <m:r>
+                            <a:rPr kumimoji="1" lang="en-US" altLang="ja-JP" sz="2400" b="0" i="1" smtClean="0">
+                              <a:latin typeface="Cambria Math" panose="02040503050406030204" pitchFamily="18" charset="0"/>
+                            </a:rPr>
+                            <m:t>𝑑</m:t>
+                          </m:r>
+                        </m:num>
+                        <m:den>
+                          <m:r>
+                            <a:rPr kumimoji="1" lang="en-US" altLang="ja-JP" sz="2400" b="0" i="1" smtClean="0">
+                              <a:latin typeface="Cambria Math" panose="02040503050406030204" pitchFamily="18" charset="0"/>
+                            </a:rPr>
+                            <m:t>𝑑𝑡</m:t>
+                          </m:r>
+                        </m:den>
+                      </m:f>
+                    </m:oMath>
+                  </m:oMathPara>
+                </a14:m>
+                <a:endParaRPr kumimoji="1" lang="ja-JP" altLang="en-US" sz="2400" dirty="0"/>
+              </a:p>
+            </p:txBody>
+          </p:sp>
+        </mc:Choice>
+        <mc:Fallback>
+          <p:sp>
+            <p:nvSpPr>
+              <p:cNvPr id="21" name="テキスト ボックス 20">
+                <a:extLst>
+                  <a:ext uri="{FF2B5EF4-FFF2-40B4-BE49-F238E27FC236}">
+                    <a16:creationId xmlns:a16="http://schemas.microsoft.com/office/drawing/2014/main" id="{5D55B1C0-1FF5-37B8-A836-B4273D6588CB}"/>
+                  </a:ext>
+                </a:extLst>
+              </p:cNvPr>
+              <p:cNvSpPr txBox="1">
+                <a:spLocks noRot="1" noChangeAspect="1" noMove="1" noResize="1" noEditPoints="1" noAdjustHandles="1" noChangeArrowheads="1" noChangeShapeType="1" noTextEdit="1"/>
+              </p:cNvSpPr>
+              <p:nvPr/>
+            </p:nvSpPr>
+            <p:spPr>
+              <a:xfrm>
+                <a:off x="4355976" y="1719670"/>
+                <a:ext cx="376192" cy="701218"/>
+              </a:xfrm>
+              <a:prstGeom prst="rect">
+                <a:avLst/>
+              </a:prstGeom>
+              <a:blipFill>
+                <a:blip r:embed="rId9"/>
+                <a:stretch>
+                  <a:fillRect/>
+                </a:stretch>
+              </a:blipFill>
+            </p:spPr>
+            <p:txBody>
+              <a:bodyPr/>
+              <a:lstStyle/>
+              <a:p>
+                <a:r>
+                  <a:rPr lang="ja-JP" altLang="en-US">
+                    <a:noFill/>
+                  </a:rPr>
+                  <a:t> </a:t>
+                </a:r>
+              </a:p>
+            </p:txBody>
+          </p:sp>
+        </mc:Fallback>
+      </mc:AlternateContent>
+      <p:cxnSp>
+        <p:nvCxnSpPr>
+          <p:cNvPr id="23" name="直線コネクタ 22">
+            <a:extLst>
+              <a:ext uri="{FF2B5EF4-FFF2-40B4-BE49-F238E27FC236}">
+                <a16:creationId xmlns:a16="http://schemas.microsoft.com/office/drawing/2014/main" id="{C620AC6B-EA22-2EDF-074A-6B6852E383E9}"/>
+              </a:ext>
+            </a:extLst>
+          </p:cNvPr>
+          <p:cNvCxnSpPr/>
+          <p:nvPr/>
+        </p:nvCxnSpPr>
+        <p:spPr>
+          <a:xfrm flipV="1">
+            <a:off x="2627784" y="1575654"/>
+            <a:ext cx="0" cy="2232248"/>
+          </a:xfrm>
+          <a:prstGeom prst="line">
+            <a:avLst/>
+          </a:prstGeom>
+          <a:ln w="9525">
+            <a:solidFill>
+              <a:schemeClr val="tx1"/>
+            </a:solidFill>
+            <a:headEnd type="none"/>
+            <a:tailEnd type="none"/>
+          </a:ln>
+          <a:effectLst/>
+        </p:spPr>
+        <p:style>
+          <a:lnRef idx="2">
+            <a:schemeClr val="accent1"/>
+          </a:lnRef>
+          <a:fillRef idx="0">
+            <a:schemeClr val="accent1"/>
+          </a:fillRef>
+          <a:effectRef idx="1">
+            <a:schemeClr val="accent1"/>
+          </a:effectRef>
+          <a:fontRef idx="minor">
+            <a:schemeClr val="tx1"/>
+          </a:fontRef>
+        </p:style>
+      </p:cxnSp>
+      <p:cxnSp>
+        <p:nvCxnSpPr>
+          <p:cNvPr id="24" name="直線コネクタ 23">
+            <a:extLst>
+              <a:ext uri="{FF2B5EF4-FFF2-40B4-BE49-F238E27FC236}">
+                <a16:creationId xmlns:a16="http://schemas.microsoft.com/office/drawing/2014/main" id="{412597BD-03A0-0849-3602-0F4711012CC9}"/>
+              </a:ext>
+            </a:extLst>
+          </p:cNvPr>
+          <p:cNvCxnSpPr/>
+          <p:nvPr/>
+        </p:nvCxnSpPr>
+        <p:spPr>
+          <a:xfrm flipV="1">
+            <a:off x="6948264" y="1575654"/>
+            <a:ext cx="0" cy="2232248"/>
+          </a:xfrm>
+          <a:prstGeom prst="line">
+            <a:avLst/>
+          </a:prstGeom>
+          <a:ln w="9525">
+            <a:solidFill>
+              <a:schemeClr val="tx1"/>
+            </a:solidFill>
+            <a:headEnd type="none"/>
+            <a:tailEnd type="none"/>
+          </a:ln>
+          <a:effectLst/>
+        </p:spPr>
+        <p:style>
+          <a:lnRef idx="2">
+            <a:schemeClr val="accent1"/>
+          </a:lnRef>
+          <a:fillRef idx="0">
+            <a:schemeClr val="accent1"/>
+          </a:fillRef>
+          <a:effectRef idx="1">
+            <a:schemeClr val="accent1"/>
+          </a:effectRef>
+          <a:fontRef idx="minor">
+            <a:schemeClr val="tx1"/>
+          </a:fontRef>
+        </p:style>
+      </p:cxnSp>
+      <mc:AlternateContent xmlns:mc="http://schemas.openxmlformats.org/markup-compatibility/2006">
+        <mc:Choice xmlns:a14="http://schemas.microsoft.com/office/drawing/2010/main" Requires="a14">
+          <p:sp>
+            <p:nvSpPr>
+              <p:cNvPr id="26" name="テキスト ボックス 25">
+                <a:extLst>
+                  <a:ext uri="{FF2B5EF4-FFF2-40B4-BE49-F238E27FC236}">
+                    <a16:creationId xmlns:a16="http://schemas.microsoft.com/office/drawing/2014/main" id="{09ED3422-84D9-6C56-5F7B-DE78E64C6442}"/>
+                  </a:ext>
+                </a:extLst>
+              </p:cNvPr>
+              <p:cNvSpPr txBox="1"/>
+              <p:nvPr/>
+            </p:nvSpPr>
+            <p:spPr>
+              <a:xfrm>
+                <a:off x="1475656" y="836712"/>
+                <a:ext cx="792653" cy="369332"/>
+              </a:xfrm>
+              <a:prstGeom prst="rect">
+                <a:avLst/>
+              </a:prstGeom>
+              <a:noFill/>
+            </p:spPr>
+            <p:txBody>
+              <a:bodyPr wrap="none" lIns="0" tIns="0" rIns="0" bIns="0" rtlCol="0">
+                <a:spAutoFit/>
+              </a:bodyPr>
+              <a:lstStyle/>
+              <a:p>
+                <a14:m>
+                  <m:oMathPara xmlns:m="http://schemas.openxmlformats.org/officeDocument/2006/math">
+                    <m:oMathParaPr>
+                      <m:jc m:val="centerGroup"/>
+                    </m:oMathParaPr>
+                    <m:oMath xmlns:m="http://schemas.openxmlformats.org/officeDocument/2006/math">
+                      <m:r>
+                        <a:rPr kumimoji="1" lang="en-US" altLang="ja-JP" sz="2400" b="0" i="1" smtClean="0">
+                          <a:latin typeface="Cambria Math" panose="02040503050406030204" pitchFamily="18" charset="0"/>
+                        </a:rPr>
+                        <m:t>𝛿</m:t>
+                      </m:r>
+                      <m:r>
+                        <a:rPr kumimoji="1" lang="en-US" altLang="ja-JP" sz="2400" b="0" i="1" smtClean="0">
+                          <a:latin typeface="Cambria Math" panose="02040503050406030204" pitchFamily="18" charset="0"/>
+                        </a:rPr>
+                        <m:t>𝑥</m:t>
+                      </m:r>
+                      <m:r>
+                        <a:rPr kumimoji="1" lang="en-US" altLang="ja-JP" sz="2400" b="0" i="1" smtClean="0">
+                          <a:latin typeface="Cambria Math" panose="02040503050406030204" pitchFamily="18" charset="0"/>
+                        </a:rPr>
+                        <m:t>(</m:t>
+                      </m:r>
+                      <m:r>
+                        <a:rPr kumimoji="1" lang="en-US" altLang="ja-JP" sz="2400" b="0" i="1" smtClean="0">
+                          <a:latin typeface="Cambria Math" panose="02040503050406030204" pitchFamily="18" charset="0"/>
+                        </a:rPr>
+                        <m:t>𝑡</m:t>
+                      </m:r>
+                      <m:r>
+                        <a:rPr kumimoji="1" lang="en-US" altLang="ja-JP" sz="2400" b="0" i="1" smtClean="0">
+                          <a:latin typeface="Cambria Math" panose="02040503050406030204" pitchFamily="18" charset="0"/>
+                        </a:rPr>
+                        <m:t>)</m:t>
+                      </m:r>
+                    </m:oMath>
+                  </m:oMathPara>
+                </a14:m>
+                <a:endParaRPr kumimoji="1" lang="ja-JP" altLang="en-US" sz="2400" dirty="0"/>
+              </a:p>
+            </p:txBody>
+          </p:sp>
+        </mc:Choice>
+        <mc:Fallback>
+          <p:sp>
+            <p:nvSpPr>
+              <p:cNvPr id="26" name="テキスト ボックス 25">
+                <a:extLst>
+                  <a:ext uri="{FF2B5EF4-FFF2-40B4-BE49-F238E27FC236}">
+                    <a16:creationId xmlns:a16="http://schemas.microsoft.com/office/drawing/2014/main" id="{09ED3422-84D9-6C56-5F7B-DE78E64C6442}"/>
+                  </a:ext>
+                </a:extLst>
+              </p:cNvPr>
+              <p:cNvSpPr txBox="1">
+                <a:spLocks noRot="1" noChangeAspect="1" noMove="1" noResize="1" noEditPoints="1" noAdjustHandles="1" noChangeArrowheads="1" noChangeShapeType="1" noTextEdit="1"/>
+              </p:cNvSpPr>
+              <p:nvPr/>
+            </p:nvSpPr>
+            <p:spPr>
+              <a:xfrm>
+                <a:off x="1475656" y="836712"/>
+                <a:ext cx="792653" cy="369332"/>
+              </a:xfrm>
+              <a:prstGeom prst="rect">
+                <a:avLst/>
+              </a:prstGeom>
+              <a:blipFill>
+                <a:blip r:embed="rId10"/>
+                <a:stretch>
+                  <a:fillRect l="-9231" r="-13846" b="-34426"/>
+                </a:stretch>
+              </a:blipFill>
+            </p:spPr>
+            <p:txBody>
+              <a:bodyPr/>
+              <a:lstStyle/>
+              <a:p>
+                <a:r>
+                  <a:rPr lang="ja-JP" altLang="en-US">
+                    <a:noFill/>
+                  </a:rPr>
+                  <a:t> </a:t>
+                </a:r>
+              </a:p>
+            </p:txBody>
+          </p:sp>
+        </mc:Fallback>
+      </mc:AlternateContent>
+      <mc:AlternateContent xmlns:mc="http://schemas.openxmlformats.org/markup-compatibility/2006">
+        <mc:Choice xmlns:a14="http://schemas.microsoft.com/office/drawing/2010/main" Requires="a14">
+          <p:sp>
+            <p:nvSpPr>
+              <p:cNvPr id="27" name="テキスト ボックス 26">
+                <a:extLst>
+                  <a:ext uri="{FF2B5EF4-FFF2-40B4-BE49-F238E27FC236}">
+                    <a16:creationId xmlns:a16="http://schemas.microsoft.com/office/drawing/2014/main" id="{397BB537-8415-E259-A53A-6BD2E6CE694D}"/>
+                  </a:ext>
+                </a:extLst>
+              </p:cNvPr>
+              <p:cNvSpPr txBox="1"/>
+              <p:nvPr/>
+            </p:nvSpPr>
+            <p:spPr>
+              <a:xfrm>
+                <a:off x="7164288" y="692696"/>
+                <a:ext cx="795602" cy="369332"/>
+              </a:xfrm>
+              <a:prstGeom prst="rect">
+                <a:avLst/>
+              </a:prstGeom>
+              <a:noFill/>
+            </p:spPr>
+            <p:txBody>
+              <a:bodyPr wrap="none" lIns="0" tIns="0" rIns="0" bIns="0" rtlCol="0">
+                <a:spAutoFit/>
+              </a:bodyPr>
+              <a:lstStyle/>
+              <a:p>
+                <a14:m>
+                  <m:oMathPara xmlns:m="http://schemas.openxmlformats.org/officeDocument/2006/math">
+                    <m:oMathParaPr>
+                      <m:jc m:val="centerGroup"/>
+                    </m:oMathParaPr>
+                    <m:oMath xmlns:m="http://schemas.openxmlformats.org/officeDocument/2006/math">
+                      <m:r>
+                        <a:rPr kumimoji="1" lang="en-US" altLang="ja-JP" sz="2400" b="0" i="1" smtClean="0">
+                          <a:latin typeface="Cambria Math" panose="02040503050406030204" pitchFamily="18" charset="0"/>
+                        </a:rPr>
+                        <m:t>𝛿</m:t>
+                      </m:r>
+                      <m:r>
+                        <a:rPr kumimoji="1" lang="en-US" altLang="ja-JP" sz="2400" b="0" i="1" smtClean="0">
+                          <a:latin typeface="Cambria Math" panose="02040503050406030204" pitchFamily="18" charset="0"/>
+                        </a:rPr>
+                        <m:t>𝑣</m:t>
+                      </m:r>
+                      <m:r>
+                        <a:rPr kumimoji="1" lang="en-US" altLang="ja-JP" sz="2400" b="0" i="1" smtClean="0">
+                          <a:latin typeface="Cambria Math" panose="02040503050406030204" pitchFamily="18" charset="0"/>
+                        </a:rPr>
+                        <m:t>(</m:t>
+                      </m:r>
+                      <m:r>
+                        <a:rPr kumimoji="1" lang="en-US" altLang="ja-JP" sz="2400" b="0" i="1" smtClean="0">
+                          <a:latin typeface="Cambria Math" panose="02040503050406030204" pitchFamily="18" charset="0"/>
+                        </a:rPr>
+                        <m:t>𝑡</m:t>
+                      </m:r>
+                      <m:r>
+                        <a:rPr kumimoji="1" lang="en-US" altLang="ja-JP" sz="2400" b="0" i="1" smtClean="0">
+                          <a:latin typeface="Cambria Math" panose="02040503050406030204" pitchFamily="18" charset="0"/>
+                        </a:rPr>
+                        <m:t>)</m:t>
+                      </m:r>
+                    </m:oMath>
+                  </m:oMathPara>
+                </a14:m>
+                <a:endParaRPr kumimoji="1" lang="ja-JP" altLang="en-US" sz="2400" dirty="0"/>
+              </a:p>
+            </p:txBody>
+          </p:sp>
+        </mc:Choice>
+        <mc:Fallback>
+          <p:sp>
+            <p:nvSpPr>
+              <p:cNvPr id="27" name="テキスト ボックス 26">
+                <a:extLst>
+                  <a:ext uri="{FF2B5EF4-FFF2-40B4-BE49-F238E27FC236}">
+                    <a16:creationId xmlns:a16="http://schemas.microsoft.com/office/drawing/2014/main" id="{397BB537-8415-E259-A53A-6BD2E6CE694D}"/>
+                  </a:ext>
+                </a:extLst>
+              </p:cNvPr>
+              <p:cNvSpPr txBox="1">
+                <a:spLocks noRot="1" noChangeAspect="1" noMove="1" noResize="1" noEditPoints="1" noAdjustHandles="1" noChangeArrowheads="1" noChangeShapeType="1" noTextEdit="1"/>
+              </p:cNvSpPr>
+              <p:nvPr/>
+            </p:nvSpPr>
+            <p:spPr>
+              <a:xfrm>
+                <a:off x="7164288" y="692696"/>
+                <a:ext cx="795602" cy="369332"/>
+              </a:xfrm>
+              <a:prstGeom prst="rect">
+                <a:avLst/>
+              </a:prstGeom>
+              <a:blipFill>
+                <a:blip r:embed="rId11"/>
+                <a:stretch>
+                  <a:fillRect l="-9160" r="-12977" b="-35000"/>
+                </a:stretch>
+              </a:blipFill>
+            </p:spPr>
+            <p:txBody>
+              <a:bodyPr/>
+              <a:lstStyle/>
+              <a:p>
+                <a:r>
+                  <a:rPr lang="ja-JP" altLang="en-US">
+                    <a:noFill/>
+                  </a:rPr>
+                  <a:t> </a:t>
+                </a:r>
+              </a:p>
+            </p:txBody>
+          </p:sp>
+        </mc:Fallback>
+      </mc:AlternateContent>
+      <p:cxnSp>
+        <p:nvCxnSpPr>
+          <p:cNvPr id="29" name="直線矢印コネクタ 28">
+            <a:extLst>
+              <a:ext uri="{FF2B5EF4-FFF2-40B4-BE49-F238E27FC236}">
+                <a16:creationId xmlns:a16="http://schemas.microsoft.com/office/drawing/2014/main" id="{324C54D8-A393-E334-84DC-B9DBA90FD848}"/>
+              </a:ext>
+            </a:extLst>
+          </p:cNvPr>
+          <p:cNvCxnSpPr/>
+          <p:nvPr/>
+        </p:nvCxnSpPr>
+        <p:spPr>
+          <a:xfrm flipV="1">
+            <a:off x="2627784" y="3015814"/>
+            <a:ext cx="0" cy="432048"/>
+          </a:xfrm>
+          <a:prstGeom prst="straightConnector1">
+            <a:avLst/>
+          </a:prstGeom>
+          <a:ln w="19050">
+            <a:solidFill>
+              <a:srgbClr val="FF0000"/>
+            </a:solidFill>
+            <a:headEnd type="triangle"/>
+            <a:tailEnd type="triangle"/>
+          </a:ln>
+          <a:effectLst/>
+        </p:spPr>
+        <p:style>
+          <a:lnRef idx="2">
+            <a:schemeClr val="accent1"/>
+          </a:lnRef>
+          <a:fillRef idx="0">
+            <a:schemeClr val="accent1"/>
+          </a:fillRef>
+          <a:effectRef idx="1">
+            <a:schemeClr val="accent1"/>
+          </a:effectRef>
+          <a:fontRef idx="minor">
+            <a:schemeClr val="tx1"/>
+          </a:fontRef>
+        </p:style>
+      </p:cxnSp>
+      <p:cxnSp>
+        <p:nvCxnSpPr>
+          <p:cNvPr id="30" name="直線矢印コネクタ 29">
+            <a:extLst>
+              <a:ext uri="{FF2B5EF4-FFF2-40B4-BE49-F238E27FC236}">
+                <a16:creationId xmlns:a16="http://schemas.microsoft.com/office/drawing/2014/main" id="{4AC87426-7D98-291D-27C9-9DF585CA0331}"/>
+              </a:ext>
+            </a:extLst>
+          </p:cNvPr>
+          <p:cNvCxnSpPr/>
+          <p:nvPr/>
+        </p:nvCxnSpPr>
+        <p:spPr>
+          <a:xfrm flipV="1">
+            <a:off x="6948264" y="2367742"/>
+            <a:ext cx="0" cy="432048"/>
+          </a:xfrm>
+          <a:prstGeom prst="straightConnector1">
+            <a:avLst/>
+          </a:prstGeom>
+          <a:ln w="19050">
+            <a:solidFill>
+              <a:srgbClr val="FF0000"/>
+            </a:solidFill>
+            <a:headEnd type="triangle"/>
+            <a:tailEnd type="triangle"/>
+          </a:ln>
+          <a:effectLst/>
+        </p:spPr>
+        <p:style>
+          <a:lnRef idx="2">
+            <a:schemeClr val="accent1"/>
+          </a:lnRef>
+          <a:fillRef idx="0">
+            <a:schemeClr val="accent1"/>
+          </a:fillRef>
+          <a:effectRef idx="1">
+            <a:schemeClr val="accent1"/>
+          </a:effectRef>
+          <a:fontRef idx="minor">
+            <a:schemeClr val="tx1"/>
+          </a:fontRef>
+        </p:style>
+      </p:cxnSp>
+      <mc:AlternateContent xmlns:mc="http://schemas.openxmlformats.org/markup-compatibility/2006">
+        <mc:Choice xmlns:a14="http://schemas.microsoft.com/office/drawing/2010/main" Requires="a14">
+          <p:sp>
+            <p:nvSpPr>
+              <p:cNvPr id="35" name="テキスト ボックス 34">
+                <a:extLst>
+                  <a:ext uri="{FF2B5EF4-FFF2-40B4-BE49-F238E27FC236}">
+                    <a16:creationId xmlns:a16="http://schemas.microsoft.com/office/drawing/2014/main" id="{41B1C5BF-51E6-FDF7-3EAD-365EC7D024B2}"/>
+                  </a:ext>
+                </a:extLst>
+              </p:cNvPr>
+              <p:cNvSpPr txBox="1"/>
+              <p:nvPr/>
+            </p:nvSpPr>
+            <p:spPr>
+              <a:xfrm>
+                <a:off x="2987824" y="4437112"/>
+                <a:ext cx="3037883" cy="701218"/>
+              </a:xfrm>
+              <a:prstGeom prst="rect">
+                <a:avLst/>
+              </a:prstGeom>
+              <a:noFill/>
+            </p:spPr>
+            <p:txBody>
+              <a:bodyPr wrap="none" lIns="0" tIns="0" rIns="0" bIns="0" rtlCol="0">
+                <a:spAutoFit/>
+              </a:bodyPr>
+              <a:lstStyle/>
+              <a:p>
+                <a14:m>
+                  <m:oMathPara xmlns:m="http://schemas.openxmlformats.org/officeDocument/2006/math">
+                    <m:oMathParaPr>
+                      <m:jc m:val="centerGroup"/>
+                    </m:oMathParaPr>
+                    <m:oMath xmlns:m="http://schemas.openxmlformats.org/officeDocument/2006/math">
+                      <m:r>
+                        <a:rPr kumimoji="1" lang="en-US" altLang="ja-JP" sz="2400" b="0" i="1" smtClean="0">
+                          <a:latin typeface="Cambria Math" panose="02040503050406030204" pitchFamily="18" charset="0"/>
+                        </a:rPr>
+                        <m:t>𝑚</m:t>
+                      </m:r>
+                      <m:f>
+                        <m:fPr>
+                          <m:ctrlPr>
+                            <a:rPr kumimoji="1" lang="en-US" altLang="ja-JP" sz="2400" b="0" i="1" smtClean="0">
+                              <a:latin typeface="Cambria Math" panose="02040503050406030204" pitchFamily="18" charset="0"/>
+                            </a:rPr>
+                          </m:ctrlPr>
+                        </m:fPr>
+                        <m:num>
+                          <m:r>
+                            <a:rPr kumimoji="1" lang="en-US" altLang="ja-JP" sz="2400" b="0" i="1" smtClean="0">
+                              <a:latin typeface="Cambria Math" panose="02040503050406030204" pitchFamily="18" charset="0"/>
+                            </a:rPr>
+                            <m:t>𝑑</m:t>
+                          </m:r>
+                        </m:num>
+                        <m:den>
+                          <m:r>
+                            <a:rPr kumimoji="1" lang="en-US" altLang="ja-JP" sz="2400" b="0" i="1" smtClean="0">
+                              <a:latin typeface="Cambria Math" panose="02040503050406030204" pitchFamily="18" charset="0"/>
+                            </a:rPr>
+                            <m:t>𝑑𝑡</m:t>
+                          </m:r>
+                        </m:den>
+                      </m:f>
+                      <m:r>
+                        <a:rPr kumimoji="1" lang="en-US" altLang="ja-JP" sz="2400" b="0" i="1" smtClean="0">
+                          <a:latin typeface="Cambria Math" panose="02040503050406030204" pitchFamily="18" charset="0"/>
+                        </a:rPr>
+                        <m:t>𝑣</m:t>
+                      </m:r>
+                      <m:d>
+                        <m:dPr>
+                          <m:ctrlPr>
+                            <a:rPr kumimoji="1" lang="en-US" altLang="ja-JP" sz="2400" b="0" i="1" smtClean="0">
+                              <a:latin typeface="Cambria Math" panose="02040503050406030204" pitchFamily="18" charset="0"/>
+                            </a:rPr>
+                          </m:ctrlPr>
+                        </m:dPr>
+                        <m:e>
+                          <m:r>
+                            <a:rPr kumimoji="1" lang="en-US" altLang="ja-JP" sz="2400" b="0" i="1" smtClean="0">
+                              <a:latin typeface="Cambria Math" panose="02040503050406030204" pitchFamily="18" charset="0"/>
+                            </a:rPr>
+                            <m:t>𝑡</m:t>
+                          </m:r>
+                        </m:e>
+                      </m:d>
+                      <m:r>
+                        <a:rPr kumimoji="1" lang="en-US" altLang="ja-JP" sz="2400" b="0" i="1" smtClean="0">
+                          <a:latin typeface="Cambria Math" panose="02040503050406030204" pitchFamily="18" charset="0"/>
+                        </a:rPr>
+                        <m:t>=−</m:t>
+                      </m:r>
+                      <m:r>
+                        <a:rPr kumimoji="1" lang="en-US" altLang="ja-JP" sz="2400" b="0" i="1" smtClean="0">
+                          <a:latin typeface="Cambria Math" panose="02040503050406030204" pitchFamily="18" charset="0"/>
+                        </a:rPr>
+                        <m:t>𝑈</m:t>
+                      </m:r>
+                      <m:r>
+                        <a:rPr kumimoji="1" lang="en-US" altLang="ja-JP" sz="2400" b="0" i="1" smtClean="0">
+                          <a:latin typeface="Cambria Math" panose="02040503050406030204" pitchFamily="18" charset="0"/>
+                        </a:rPr>
+                        <m:t>′(</m:t>
+                      </m:r>
+                      <m:r>
+                        <a:rPr kumimoji="1" lang="en-US" altLang="ja-JP" sz="2400" b="0" i="1" smtClean="0">
+                          <a:latin typeface="Cambria Math" panose="02040503050406030204" pitchFamily="18" charset="0"/>
+                        </a:rPr>
+                        <m:t>𝑥</m:t>
+                      </m:r>
+                      <m:d>
+                        <m:dPr>
+                          <m:ctrlPr>
+                            <a:rPr kumimoji="1" lang="en-US" altLang="ja-JP" sz="2400" b="0" i="1" smtClean="0">
+                              <a:latin typeface="Cambria Math" panose="02040503050406030204" pitchFamily="18" charset="0"/>
+                            </a:rPr>
+                          </m:ctrlPr>
+                        </m:dPr>
+                        <m:e>
+                          <m:r>
+                            <a:rPr kumimoji="1" lang="en-US" altLang="ja-JP" sz="2400" b="0" i="1" smtClean="0">
+                              <a:latin typeface="Cambria Math" panose="02040503050406030204" pitchFamily="18" charset="0"/>
+                            </a:rPr>
+                            <m:t>𝑡</m:t>
+                          </m:r>
+                        </m:e>
+                      </m:d>
+                      <m:r>
+                        <a:rPr kumimoji="1" lang="en-US" altLang="ja-JP" sz="2400" b="0" i="1" smtClean="0">
+                          <a:latin typeface="Cambria Math" panose="02040503050406030204" pitchFamily="18" charset="0"/>
+                        </a:rPr>
+                        <m:t>)</m:t>
+                      </m:r>
+                    </m:oMath>
+                  </m:oMathPara>
+                </a14:m>
+                <a:endParaRPr kumimoji="1" lang="ja-JP" altLang="en-US" sz="2400" dirty="0"/>
+              </a:p>
+            </p:txBody>
+          </p:sp>
+        </mc:Choice>
+        <mc:Fallback>
+          <p:sp>
+            <p:nvSpPr>
+              <p:cNvPr id="35" name="テキスト ボックス 34">
+                <a:extLst>
+                  <a:ext uri="{FF2B5EF4-FFF2-40B4-BE49-F238E27FC236}">
+                    <a16:creationId xmlns:a16="http://schemas.microsoft.com/office/drawing/2014/main" id="{41B1C5BF-51E6-FDF7-3EAD-365EC7D024B2}"/>
+                  </a:ext>
+                </a:extLst>
+              </p:cNvPr>
+              <p:cNvSpPr txBox="1">
+                <a:spLocks noRot="1" noChangeAspect="1" noMove="1" noResize="1" noEditPoints="1" noAdjustHandles="1" noChangeArrowheads="1" noChangeShapeType="1" noTextEdit="1"/>
+              </p:cNvSpPr>
+              <p:nvPr/>
+            </p:nvSpPr>
+            <p:spPr>
+              <a:xfrm>
+                <a:off x="2987824" y="4437112"/>
+                <a:ext cx="3037883" cy="701218"/>
+              </a:xfrm>
+              <a:prstGeom prst="rect">
+                <a:avLst/>
+              </a:prstGeom>
+              <a:blipFill>
+                <a:blip r:embed="rId12"/>
+                <a:stretch>
+                  <a:fillRect/>
+                </a:stretch>
+              </a:blipFill>
+            </p:spPr>
+            <p:txBody>
+              <a:bodyPr/>
+              <a:lstStyle/>
+              <a:p>
+                <a:r>
+                  <a:rPr lang="ja-JP" altLang="en-US">
+                    <a:noFill/>
+                  </a:rPr>
+                  <a:t> </a:t>
+                </a:r>
+              </a:p>
+            </p:txBody>
+          </p:sp>
+        </mc:Fallback>
+      </mc:AlternateContent>
+      <mc:AlternateContent xmlns:mc="http://schemas.openxmlformats.org/markup-compatibility/2006">
+        <mc:Choice xmlns:a14="http://schemas.microsoft.com/office/drawing/2010/main" Requires="a14">
+          <p:sp>
+            <p:nvSpPr>
+              <p:cNvPr id="36" name="テキスト ボックス 35">
+                <a:extLst>
+                  <a:ext uri="{FF2B5EF4-FFF2-40B4-BE49-F238E27FC236}">
+                    <a16:creationId xmlns:a16="http://schemas.microsoft.com/office/drawing/2014/main" id="{702C5E65-E611-8A8D-7029-33546C5D4CE0}"/>
+                  </a:ext>
+                </a:extLst>
+              </p:cNvPr>
+              <p:cNvSpPr txBox="1"/>
+              <p:nvPr/>
+            </p:nvSpPr>
+            <p:spPr>
+              <a:xfrm>
+                <a:off x="3275856" y="332656"/>
+                <a:ext cx="2277034" cy="701218"/>
+              </a:xfrm>
+              <a:prstGeom prst="rect">
+                <a:avLst/>
+              </a:prstGeom>
+              <a:noFill/>
+            </p:spPr>
+            <p:txBody>
+              <a:bodyPr wrap="none" lIns="0" tIns="0" rIns="0" bIns="0" rtlCol="0">
+                <a:spAutoFit/>
+              </a:bodyPr>
+              <a:lstStyle/>
+              <a:p>
+                <a14:m>
+                  <m:oMathPara xmlns:m="http://schemas.openxmlformats.org/officeDocument/2006/math">
+                    <m:oMathParaPr>
+                      <m:jc m:val="centerGroup"/>
+                    </m:oMathParaPr>
+                    <m:oMath xmlns:m="http://schemas.openxmlformats.org/officeDocument/2006/math">
+                      <m:f>
+                        <m:fPr>
+                          <m:ctrlPr>
+                            <a:rPr kumimoji="1" lang="en-US" altLang="ja-JP" sz="2400" b="0" i="1" smtClean="0">
+                              <a:latin typeface="Cambria Math" panose="02040503050406030204" pitchFamily="18" charset="0"/>
+                            </a:rPr>
+                          </m:ctrlPr>
+                        </m:fPr>
+                        <m:num>
+                          <m:r>
+                            <a:rPr kumimoji="1" lang="en-US" altLang="ja-JP" sz="2400" b="0" i="1" smtClean="0">
+                              <a:latin typeface="Cambria Math" panose="02040503050406030204" pitchFamily="18" charset="0"/>
+                            </a:rPr>
+                            <m:t>𝑑</m:t>
+                          </m:r>
+                        </m:num>
+                        <m:den>
+                          <m:r>
+                            <a:rPr kumimoji="1" lang="en-US" altLang="ja-JP" sz="2400" b="0" i="1" smtClean="0">
+                              <a:latin typeface="Cambria Math" panose="02040503050406030204" pitchFamily="18" charset="0"/>
+                            </a:rPr>
+                            <m:t>𝑑𝑡</m:t>
+                          </m:r>
+                        </m:den>
+                      </m:f>
+                      <m:r>
+                        <a:rPr kumimoji="1" lang="en-US" altLang="ja-JP" sz="2400" b="0" i="1" smtClean="0">
+                          <a:latin typeface="Cambria Math" panose="02040503050406030204" pitchFamily="18" charset="0"/>
+                        </a:rPr>
+                        <m:t>𝛿</m:t>
+                      </m:r>
+                      <m:r>
+                        <a:rPr kumimoji="1" lang="en-US" altLang="ja-JP" sz="2400" b="0" i="1" smtClean="0">
+                          <a:latin typeface="Cambria Math" panose="02040503050406030204" pitchFamily="18" charset="0"/>
+                        </a:rPr>
+                        <m:t>𝑥</m:t>
+                      </m:r>
+                      <m:d>
+                        <m:dPr>
+                          <m:ctrlPr>
+                            <a:rPr kumimoji="1" lang="en-US" altLang="ja-JP" sz="2400" b="0" i="1" smtClean="0">
+                              <a:latin typeface="Cambria Math" panose="02040503050406030204" pitchFamily="18" charset="0"/>
+                            </a:rPr>
+                          </m:ctrlPr>
+                        </m:dPr>
+                        <m:e>
+                          <m:r>
+                            <a:rPr kumimoji="1" lang="en-US" altLang="ja-JP" sz="2400" b="0" i="1" smtClean="0">
+                              <a:latin typeface="Cambria Math" panose="02040503050406030204" pitchFamily="18" charset="0"/>
+                            </a:rPr>
+                            <m:t>𝑡</m:t>
+                          </m:r>
+                        </m:e>
+                      </m:d>
+                      <m:r>
+                        <a:rPr kumimoji="1" lang="en-US" altLang="ja-JP" sz="2400" b="0" i="1" smtClean="0">
+                          <a:latin typeface="Cambria Math" panose="02040503050406030204" pitchFamily="18" charset="0"/>
+                        </a:rPr>
+                        <m:t>=</m:t>
+                      </m:r>
+                      <m:r>
+                        <a:rPr kumimoji="1" lang="en-US" altLang="ja-JP" sz="2400" b="0" i="1" smtClean="0">
+                          <a:latin typeface="Cambria Math" panose="02040503050406030204" pitchFamily="18" charset="0"/>
+                        </a:rPr>
+                        <m:t>𝛿</m:t>
+                      </m:r>
+                      <m:r>
+                        <a:rPr kumimoji="1" lang="en-US" altLang="ja-JP" sz="2400" b="0" i="1" smtClean="0">
+                          <a:latin typeface="Cambria Math" panose="02040503050406030204" pitchFamily="18" charset="0"/>
+                        </a:rPr>
+                        <m:t>𝑣</m:t>
+                      </m:r>
+                      <m:r>
+                        <a:rPr kumimoji="1" lang="en-US" altLang="ja-JP" sz="2400" b="0" i="1" smtClean="0">
+                          <a:latin typeface="Cambria Math" panose="02040503050406030204" pitchFamily="18" charset="0"/>
+                        </a:rPr>
+                        <m:t>(</m:t>
+                      </m:r>
+                      <m:r>
+                        <a:rPr kumimoji="1" lang="en-US" altLang="ja-JP" sz="2400" b="0" i="1" smtClean="0">
+                          <a:latin typeface="Cambria Math" panose="02040503050406030204" pitchFamily="18" charset="0"/>
+                        </a:rPr>
+                        <m:t>𝑡</m:t>
+                      </m:r>
+                      <m:r>
+                        <a:rPr kumimoji="1" lang="en-US" altLang="ja-JP" sz="2400" b="0" i="1" smtClean="0">
+                          <a:latin typeface="Cambria Math" panose="02040503050406030204" pitchFamily="18" charset="0"/>
+                        </a:rPr>
+                        <m:t>)</m:t>
+                      </m:r>
+                    </m:oMath>
+                  </m:oMathPara>
+                </a14:m>
+                <a:endParaRPr kumimoji="1" lang="ja-JP" altLang="en-US" sz="2400" dirty="0"/>
+              </a:p>
+            </p:txBody>
+          </p:sp>
+        </mc:Choice>
+        <mc:Fallback>
+          <p:sp>
+            <p:nvSpPr>
+              <p:cNvPr id="36" name="テキスト ボックス 35">
+                <a:extLst>
+                  <a:ext uri="{FF2B5EF4-FFF2-40B4-BE49-F238E27FC236}">
+                    <a16:creationId xmlns:a16="http://schemas.microsoft.com/office/drawing/2014/main" id="{702C5E65-E611-8A8D-7029-33546C5D4CE0}"/>
+                  </a:ext>
+                </a:extLst>
+              </p:cNvPr>
+              <p:cNvSpPr txBox="1">
+                <a:spLocks noRot="1" noChangeAspect="1" noMove="1" noResize="1" noEditPoints="1" noAdjustHandles="1" noChangeArrowheads="1" noChangeShapeType="1" noTextEdit="1"/>
+              </p:cNvSpPr>
+              <p:nvPr/>
+            </p:nvSpPr>
+            <p:spPr>
+              <a:xfrm>
+                <a:off x="3275856" y="332656"/>
+                <a:ext cx="2277034" cy="701218"/>
+              </a:xfrm>
+              <a:prstGeom prst="rect">
+                <a:avLst/>
+              </a:prstGeom>
+              <a:blipFill>
+                <a:blip r:embed="rId13"/>
+                <a:stretch>
+                  <a:fillRect/>
+                </a:stretch>
+              </a:blipFill>
+            </p:spPr>
+            <p:txBody>
+              <a:bodyPr/>
+              <a:lstStyle/>
+              <a:p>
+                <a:r>
+                  <a:rPr lang="ja-JP" altLang="en-US">
+                    <a:noFill/>
+                  </a:rPr>
+                  <a:t> </a:t>
+                </a:r>
+              </a:p>
+            </p:txBody>
+          </p:sp>
+        </mc:Fallback>
+      </mc:AlternateContent>
+      <p:sp>
+        <p:nvSpPr>
+          <p:cNvPr id="41" name="楕円 40">
+            <a:extLst>
+              <a:ext uri="{FF2B5EF4-FFF2-40B4-BE49-F238E27FC236}">
+                <a16:creationId xmlns:a16="http://schemas.microsoft.com/office/drawing/2014/main" id="{46A949D2-5431-5BE7-E123-BC7C8C505096}"/>
+              </a:ext>
+            </a:extLst>
+          </p:cNvPr>
+          <p:cNvSpPr/>
+          <p:nvPr/>
+        </p:nvSpPr>
+        <p:spPr>
+          <a:xfrm>
+            <a:off x="6876256" y="2492896"/>
+            <a:ext cx="72008" cy="122312"/>
+          </a:xfrm>
+          <a:prstGeom prst="ellipse">
+            <a:avLst/>
+          </a:prstGeom>
+          <a:ln>
+            <a:noFill/>
+          </a:ln>
+        </p:spPr>
+        <p:txBody>
+          <a:bodyPr wrap="square" rtlCol="0" anchor="ctr">
+            <a:spAutoFit/>
+          </a:bodyPr>
+          <a:lstStyle/>
+          <a:p>
+            <a:pPr algn="ctr"/>
+            <a:endParaRPr kumimoji="1" lang="ja-JP" altLang="en-US" sz="2400" dirty="0"/>
+          </a:p>
+        </p:txBody>
+      </p:sp>
+      <p:sp>
+        <p:nvSpPr>
+          <p:cNvPr id="42" name="楕円 41">
+            <a:extLst>
+              <a:ext uri="{FF2B5EF4-FFF2-40B4-BE49-F238E27FC236}">
+                <a16:creationId xmlns:a16="http://schemas.microsoft.com/office/drawing/2014/main" id="{5EB69F69-B490-7F17-59B2-79792B85D821}"/>
+              </a:ext>
+            </a:extLst>
+          </p:cNvPr>
+          <p:cNvSpPr/>
+          <p:nvPr/>
+        </p:nvSpPr>
+        <p:spPr>
+          <a:xfrm>
+            <a:off x="2627784" y="3162672"/>
+            <a:ext cx="72008" cy="122312"/>
+          </a:xfrm>
+          <a:prstGeom prst="ellipse">
+            <a:avLst/>
+          </a:prstGeom>
+          <a:ln>
+            <a:noFill/>
+          </a:ln>
+        </p:spPr>
+        <p:txBody>
+          <a:bodyPr wrap="square" rtlCol="0" anchor="ctr">
+            <a:spAutoFit/>
+          </a:bodyPr>
+          <a:lstStyle/>
+          <a:p>
+            <a:pPr algn="ctr"/>
+            <a:endParaRPr kumimoji="1" lang="ja-JP" altLang="en-US" sz="2400" dirty="0"/>
+          </a:p>
+        </p:txBody>
+      </p:sp>
+      <p:cxnSp>
+        <p:nvCxnSpPr>
+          <p:cNvPr id="44" name="コネクタ: カギ線 43">
+            <a:extLst>
+              <a:ext uri="{FF2B5EF4-FFF2-40B4-BE49-F238E27FC236}">
+                <a16:creationId xmlns:a16="http://schemas.microsoft.com/office/drawing/2014/main" id="{07D82346-BBA6-3BFB-3A75-79C05DD9D6A2}"/>
+              </a:ext>
+            </a:extLst>
+          </p:cNvPr>
+          <p:cNvCxnSpPr>
+            <a:stCxn id="26" idx="2"/>
+            <a:endCxn id="42" idx="2"/>
+          </p:cNvCxnSpPr>
+          <p:nvPr/>
+        </p:nvCxnSpPr>
+        <p:spPr>
+          <a:xfrm rot="16200000" flipH="1">
+            <a:off x="1240991" y="1837035"/>
+            <a:ext cx="2017784" cy="755801"/>
+          </a:xfrm>
+          <a:prstGeom prst="bentConnector2">
+            <a:avLst/>
+          </a:prstGeom>
+          <a:ln w="9525">
+            <a:solidFill>
+              <a:schemeClr val="tx1"/>
+            </a:solidFill>
+            <a:headEnd type="none"/>
+            <a:tailEnd type="triangle"/>
+          </a:ln>
+          <a:effectLst/>
+        </p:spPr>
+        <p:style>
+          <a:lnRef idx="2">
+            <a:schemeClr val="accent1"/>
+          </a:lnRef>
+          <a:fillRef idx="0">
+            <a:schemeClr val="accent1"/>
+          </a:fillRef>
+          <a:effectRef idx="1">
+            <a:schemeClr val="accent1"/>
+          </a:effectRef>
+          <a:fontRef idx="minor">
+            <a:schemeClr val="tx1"/>
+          </a:fontRef>
+        </p:style>
+      </p:cxnSp>
+      <p:cxnSp>
+        <p:nvCxnSpPr>
+          <p:cNvPr id="46" name="コネクタ: カギ線 45">
+            <a:extLst>
+              <a:ext uri="{FF2B5EF4-FFF2-40B4-BE49-F238E27FC236}">
+                <a16:creationId xmlns:a16="http://schemas.microsoft.com/office/drawing/2014/main" id="{83760ED8-BCD5-C95C-2CB2-F8E808DFC5A2}"/>
+              </a:ext>
+            </a:extLst>
+          </p:cNvPr>
+          <p:cNvCxnSpPr>
+            <a:stCxn id="27" idx="2"/>
+            <a:endCxn id="41" idx="6"/>
+          </p:cNvCxnSpPr>
+          <p:nvPr/>
+        </p:nvCxnSpPr>
+        <p:spPr>
+          <a:xfrm rot="5400000">
+            <a:off x="6509165" y="1501128"/>
+            <a:ext cx="1492024" cy="613825"/>
+          </a:xfrm>
+          <a:prstGeom prst="bentConnector2">
+            <a:avLst/>
+          </a:prstGeom>
+          <a:ln w="9525">
+            <a:solidFill>
+              <a:schemeClr val="tx1"/>
+            </a:solidFill>
+            <a:headEnd type="none"/>
+            <a:tailEnd type="triangle"/>
+          </a:ln>
+          <a:effectLst/>
+        </p:spPr>
+        <p:style>
+          <a:lnRef idx="2">
+            <a:schemeClr val="accent1"/>
+          </a:lnRef>
+          <a:fillRef idx="0">
+            <a:schemeClr val="accent1"/>
+          </a:fillRef>
+          <a:effectRef idx="1">
+            <a:schemeClr val="accent1"/>
+          </a:effectRef>
+          <a:fontRef idx="minor">
+            <a:schemeClr val="tx1"/>
+          </a:fontRef>
+        </p:style>
+      </p:cxnSp>
+    </p:spTree>
+    <p:extLst>
+      <p:ext uri="{BB962C8B-B14F-4D97-AF65-F5344CB8AC3E}">
+        <p14:creationId xmlns:p14="http://schemas.microsoft.com/office/powerpoint/2010/main" val="1979852428"/>
       </p:ext>
     </p:extLst>
   </p:cSld>

--- a/hamilton_principle/fig/fig.pptx
+++ b/hamilton_principle/fig/fig.pptx
@@ -215,7 +215,7 @@
             <a:fld id="{D2C63D3F-0352-EF45-A95C-C8137A1B6577}" type="datetimeFigureOut">
               <a:rPr lang="ja-JP" altLang="en-US" smtClean="0"/>
               <a:pPr/>
-              <a:t>2023/6/18</a:t>
+              <a:t>2024/6/17</a:t>
             </a:fld>
             <a:endParaRPr lang="ja-JP" altLang="en-US"/>
           </a:p>
@@ -4633,14 +4633,14 @@
           </a:p>
         </p:txBody>
       </p:sp>
-      <mc:AlternateContent xmlns:mc="http://schemas.openxmlformats.org/markup-compatibility/2006" xmlns:a14="http://schemas.microsoft.com/office/drawing/2010/main">
-        <mc:Choice Requires="a14">
+      <mc:AlternateContent xmlns:mc="http://schemas.openxmlformats.org/markup-compatibility/2006">
+        <mc:Choice xmlns:a14="http://schemas.microsoft.com/office/drawing/2010/main" Requires="a14">
           <p:sp>
             <p:nvSpPr>
-              <p:cNvPr id="7" name="テキスト ボックス 6">
+              <p:cNvPr id="11" name="テキスト ボックス 10">
                 <a:extLst>
                   <a:ext uri="{FF2B5EF4-FFF2-40B4-BE49-F238E27FC236}">
-                    <a16:creationId xmlns:a16="http://schemas.microsoft.com/office/drawing/2014/main" id="{9627682D-A63D-BAA0-42F4-349AA70F610D}"/>
+                    <a16:creationId xmlns:a16="http://schemas.microsoft.com/office/drawing/2014/main" id="{8A403B9A-CA85-74A0-1D66-229130D35DB8}"/>
                   </a:ext>
                 </a:extLst>
               </p:cNvPr>
@@ -4649,8 +4649,237 @@
             </p:nvSpPr>
             <p:spPr>
               <a:xfrm>
-                <a:off x="5292080" y="642020"/>
-                <a:ext cx="1274580" cy="369332"/>
+                <a:off x="5940152" y="2546446"/>
+                <a:ext cx="1554913" cy="1189043"/>
+              </a:xfrm>
+              <a:prstGeom prst="rect">
+                <a:avLst/>
+              </a:prstGeom>
+              <a:noFill/>
+            </p:spPr>
+            <p:txBody>
+              <a:bodyPr wrap="none" lIns="0" tIns="0" rIns="0" bIns="0" rtlCol="0">
+                <a:spAutoFit/>
+              </a:bodyPr>
+              <a:lstStyle/>
+              <a:p>
+                <a14:m>
+                  <m:oMathPara xmlns:m="http://schemas.openxmlformats.org/officeDocument/2006/math">
+                    <m:oMathParaPr>
+                      <m:jc m:val="centerGroup"/>
+                    </m:oMathParaPr>
+                    <m:oMath xmlns:m="http://schemas.openxmlformats.org/officeDocument/2006/math">
+                      <m:d>
+                        <m:dPr>
+                          <m:ctrlPr>
+                            <a:rPr kumimoji="1" lang="en-US" altLang="ja-JP" sz="2400" i="1" smtClean="0">
+                              <a:latin typeface="Cambria Math" panose="02040503050406030204" pitchFamily="18" charset="0"/>
+                            </a:rPr>
+                          </m:ctrlPr>
+                        </m:dPr>
+                        <m:e>
+                          <m:m>
+                            <m:mPr>
+                              <m:mcs>
+                                <m:mc>
+                                  <m:mcPr>
+                                    <m:count m:val="1"/>
+                                    <m:mcJc m:val="center"/>
+                                  </m:mcPr>
+                                </m:mc>
+                              </m:mcs>
+                              <m:ctrlPr>
+                                <a:rPr lang="en-US" altLang="ja-JP" sz="2400" i="1">
+                                  <a:latin typeface="Cambria Math" panose="02040503050406030204" pitchFamily="18" charset="0"/>
+                                </a:rPr>
+                              </m:ctrlPr>
+                            </m:mPr>
+                            <m:mr>
+                              <m:e>
+                                <m:sSub>
+                                  <m:sSubPr>
+                                    <m:ctrlPr>
+                                      <a:rPr lang="en-US" altLang="ja-JP" sz="2400" b="0" i="1" smtClean="0">
+                                        <a:latin typeface="Cambria Math" panose="02040503050406030204" pitchFamily="18" charset="0"/>
+                                      </a:rPr>
+                                    </m:ctrlPr>
+                                  </m:sSubPr>
+                                  <m:e>
+                                    <m:r>
+                                      <a:rPr lang="en-US" altLang="ja-JP" sz="2400" b="0" i="1" smtClean="0">
+                                        <a:latin typeface="Cambria Math" panose="02040503050406030204" pitchFamily="18" charset="0"/>
+                                      </a:rPr>
+                                      <m:t>𝜕</m:t>
+                                    </m:r>
+                                  </m:e>
+                                  <m:sub>
+                                    <m:r>
+                                      <a:rPr lang="en-US" altLang="ja-JP" sz="2400" b="0" i="1" smtClean="0">
+                                        <a:latin typeface="Cambria Math" panose="02040503050406030204" pitchFamily="18" charset="0"/>
+                                      </a:rPr>
+                                      <m:t>𝑥</m:t>
+                                    </m:r>
+                                  </m:sub>
+                                </m:sSub>
+                              </m:e>
+                            </m:mr>
+                            <m:mr>
+                              <m:e>
+                                <m:sSub>
+                                  <m:sSubPr>
+                                    <m:ctrlPr>
+                                      <a:rPr lang="en-US" altLang="ja-JP" sz="2400" b="0" i="1" smtClean="0">
+                                        <a:latin typeface="Cambria Math" panose="02040503050406030204" pitchFamily="18" charset="0"/>
+                                      </a:rPr>
+                                    </m:ctrlPr>
+                                  </m:sSubPr>
+                                  <m:e>
+                                    <m:r>
+                                      <a:rPr lang="en-US" altLang="ja-JP" sz="2400" b="0" i="1" smtClean="0">
+                                        <a:latin typeface="Cambria Math" panose="02040503050406030204" pitchFamily="18" charset="0"/>
+                                      </a:rPr>
+                                      <m:t>𝜕</m:t>
+                                    </m:r>
+                                  </m:e>
+                                  <m:sub>
+                                    <m:r>
+                                      <a:rPr lang="en-US" altLang="ja-JP" sz="2400" b="0" i="1" smtClean="0">
+                                        <a:latin typeface="Cambria Math" panose="02040503050406030204" pitchFamily="18" charset="0"/>
+                                      </a:rPr>
+                                      <m:t>𝑦</m:t>
+                                    </m:r>
+                                  </m:sub>
+                                </m:sSub>
+                              </m:e>
+                            </m:mr>
+                            <m:mr>
+                              <m:e>
+                                <m:sSub>
+                                  <m:sSubPr>
+                                    <m:ctrlPr>
+                                      <a:rPr lang="en-US" altLang="ja-JP" sz="2400" b="0" i="1" smtClean="0">
+                                        <a:latin typeface="Cambria Math" panose="02040503050406030204" pitchFamily="18" charset="0"/>
+                                      </a:rPr>
+                                    </m:ctrlPr>
+                                  </m:sSubPr>
+                                  <m:e>
+                                    <m:r>
+                                      <a:rPr lang="en-US" altLang="ja-JP" sz="2400" b="0" i="1" smtClean="0">
+                                        <a:latin typeface="Cambria Math" panose="02040503050406030204" pitchFamily="18" charset="0"/>
+                                      </a:rPr>
+                                      <m:t>𝜕</m:t>
+                                    </m:r>
+                                  </m:e>
+                                  <m:sub>
+                                    <m:r>
+                                      <a:rPr lang="en-US" altLang="ja-JP" sz="2400" b="0" i="1" smtClean="0">
+                                        <a:latin typeface="Cambria Math" panose="02040503050406030204" pitchFamily="18" charset="0"/>
+                                      </a:rPr>
+                                      <m:t>𝑧</m:t>
+                                    </m:r>
+                                  </m:sub>
+                                </m:sSub>
+                              </m:e>
+                            </m:mr>
+                          </m:m>
+                        </m:e>
+                      </m:d>
+                      <m:d>
+                        <m:dPr>
+                          <m:ctrlPr>
+                            <a:rPr kumimoji="1" lang="en-US" altLang="ja-JP" sz="2400" i="1" smtClean="0">
+                              <a:latin typeface="Cambria Math" panose="02040503050406030204" pitchFamily="18" charset="0"/>
+                            </a:rPr>
+                          </m:ctrlPr>
+                        </m:dPr>
+                        <m:e>
+                          <m:r>
+                            <a:rPr kumimoji="1" lang="en-US" altLang="ja-JP" sz="2400" b="0" i="1" smtClean="0">
+                              <a:latin typeface="Cambria Math" panose="02040503050406030204" pitchFamily="18" charset="0"/>
+                            </a:rPr>
+                            <m:t>−</m:t>
+                          </m:r>
+                          <m:r>
+                            <a:rPr kumimoji="1" lang="en-US" altLang="ja-JP" sz="2400" b="0" i="1" smtClean="0">
+                              <a:latin typeface="Cambria Math" panose="02040503050406030204" pitchFamily="18" charset="0"/>
+                            </a:rPr>
+                            <m:t>𝑈</m:t>
+                          </m:r>
+                        </m:e>
+                      </m:d>
+                    </m:oMath>
+                  </m:oMathPara>
+                </a14:m>
+                <a:endParaRPr kumimoji="1" lang="en-US" altLang="ja-JP" sz="2400" b="0" i="1" dirty="0">
+                  <a:latin typeface="Cambria Math" panose="02040503050406030204" pitchFamily="18" charset="0"/>
+                </a:endParaRPr>
+              </a:p>
+            </p:txBody>
+          </p:sp>
+        </mc:Choice>
+        <mc:Fallback>
+          <p:sp>
+            <p:nvSpPr>
+              <p:cNvPr id="11" name="テキスト ボックス 10">
+                <a:extLst>
+                  <a:ext uri="{FF2B5EF4-FFF2-40B4-BE49-F238E27FC236}">
+                    <a16:creationId xmlns:a16="http://schemas.microsoft.com/office/drawing/2014/main" id="{8A403B9A-CA85-74A0-1D66-229130D35DB8}"/>
+                  </a:ext>
+                </a:extLst>
+              </p:cNvPr>
+              <p:cNvSpPr txBox="1">
+                <a:spLocks noRot="1" noChangeAspect="1" noMove="1" noResize="1" noEditPoints="1" noAdjustHandles="1" noChangeArrowheads="1" noChangeShapeType="1" noTextEdit="1"/>
+              </p:cNvSpPr>
+              <p:nvPr/>
+            </p:nvSpPr>
+            <p:spPr>
+              <a:xfrm>
+                <a:off x="5940152" y="2546446"/>
+                <a:ext cx="1554913" cy="1189043"/>
+              </a:xfrm>
+              <a:prstGeom prst="rect">
+                <a:avLst/>
+              </a:prstGeom>
+              <a:blipFill>
+                <a:blip r:embed="rId5"/>
+                <a:stretch>
+                  <a:fillRect b="-1053"/>
+                </a:stretch>
+              </a:blipFill>
+            </p:spPr>
+            <p:txBody>
+              <a:bodyPr/>
+              <a:lstStyle/>
+              <a:p>
+                <a:r>
+                  <a:rPr lang="ja-JP" altLang="en-US">
+                    <a:noFill/>
+                  </a:rPr>
+                  <a:t> </a:t>
+                </a:r>
+              </a:p>
+            </p:txBody>
+          </p:sp>
+        </mc:Fallback>
+      </mc:AlternateContent>
+      <mc:AlternateContent xmlns:mc="http://schemas.openxmlformats.org/markup-compatibility/2006">
+        <mc:Choice xmlns:a14="http://schemas.microsoft.com/office/drawing/2010/main" Requires="a14">
+          <p:sp>
+            <p:nvSpPr>
+              <p:cNvPr id="13" name="テキスト ボックス 12">
+                <a:extLst>
+                  <a:ext uri="{FF2B5EF4-FFF2-40B4-BE49-F238E27FC236}">
+                    <a16:creationId xmlns:a16="http://schemas.microsoft.com/office/drawing/2014/main" id="{E658C2BE-FA48-21AA-C7E6-2C0091CEA0EC}"/>
+                  </a:ext>
+                </a:extLst>
+              </p:cNvPr>
+              <p:cNvSpPr txBox="1"/>
+              <p:nvPr/>
+            </p:nvSpPr>
+            <p:spPr>
+              <a:xfrm>
+                <a:off x="591569" y="2508594"/>
+                <a:ext cx="1795556" cy="1255985"/>
               </a:xfrm>
               <a:prstGeom prst="rect">
                 <a:avLst/>
@@ -4670,54 +4899,222 @@
                       <m:jc m:val="centerGroup"/>
                     </m:oMathParaPr>
                     <m:oMath xmlns:m="http://schemas.openxmlformats.org/officeDocument/2006/math">
-                      <m:r>
-                        <a:rPr kumimoji="1" lang="en-US" altLang="ja-JP" sz="2400" b="0" i="1" smtClean="0">
-                          <a:latin typeface="Cambria Math" panose="02040503050406030204" pitchFamily="18" charset="0"/>
-                        </a:rPr>
-                        <m:t>𝑈</m:t>
-                      </m:r>
-                      <m:r>
-                        <a:rPr kumimoji="1" lang="en-US" altLang="ja-JP" sz="2400" b="0" i="1" smtClean="0">
-                          <a:latin typeface="Cambria Math" panose="02040503050406030204" pitchFamily="18" charset="0"/>
-                        </a:rPr>
-                        <m:t>(</m:t>
-                      </m:r>
-                      <m:r>
-                        <a:rPr kumimoji="1" lang="en-US" altLang="ja-JP" sz="2400" b="0" i="1" smtClean="0">
-                          <a:latin typeface="Cambria Math" panose="02040503050406030204" pitchFamily="18" charset="0"/>
-                        </a:rPr>
-                        <m:t>𝑥</m:t>
-                      </m:r>
-                      <m:r>
-                        <a:rPr kumimoji="1" lang="en-US" altLang="ja-JP" sz="2400" b="0" i="1" smtClean="0">
-                          <a:latin typeface="Cambria Math" panose="02040503050406030204" pitchFamily="18" charset="0"/>
-                        </a:rPr>
-                        <m:t>,</m:t>
-                      </m:r>
-                      <m:r>
-                        <a:rPr kumimoji="1" lang="en-US" altLang="ja-JP" sz="2400" b="0" i="1" smtClean="0">
-                          <a:latin typeface="Cambria Math" panose="02040503050406030204" pitchFamily="18" charset="0"/>
-                        </a:rPr>
-                        <m:t>𝑦</m:t>
-                      </m:r>
-                      <m:r>
-                        <a:rPr kumimoji="1" lang="en-US" altLang="ja-JP" sz="2400" b="0" i="1" smtClean="0">
-                          <a:latin typeface="Cambria Math" panose="02040503050406030204" pitchFamily="18" charset="0"/>
-                        </a:rPr>
-                        <m:t>,</m:t>
-                      </m:r>
-                      <m:r>
-                        <a:rPr kumimoji="1" lang="en-US" altLang="ja-JP" sz="2400" b="0" i="1" smtClean="0">
-                          <a:latin typeface="Cambria Math" panose="02040503050406030204" pitchFamily="18" charset="0"/>
-                        </a:rPr>
-                        <m:t>𝑧</m:t>
-                      </m:r>
-                      <m:r>
-                        <a:rPr kumimoji="1" lang="en-US" altLang="ja-JP" sz="2400" b="0" i="1" smtClean="0">
-                          <a:latin typeface="Cambria Math" panose="02040503050406030204" pitchFamily="18" charset="0"/>
-                        </a:rPr>
-                        <m:t>)</m:t>
-                      </m:r>
+                      <m:f>
+                        <m:fPr>
+                          <m:ctrlPr>
+                            <a:rPr kumimoji="1" lang="en-US" altLang="ja-JP" sz="2400" b="0" i="1" smtClean="0">
+                              <a:latin typeface="Cambria Math" panose="02040503050406030204" pitchFamily="18" charset="0"/>
+                            </a:rPr>
+                          </m:ctrlPr>
+                        </m:fPr>
+                        <m:num>
+                          <m:r>
+                            <a:rPr kumimoji="1" lang="en-US" altLang="ja-JP" sz="2400" b="0" i="1" smtClean="0">
+                              <a:latin typeface="Cambria Math" panose="02040503050406030204" pitchFamily="18" charset="0"/>
+                            </a:rPr>
+                            <m:t>𝑑</m:t>
+                          </m:r>
+                        </m:num>
+                        <m:den>
+                          <m:r>
+                            <a:rPr kumimoji="1" lang="en-US" altLang="ja-JP" sz="2400" b="0" i="1" smtClean="0">
+                              <a:latin typeface="Cambria Math" panose="02040503050406030204" pitchFamily="18" charset="0"/>
+                            </a:rPr>
+                            <m:t>𝑑𝑡</m:t>
+                          </m:r>
+                        </m:den>
+                      </m:f>
+                      <m:d>
+                        <m:dPr>
+                          <m:begChr m:val="["/>
+                          <m:endChr m:val="]"/>
+                          <m:ctrlPr>
+                            <a:rPr kumimoji="1" lang="en-US" altLang="ja-JP" sz="2400" i="1" smtClean="0">
+                              <a:latin typeface="Cambria Math" panose="02040503050406030204" pitchFamily="18" charset="0"/>
+                            </a:rPr>
+                          </m:ctrlPr>
+                        </m:dPr>
+                        <m:e>
+                          <m:d>
+                            <m:dPr>
+                              <m:ctrlPr>
+                                <a:rPr lang="en-US" altLang="ja-JP" sz="2400" i="1">
+                                  <a:latin typeface="Cambria Math" panose="02040503050406030204" pitchFamily="18" charset="0"/>
+                                </a:rPr>
+                              </m:ctrlPr>
+                            </m:dPr>
+                            <m:e>
+                              <m:m>
+                                <m:mPr>
+                                  <m:mcs>
+                                    <m:mc>
+                                      <m:mcPr>
+                                        <m:count m:val="1"/>
+                                        <m:mcJc m:val="center"/>
+                                      </m:mcPr>
+                                    </m:mc>
+                                  </m:mcs>
+                                  <m:ctrlPr>
+                                    <a:rPr lang="en-US" altLang="ja-JP" sz="2400" i="1">
+                                      <a:latin typeface="Cambria Math" panose="02040503050406030204" pitchFamily="18" charset="0"/>
+                                    </a:rPr>
+                                  </m:ctrlPr>
+                                </m:mPr>
+                                <m:mr>
+                                  <m:e>
+                                    <m:sSub>
+                                      <m:sSubPr>
+                                        <m:ctrlPr>
+                                          <a:rPr lang="en-US" altLang="ja-JP" sz="2400" i="1">
+                                            <a:latin typeface="Cambria Math" panose="02040503050406030204" pitchFamily="18" charset="0"/>
+                                          </a:rPr>
+                                        </m:ctrlPr>
+                                      </m:sSubPr>
+                                      <m:e>
+                                        <m:r>
+                                          <a:rPr lang="en-US" altLang="ja-JP" sz="2400" i="1">
+                                            <a:latin typeface="Cambria Math" panose="02040503050406030204" pitchFamily="18" charset="0"/>
+                                          </a:rPr>
+                                          <m:t>𝜕</m:t>
+                                        </m:r>
+                                      </m:e>
+                                      <m:sub>
+                                        <m:sSub>
+                                          <m:sSubPr>
+                                            <m:ctrlPr>
+                                              <a:rPr lang="en-US" altLang="ja-JP" sz="2400" i="1">
+                                                <a:latin typeface="Cambria Math" panose="02040503050406030204" pitchFamily="18" charset="0"/>
+                                              </a:rPr>
+                                            </m:ctrlPr>
+                                          </m:sSubPr>
+                                          <m:e>
+                                            <m:r>
+                                              <a:rPr lang="en-US" altLang="ja-JP" sz="2400" i="1">
+                                                <a:latin typeface="Cambria Math" panose="02040503050406030204" pitchFamily="18" charset="0"/>
+                                              </a:rPr>
+                                              <m:t>𝑣</m:t>
+                                            </m:r>
+                                          </m:e>
+                                          <m:sub>
+                                            <m:r>
+                                              <a:rPr lang="en-US" altLang="ja-JP" sz="2400" i="1">
+                                                <a:latin typeface="Cambria Math" panose="02040503050406030204" pitchFamily="18" charset="0"/>
+                                              </a:rPr>
+                                              <m:t>𝑥</m:t>
+                                            </m:r>
+                                          </m:sub>
+                                        </m:sSub>
+                                      </m:sub>
+                                    </m:sSub>
+                                  </m:e>
+                                </m:mr>
+                                <m:mr>
+                                  <m:e>
+                                    <m:sSub>
+                                      <m:sSubPr>
+                                        <m:ctrlPr>
+                                          <a:rPr lang="en-US" altLang="ja-JP" sz="2400" i="1">
+                                            <a:latin typeface="Cambria Math" panose="02040503050406030204" pitchFamily="18" charset="0"/>
+                                          </a:rPr>
+                                        </m:ctrlPr>
+                                      </m:sSubPr>
+                                      <m:e>
+                                        <m:r>
+                                          <a:rPr lang="en-US" altLang="ja-JP" sz="2400" i="1">
+                                            <a:latin typeface="Cambria Math" panose="02040503050406030204" pitchFamily="18" charset="0"/>
+                                          </a:rPr>
+                                          <m:t>𝜕</m:t>
+                                        </m:r>
+                                      </m:e>
+                                      <m:sub>
+                                        <m:sSub>
+                                          <m:sSubPr>
+                                            <m:ctrlPr>
+                                              <a:rPr lang="en-US" altLang="ja-JP" sz="2400" i="1">
+                                                <a:latin typeface="Cambria Math" panose="02040503050406030204" pitchFamily="18" charset="0"/>
+                                              </a:rPr>
+                                            </m:ctrlPr>
+                                          </m:sSubPr>
+                                          <m:e>
+                                            <m:r>
+                                              <a:rPr lang="en-US" altLang="ja-JP" sz="2400" i="1">
+                                                <a:latin typeface="Cambria Math" panose="02040503050406030204" pitchFamily="18" charset="0"/>
+                                              </a:rPr>
+                                              <m:t>𝑣</m:t>
+                                            </m:r>
+                                          </m:e>
+                                          <m:sub>
+                                            <m:r>
+                                              <a:rPr lang="en-US" altLang="ja-JP" sz="2400" i="1">
+                                                <a:latin typeface="Cambria Math" panose="02040503050406030204" pitchFamily="18" charset="0"/>
+                                              </a:rPr>
+                                              <m:t>𝑦</m:t>
+                                            </m:r>
+                                          </m:sub>
+                                        </m:sSub>
+                                      </m:sub>
+                                    </m:sSub>
+                                  </m:e>
+                                </m:mr>
+                                <m:mr>
+                                  <m:e>
+                                    <m:sSub>
+                                      <m:sSubPr>
+                                        <m:ctrlPr>
+                                          <a:rPr lang="en-US" altLang="ja-JP" sz="2400" i="1">
+                                            <a:latin typeface="Cambria Math" panose="02040503050406030204" pitchFamily="18" charset="0"/>
+                                          </a:rPr>
+                                        </m:ctrlPr>
+                                      </m:sSubPr>
+                                      <m:e>
+                                        <m:r>
+                                          <a:rPr lang="en-US" altLang="ja-JP" sz="2400" i="1">
+                                            <a:latin typeface="Cambria Math" panose="02040503050406030204" pitchFamily="18" charset="0"/>
+                                          </a:rPr>
+                                          <m:t>𝜕</m:t>
+                                        </m:r>
+                                      </m:e>
+                                      <m:sub>
+                                        <m:sSub>
+                                          <m:sSubPr>
+                                            <m:ctrlPr>
+                                              <a:rPr lang="en-US" altLang="ja-JP" sz="2400" i="1">
+                                                <a:latin typeface="Cambria Math" panose="02040503050406030204" pitchFamily="18" charset="0"/>
+                                              </a:rPr>
+                                            </m:ctrlPr>
+                                          </m:sSubPr>
+                                          <m:e>
+                                            <m:r>
+                                              <a:rPr lang="en-US" altLang="ja-JP" sz="2400" i="1">
+                                                <a:latin typeface="Cambria Math" panose="02040503050406030204" pitchFamily="18" charset="0"/>
+                                              </a:rPr>
+                                              <m:t>𝑣</m:t>
+                                            </m:r>
+                                          </m:e>
+                                          <m:sub>
+                                            <m:r>
+                                              <a:rPr lang="en-US" altLang="ja-JP" sz="2400" i="1">
+                                                <a:latin typeface="Cambria Math" panose="02040503050406030204" pitchFamily="18" charset="0"/>
+                                              </a:rPr>
+                                              <m:t>𝑧</m:t>
+                                            </m:r>
+                                          </m:sub>
+                                        </m:sSub>
+                                      </m:sub>
+                                    </m:sSub>
+                                  </m:e>
+                                </m:mr>
+                              </m:m>
+                            </m:e>
+                          </m:d>
+                          <m:r>
+                            <a:rPr lang="en-US" altLang="ja-JP" sz="2400" i="1">
+                              <a:latin typeface="Cambria Math" panose="02040503050406030204" pitchFamily="18" charset="0"/>
+                            </a:rPr>
+                            <m:t>𝐾</m:t>
+                          </m:r>
+                        </m:e>
+                      </m:d>
                     </m:oMath>
                   </m:oMathPara>
                 </a14:m>
@@ -4726,13 +5123,13 @@
             </p:txBody>
           </p:sp>
         </mc:Choice>
-        <mc:Fallback xmlns="">
+        <mc:Fallback>
           <p:sp>
             <p:nvSpPr>
-              <p:cNvPr id="7" name="テキスト ボックス 6">
+              <p:cNvPr id="13" name="テキスト ボックス 12">
                 <a:extLst>
                   <a:ext uri="{FF2B5EF4-FFF2-40B4-BE49-F238E27FC236}">
-                    <a16:creationId xmlns:a16="http://schemas.microsoft.com/office/drawing/2014/main" id="{9627682D-A63D-BAA0-42F4-349AA70F610D}"/>
+                    <a16:creationId xmlns:a16="http://schemas.microsoft.com/office/drawing/2014/main" id="{E658C2BE-FA48-21AA-C7E6-2C0091CEA0EC}"/>
                   </a:ext>
                 </a:extLst>
               </p:cNvPr>
@@ -4743,202 +5140,8 @@
             </p:nvSpPr>
             <p:spPr>
               <a:xfrm>
-                <a:off x="5292080" y="642020"/>
-                <a:ext cx="1274580" cy="369332"/>
-              </a:xfrm>
-              <a:prstGeom prst="rect">
-                <a:avLst/>
-              </a:prstGeom>
-              <a:blipFill>
-                <a:blip r:embed="rId5"/>
-                <a:stretch>
-                  <a:fillRect l="-4950" r="-8911" b="-33333"/>
-                </a:stretch>
-              </a:blipFill>
-            </p:spPr>
-            <p:txBody>
-              <a:bodyPr/>
-              <a:lstStyle/>
-              <a:p>
-                <a:r>
-                  <a:rPr lang="ja-JP" altLang="en-US">
-                    <a:noFill/>
-                  </a:rPr>
-                  <a:t> </a:t>
-                </a:r>
-              </a:p>
-            </p:txBody>
-          </p:sp>
-        </mc:Fallback>
-      </mc:AlternateContent>
-      <mc:AlternateContent xmlns:mc="http://schemas.openxmlformats.org/markup-compatibility/2006" xmlns:a14="http://schemas.microsoft.com/office/drawing/2010/main">
-        <mc:Choice Requires="a14">
-          <p:sp>
-            <p:nvSpPr>
-              <p:cNvPr id="8" name="テキスト ボックス 7">
-                <a:extLst>
-                  <a:ext uri="{FF2B5EF4-FFF2-40B4-BE49-F238E27FC236}">
-                    <a16:creationId xmlns:a16="http://schemas.microsoft.com/office/drawing/2014/main" id="{73AAB808-F4F6-FB5D-291E-C9AB5C6EADCB}"/>
-                  </a:ext>
-                </a:extLst>
-              </p:cNvPr>
-              <p:cNvSpPr txBox="1"/>
-              <p:nvPr/>
-            </p:nvSpPr>
-            <p:spPr>
-              <a:xfrm>
-                <a:off x="1708906" y="642020"/>
-                <a:ext cx="1692258" cy="424925"/>
-              </a:xfrm>
-              <a:prstGeom prst="rect">
-                <a:avLst/>
-              </a:prstGeom>
-              <a:noFill/>
-            </p:spPr>
-            <p:txBody>
-              <a:bodyPr wrap="none" lIns="0" tIns="0" rIns="0" bIns="0" rtlCol="0">
-                <a:spAutoFit/>
-              </a:bodyPr>
-              <a:lstStyle/>
-              <a:p>
-                <a:pPr/>
-                <a14:m>
-                  <m:oMathPara xmlns:m="http://schemas.openxmlformats.org/officeDocument/2006/math">
-                    <m:oMathParaPr>
-                      <m:jc m:val="centerGroup"/>
-                    </m:oMathParaPr>
-                    <m:oMath xmlns:m="http://schemas.openxmlformats.org/officeDocument/2006/math">
-                      <m:r>
-                        <a:rPr kumimoji="1" lang="en-US" altLang="ja-JP" sz="2400" b="0" i="1" smtClean="0">
-                          <a:latin typeface="Cambria Math" panose="02040503050406030204" pitchFamily="18" charset="0"/>
-                        </a:rPr>
-                        <m:t>𝐾</m:t>
-                      </m:r>
-                      <m:d>
-                        <m:dPr>
-                          <m:ctrlPr>
-                            <a:rPr kumimoji="1" lang="en-US" altLang="ja-JP" sz="2400" b="0" i="1" smtClean="0">
-                              <a:latin typeface="Cambria Math" panose="02040503050406030204" pitchFamily="18" charset="0"/>
-                            </a:rPr>
-                          </m:ctrlPr>
-                        </m:dPr>
-                        <m:e>
-                          <m:sSub>
-                            <m:sSubPr>
-                              <m:ctrlPr>
-                                <a:rPr kumimoji="1" lang="en-US" altLang="ja-JP" sz="2400" b="0" i="1" smtClean="0">
-                                  <a:latin typeface="Cambria Math" panose="02040503050406030204" pitchFamily="18" charset="0"/>
-                                </a:rPr>
-                              </m:ctrlPr>
-                            </m:sSubPr>
-                            <m:e>
-                              <m:r>
-                                <a:rPr kumimoji="1" lang="en-US" altLang="ja-JP" sz="2400" b="0" i="1" smtClean="0">
-                                  <a:latin typeface="Cambria Math" panose="02040503050406030204" pitchFamily="18" charset="0"/>
-                                </a:rPr>
-                                <m:t>𝑣</m:t>
-                              </m:r>
-                            </m:e>
-                            <m:sub>
-                              <m:r>
-                                <a:rPr kumimoji="1" lang="en-US" altLang="ja-JP" sz="2400" b="0" i="1" smtClean="0">
-                                  <a:latin typeface="Cambria Math" panose="02040503050406030204" pitchFamily="18" charset="0"/>
-                                </a:rPr>
-                                <m:t>𝑥</m:t>
-                              </m:r>
-                            </m:sub>
-                          </m:sSub>
-                          <m:r>
-                            <a:rPr kumimoji="1" lang="en-US" altLang="ja-JP" sz="2400" b="0" i="1" smtClean="0">
-                              <a:latin typeface="Cambria Math" panose="02040503050406030204" pitchFamily="18" charset="0"/>
-                            </a:rPr>
-                            <m:t>,</m:t>
-                          </m:r>
-                          <m:sSub>
-                            <m:sSubPr>
-                              <m:ctrlPr>
-                                <a:rPr kumimoji="1" lang="en-US" altLang="ja-JP" sz="2400" b="0" i="1" smtClean="0">
-                                  <a:latin typeface="Cambria Math" panose="02040503050406030204" pitchFamily="18" charset="0"/>
-                                </a:rPr>
-                              </m:ctrlPr>
-                            </m:sSubPr>
-                            <m:e>
-                              <m:r>
-                                <a:rPr kumimoji="1" lang="en-US" altLang="ja-JP" sz="2400" b="0" i="1" smtClean="0">
-                                  <a:latin typeface="Cambria Math" panose="02040503050406030204" pitchFamily="18" charset="0"/>
-                                </a:rPr>
-                                <m:t>𝑣</m:t>
-                              </m:r>
-                            </m:e>
-                            <m:sub>
-                              <m:r>
-                                <a:rPr kumimoji="1" lang="en-US" altLang="ja-JP" sz="2400" b="0" i="1" smtClean="0">
-                                  <a:latin typeface="Cambria Math" panose="02040503050406030204" pitchFamily="18" charset="0"/>
-                                </a:rPr>
-                                <m:t>𝑦</m:t>
-                              </m:r>
-                            </m:sub>
-                          </m:sSub>
-                          <m:r>
-                            <a:rPr kumimoji="1" lang="en-US" altLang="ja-JP" sz="2400" b="0" i="1" smtClean="0">
-                              <a:latin typeface="Cambria Math" panose="02040503050406030204" pitchFamily="18" charset="0"/>
-                            </a:rPr>
-                            <m:t>,</m:t>
-                          </m:r>
-                          <m:sSub>
-                            <m:sSubPr>
-                              <m:ctrlPr>
-                                <a:rPr kumimoji="1" lang="en-US" altLang="ja-JP" sz="2400" b="0" i="1" smtClean="0">
-                                  <a:latin typeface="Cambria Math" panose="02040503050406030204" pitchFamily="18" charset="0"/>
-                                </a:rPr>
-                              </m:ctrlPr>
-                            </m:sSubPr>
-                            <m:e>
-                              <m:r>
-                                <a:rPr kumimoji="1" lang="en-US" altLang="ja-JP" sz="2400" b="0" i="1" smtClean="0">
-                                  <a:latin typeface="Cambria Math" panose="02040503050406030204" pitchFamily="18" charset="0"/>
-                                </a:rPr>
-                                <m:t>𝑣</m:t>
-                              </m:r>
-                            </m:e>
-                            <m:sub>
-                              <m:r>
-                                <a:rPr kumimoji="1" lang="en-US" altLang="ja-JP" sz="2400" b="0" i="1" smtClean="0">
-                                  <a:latin typeface="Cambria Math" panose="02040503050406030204" pitchFamily="18" charset="0"/>
-                                </a:rPr>
-                                <m:t>𝑧</m:t>
-                              </m:r>
-                            </m:sub>
-                          </m:sSub>
-                        </m:e>
-                      </m:d>
-                    </m:oMath>
-                  </m:oMathPara>
-                </a14:m>
-                <a:endParaRPr kumimoji="1" lang="ja-JP" altLang="en-US" sz="2400" dirty="0"/>
-              </a:p>
-            </p:txBody>
-          </p:sp>
-        </mc:Choice>
-        <mc:Fallback xmlns="">
-          <p:sp>
-            <p:nvSpPr>
-              <p:cNvPr id="8" name="テキスト ボックス 7">
-                <a:extLst>
-                  <a:ext uri="{FF2B5EF4-FFF2-40B4-BE49-F238E27FC236}">
-                    <a16:creationId xmlns:a16="http://schemas.microsoft.com/office/drawing/2014/main" id="{73AAB808-F4F6-FB5D-291E-C9AB5C6EADCB}"/>
-                  </a:ext>
-                </a:extLst>
-              </p:cNvPr>
-              <p:cNvSpPr txBox="1">
-                <a:spLocks noRot="1" noChangeAspect="1" noMove="1" noResize="1" noEditPoints="1" noAdjustHandles="1" noChangeArrowheads="1" noChangeShapeType="1" noTextEdit="1"/>
-              </p:cNvSpPr>
-              <p:nvPr/>
-            </p:nvSpPr>
-            <p:spPr>
-              <a:xfrm>
-                <a:off x="1708906" y="642020"/>
-                <a:ext cx="1692258" cy="424925"/>
+                <a:off x="591569" y="2508594"/>
+                <a:ext cx="1795556" cy="1255985"/>
               </a:xfrm>
               <a:prstGeom prst="rect">
                 <a:avLst/>
@@ -4946,7 +5149,7 @@
               <a:blipFill>
                 <a:blip r:embed="rId6"/>
                 <a:stretch>
-                  <a:fillRect l="-3731" b="-17647"/>
+                  <a:fillRect l="-3497" t="-1000" b="-3000"/>
                 </a:stretch>
               </a:blipFill>
             </p:spPr>
@@ -4967,26 +5170,25 @@
       </mc:AlternateContent>
       <p:cxnSp>
         <p:nvCxnSpPr>
-          <p:cNvPr id="10" name="カギ線コネクタ 9">
+          <p:cNvPr id="15" name="直線矢印コネクタ 14">
             <a:extLst>
               <a:ext uri="{FF2B5EF4-FFF2-40B4-BE49-F238E27FC236}">
-                <a16:creationId xmlns:a16="http://schemas.microsoft.com/office/drawing/2014/main" id="{E6895F50-B5E3-4663-21D0-C200DF059F47}"/>
+                <a16:creationId xmlns:a16="http://schemas.microsoft.com/office/drawing/2014/main" id="{17A8D235-51C8-FB6F-D1CB-9A1C8200842F}"/>
               </a:ext>
             </a:extLst>
           </p:cNvPr>
           <p:cNvCxnSpPr>
-            <a:cxnSpLocks/>
-            <a:stCxn id="8" idx="2"/>
+            <a:stCxn id="13" idx="3"/>
             <a:endCxn id="6" idx="1"/>
           </p:cNvCxnSpPr>
           <p:nvPr/>
         </p:nvCxnSpPr>
         <p:spPr>
-          <a:xfrm rot="16200000" flipH="1">
-            <a:off x="1770422" y="1851557"/>
-            <a:ext cx="2074023" cy="504797"/>
+          <a:xfrm>
+            <a:off x="2387125" y="3136587"/>
+            <a:ext cx="672707" cy="4381"/>
           </a:xfrm>
-          <a:prstGeom prst="bentConnector2">
+          <a:prstGeom prst="straightConnector1">
             <a:avLst/>
           </a:prstGeom>
           <a:ln w="9525">
@@ -5015,25 +5217,25 @@
       </p:cxnSp>
       <p:cxnSp>
         <p:nvCxnSpPr>
-          <p:cNvPr id="12" name="カギ線コネクタ 11">
+          <p:cNvPr id="18" name="直線矢印コネクタ 17">
             <a:extLst>
               <a:ext uri="{FF2B5EF4-FFF2-40B4-BE49-F238E27FC236}">
-                <a16:creationId xmlns:a16="http://schemas.microsoft.com/office/drawing/2014/main" id="{85A21E03-50B2-22CF-0D00-3983A883F6B5}"/>
+                <a16:creationId xmlns:a16="http://schemas.microsoft.com/office/drawing/2014/main" id="{75EC71B0-6E0D-92A5-94ED-3A315211FC4B}"/>
               </a:ext>
             </a:extLst>
           </p:cNvPr>
           <p:cNvCxnSpPr>
-            <a:stCxn id="7" idx="2"/>
+            <a:stCxn id="11" idx="1"/>
             <a:endCxn id="5" idx="3"/>
           </p:cNvCxnSpPr>
           <p:nvPr/>
         </p:nvCxnSpPr>
         <p:spPr>
-          <a:xfrm rot="5400000">
-            <a:off x="4545917" y="1757515"/>
-            <a:ext cx="2129616" cy="637290"/>
+          <a:xfrm flipH="1">
+            <a:off x="5292080" y="3140968"/>
+            <a:ext cx="648072" cy="0"/>
           </a:xfrm>
-          <a:prstGeom prst="bentConnector2">
+          <a:prstGeom prst="straightConnector1">
             <a:avLst/>
           </a:prstGeom>
           <a:ln w="9525">
@@ -5060,978 +5262,6 @@
           </a:fontRef>
         </p:style>
       </p:cxnSp>
-      <mc:AlternateContent xmlns:mc="http://schemas.openxmlformats.org/markup-compatibility/2006" xmlns:a14="http://schemas.microsoft.com/office/drawing/2010/main">
-        <mc:Choice Requires="a14">
-          <p:sp>
-            <p:nvSpPr>
-              <p:cNvPr id="21" name="テキスト ボックス 20">
-                <a:extLst>
-                  <a:ext uri="{FF2B5EF4-FFF2-40B4-BE49-F238E27FC236}">
-                    <a16:creationId xmlns:a16="http://schemas.microsoft.com/office/drawing/2014/main" id="{0ECE1100-C363-4771-986B-4B2590213D19}"/>
-                  </a:ext>
-                </a:extLst>
-              </p:cNvPr>
-              <p:cNvSpPr txBox="1"/>
-              <p:nvPr/>
-            </p:nvSpPr>
-            <p:spPr>
-              <a:xfrm>
-                <a:off x="1144329" y="1735898"/>
-                <a:ext cx="1129155" cy="764697"/>
-              </a:xfrm>
-              <a:prstGeom prst="rect">
-                <a:avLst/>
-              </a:prstGeom>
-              <a:noFill/>
-            </p:spPr>
-            <p:txBody>
-              <a:bodyPr wrap="none" lIns="0" tIns="0" rIns="0" bIns="0" rtlCol="0">
-                <a:spAutoFit/>
-              </a:bodyPr>
-              <a:lstStyle/>
-              <a:p>
-                <a:pPr/>
-                <a14:m>
-                  <m:oMathPara xmlns:m="http://schemas.openxmlformats.org/officeDocument/2006/math">
-                    <m:oMathParaPr>
-                      <m:jc m:val="centerGroup"/>
-                    </m:oMathParaPr>
-                    <m:oMath xmlns:m="http://schemas.openxmlformats.org/officeDocument/2006/math">
-                      <m:f>
-                        <m:fPr>
-                          <m:ctrlPr>
-                            <a:rPr kumimoji="1" lang="en-US" altLang="ja-JP" sz="2400" b="0" i="1" smtClean="0">
-                              <a:latin typeface="Cambria Math" panose="02040503050406030204" pitchFamily="18" charset="0"/>
-                            </a:rPr>
-                          </m:ctrlPr>
-                        </m:fPr>
-                        <m:num>
-                          <m:r>
-                            <a:rPr kumimoji="1" lang="en-US" altLang="ja-JP" sz="2400" b="0" i="1" smtClean="0">
-                              <a:latin typeface="Cambria Math" panose="02040503050406030204" pitchFamily="18" charset="0"/>
-                            </a:rPr>
-                            <m:t>𝑑</m:t>
-                          </m:r>
-                        </m:num>
-                        <m:den>
-                          <m:r>
-                            <a:rPr kumimoji="1" lang="en-US" altLang="ja-JP" sz="2400" b="0" i="1" smtClean="0">
-                              <a:latin typeface="Cambria Math" panose="02040503050406030204" pitchFamily="18" charset="0"/>
-                            </a:rPr>
-                            <m:t>𝑑𝑡</m:t>
-                          </m:r>
-                        </m:den>
-                      </m:f>
-                      <m:r>
-                        <a:rPr kumimoji="1" lang="en-US" altLang="ja-JP" sz="2400" b="0" i="1" smtClean="0">
-                          <a:latin typeface="Cambria Math" panose="02040503050406030204" pitchFamily="18" charset="0"/>
-                          <a:ea typeface="Cambria Math" panose="02040503050406030204" pitchFamily="18" charset="0"/>
-                        </a:rPr>
-                        <m:t>∘</m:t>
-                      </m:r>
-                      <m:f>
-                        <m:fPr>
-                          <m:ctrlPr>
-                            <a:rPr kumimoji="1" lang="en-US" altLang="ja-JP" sz="2400" b="0" i="1" smtClean="0">
-                              <a:latin typeface="Cambria Math" panose="02040503050406030204" pitchFamily="18" charset="0"/>
-                              <a:ea typeface="Cambria Math" panose="02040503050406030204" pitchFamily="18" charset="0"/>
-                            </a:rPr>
-                          </m:ctrlPr>
-                        </m:fPr>
-                        <m:num>
-                          <m:r>
-                            <a:rPr kumimoji="1" lang="en-US" altLang="ja-JP" sz="2400" b="0" i="1" smtClean="0">
-                              <a:latin typeface="Cambria Math" panose="02040503050406030204" pitchFamily="18" charset="0"/>
-                              <a:ea typeface="Cambria Math" panose="02040503050406030204" pitchFamily="18" charset="0"/>
-                            </a:rPr>
-                            <m:t>𝜕</m:t>
-                          </m:r>
-                        </m:num>
-                        <m:den>
-                          <m:r>
-                            <a:rPr kumimoji="1" lang="en-US" altLang="ja-JP" sz="2400" b="0" i="1" smtClean="0">
-                              <a:latin typeface="Cambria Math" panose="02040503050406030204" pitchFamily="18" charset="0"/>
-                              <a:ea typeface="Cambria Math" panose="02040503050406030204" pitchFamily="18" charset="0"/>
-                            </a:rPr>
-                            <m:t>𝜕</m:t>
-                          </m:r>
-                          <m:sSub>
-                            <m:sSubPr>
-                              <m:ctrlPr>
-                                <a:rPr kumimoji="1" lang="en-US" altLang="ja-JP" sz="2400" b="0" i="1" smtClean="0">
-                                  <a:latin typeface="Cambria Math" panose="02040503050406030204" pitchFamily="18" charset="0"/>
-                                  <a:ea typeface="Cambria Math" panose="02040503050406030204" pitchFamily="18" charset="0"/>
-                                </a:rPr>
-                              </m:ctrlPr>
-                            </m:sSubPr>
-                            <m:e>
-                              <m:r>
-                                <a:rPr kumimoji="1" lang="en-US" altLang="ja-JP" sz="2400" b="0" i="1" smtClean="0">
-                                  <a:latin typeface="Cambria Math" panose="02040503050406030204" pitchFamily="18" charset="0"/>
-                                  <a:ea typeface="Cambria Math" panose="02040503050406030204" pitchFamily="18" charset="0"/>
-                                </a:rPr>
-                                <m:t>𝑣</m:t>
-                              </m:r>
-                            </m:e>
-                            <m:sub>
-                              <m:r>
-                                <a:rPr kumimoji="1" lang="en-US" altLang="ja-JP" sz="2400" b="0" i="1" smtClean="0">
-                                  <a:latin typeface="Cambria Math" panose="02040503050406030204" pitchFamily="18" charset="0"/>
-                                  <a:ea typeface="Cambria Math" panose="02040503050406030204" pitchFamily="18" charset="0"/>
-                                </a:rPr>
-                                <m:t>𝑥</m:t>
-                              </m:r>
-                            </m:sub>
-                          </m:sSub>
-                        </m:den>
-                      </m:f>
-                    </m:oMath>
-                  </m:oMathPara>
-                </a14:m>
-                <a:endParaRPr kumimoji="1" lang="ja-JP" altLang="en-US" sz="2400" dirty="0"/>
-              </a:p>
-            </p:txBody>
-          </p:sp>
-        </mc:Choice>
-        <mc:Fallback xmlns="">
-          <p:sp>
-            <p:nvSpPr>
-              <p:cNvPr id="21" name="テキスト ボックス 20">
-                <a:extLst>
-                  <a:ext uri="{FF2B5EF4-FFF2-40B4-BE49-F238E27FC236}">
-                    <a16:creationId xmlns:a16="http://schemas.microsoft.com/office/drawing/2014/main" id="{0ECE1100-C363-4771-986B-4B2590213D19}"/>
-                  </a:ext>
-                </a:extLst>
-              </p:cNvPr>
-              <p:cNvSpPr txBox="1">
-                <a:spLocks noRot="1" noChangeAspect="1" noMove="1" noResize="1" noEditPoints="1" noAdjustHandles="1" noChangeArrowheads="1" noChangeShapeType="1" noTextEdit="1"/>
-              </p:cNvSpPr>
-              <p:nvPr/>
-            </p:nvSpPr>
-            <p:spPr>
-              <a:xfrm>
-                <a:off x="1144329" y="1735898"/>
-                <a:ext cx="1129155" cy="764697"/>
-              </a:xfrm>
-              <a:prstGeom prst="rect">
-                <a:avLst/>
-              </a:prstGeom>
-              <a:blipFill>
-                <a:blip r:embed="rId7"/>
-                <a:stretch>
-                  <a:fillRect l="-6667" t="-1639" b="-8197"/>
-                </a:stretch>
-              </a:blipFill>
-            </p:spPr>
-            <p:txBody>
-              <a:bodyPr/>
-              <a:lstStyle/>
-              <a:p>
-                <a:r>
-                  <a:rPr lang="ja-JP" altLang="en-US">
-                    <a:noFill/>
-                  </a:rPr>
-                  <a:t> </a:t>
-                </a:r>
-              </a:p>
-            </p:txBody>
-          </p:sp>
-        </mc:Fallback>
-      </mc:AlternateContent>
-      <mc:AlternateContent xmlns:mc="http://schemas.openxmlformats.org/markup-compatibility/2006" xmlns:a14="http://schemas.microsoft.com/office/drawing/2010/main">
-        <mc:Choice Requires="a14">
-          <p:sp>
-            <p:nvSpPr>
-              <p:cNvPr id="23" name="テキスト ボックス 22">
-                <a:extLst>
-                  <a:ext uri="{FF2B5EF4-FFF2-40B4-BE49-F238E27FC236}">
-                    <a16:creationId xmlns:a16="http://schemas.microsoft.com/office/drawing/2014/main" id="{5903DA07-5B29-D39A-4BAF-101F4D2AB619}"/>
-                  </a:ext>
-                </a:extLst>
-              </p:cNvPr>
-              <p:cNvSpPr txBox="1"/>
-              <p:nvPr/>
-            </p:nvSpPr>
-            <p:spPr>
-              <a:xfrm>
-                <a:off x="1181559" y="2738005"/>
-                <a:ext cx="1138196" cy="805926"/>
-              </a:xfrm>
-              <a:prstGeom prst="rect">
-                <a:avLst/>
-              </a:prstGeom>
-              <a:noFill/>
-            </p:spPr>
-            <p:txBody>
-              <a:bodyPr wrap="none" lIns="0" tIns="0" rIns="0" bIns="0" rtlCol="0">
-                <a:spAutoFit/>
-              </a:bodyPr>
-              <a:lstStyle/>
-              <a:p>
-                <a:pPr/>
-                <a14:m>
-                  <m:oMathPara xmlns:m="http://schemas.openxmlformats.org/officeDocument/2006/math">
-                    <m:oMathParaPr>
-                      <m:jc m:val="centerGroup"/>
-                    </m:oMathParaPr>
-                    <m:oMath xmlns:m="http://schemas.openxmlformats.org/officeDocument/2006/math">
-                      <m:f>
-                        <m:fPr>
-                          <m:ctrlPr>
-                            <a:rPr kumimoji="1" lang="en-US" altLang="ja-JP" sz="2400" b="0" i="1" smtClean="0">
-                              <a:latin typeface="Cambria Math" panose="02040503050406030204" pitchFamily="18" charset="0"/>
-                            </a:rPr>
-                          </m:ctrlPr>
-                        </m:fPr>
-                        <m:num>
-                          <m:r>
-                            <a:rPr kumimoji="1" lang="en-US" altLang="ja-JP" sz="2400" b="0" i="1" smtClean="0">
-                              <a:latin typeface="Cambria Math" panose="02040503050406030204" pitchFamily="18" charset="0"/>
-                            </a:rPr>
-                            <m:t>𝑑</m:t>
-                          </m:r>
-                        </m:num>
-                        <m:den>
-                          <m:r>
-                            <a:rPr kumimoji="1" lang="en-US" altLang="ja-JP" sz="2400" b="0" i="1" smtClean="0">
-                              <a:latin typeface="Cambria Math" panose="02040503050406030204" pitchFamily="18" charset="0"/>
-                            </a:rPr>
-                            <m:t>𝑑𝑡</m:t>
-                          </m:r>
-                        </m:den>
-                      </m:f>
-                      <m:r>
-                        <a:rPr kumimoji="1" lang="en-US" altLang="ja-JP" sz="2400" b="0" i="1" smtClean="0">
-                          <a:latin typeface="Cambria Math" panose="02040503050406030204" pitchFamily="18" charset="0"/>
-                          <a:ea typeface="Cambria Math" panose="02040503050406030204" pitchFamily="18" charset="0"/>
-                        </a:rPr>
-                        <m:t>∘</m:t>
-                      </m:r>
-                      <m:f>
-                        <m:fPr>
-                          <m:ctrlPr>
-                            <a:rPr kumimoji="1" lang="en-US" altLang="ja-JP" sz="2400" b="0" i="1" smtClean="0">
-                              <a:latin typeface="Cambria Math" panose="02040503050406030204" pitchFamily="18" charset="0"/>
-                              <a:ea typeface="Cambria Math" panose="02040503050406030204" pitchFamily="18" charset="0"/>
-                            </a:rPr>
-                          </m:ctrlPr>
-                        </m:fPr>
-                        <m:num>
-                          <m:r>
-                            <a:rPr kumimoji="1" lang="en-US" altLang="ja-JP" sz="2400" b="0" i="1" smtClean="0">
-                              <a:latin typeface="Cambria Math" panose="02040503050406030204" pitchFamily="18" charset="0"/>
-                              <a:ea typeface="Cambria Math" panose="02040503050406030204" pitchFamily="18" charset="0"/>
-                            </a:rPr>
-                            <m:t>𝜕</m:t>
-                          </m:r>
-                        </m:num>
-                        <m:den>
-                          <m:r>
-                            <a:rPr kumimoji="1" lang="en-US" altLang="ja-JP" sz="2400" b="0" i="1" smtClean="0">
-                              <a:latin typeface="Cambria Math" panose="02040503050406030204" pitchFamily="18" charset="0"/>
-                              <a:ea typeface="Cambria Math" panose="02040503050406030204" pitchFamily="18" charset="0"/>
-                            </a:rPr>
-                            <m:t>𝜕</m:t>
-                          </m:r>
-                          <m:sSub>
-                            <m:sSubPr>
-                              <m:ctrlPr>
-                                <a:rPr kumimoji="1" lang="en-US" altLang="ja-JP" sz="2400" b="0" i="1" smtClean="0">
-                                  <a:latin typeface="Cambria Math" panose="02040503050406030204" pitchFamily="18" charset="0"/>
-                                  <a:ea typeface="Cambria Math" panose="02040503050406030204" pitchFamily="18" charset="0"/>
-                                </a:rPr>
-                              </m:ctrlPr>
-                            </m:sSubPr>
-                            <m:e>
-                              <m:r>
-                                <a:rPr kumimoji="1" lang="en-US" altLang="ja-JP" sz="2400" b="0" i="1" smtClean="0">
-                                  <a:latin typeface="Cambria Math" panose="02040503050406030204" pitchFamily="18" charset="0"/>
-                                  <a:ea typeface="Cambria Math" panose="02040503050406030204" pitchFamily="18" charset="0"/>
-                                </a:rPr>
-                                <m:t>𝑣</m:t>
-                              </m:r>
-                            </m:e>
-                            <m:sub>
-                              <m:r>
-                                <a:rPr kumimoji="1" lang="en-US" altLang="ja-JP" sz="2400" b="0" i="1" smtClean="0">
-                                  <a:latin typeface="Cambria Math" panose="02040503050406030204" pitchFamily="18" charset="0"/>
-                                  <a:ea typeface="Cambria Math" panose="02040503050406030204" pitchFamily="18" charset="0"/>
-                                </a:rPr>
-                                <m:t>𝑦</m:t>
-                              </m:r>
-                            </m:sub>
-                          </m:sSub>
-                        </m:den>
-                      </m:f>
-                    </m:oMath>
-                  </m:oMathPara>
-                </a14:m>
-                <a:endParaRPr kumimoji="1" lang="ja-JP" altLang="en-US" sz="2400" dirty="0"/>
-              </a:p>
-            </p:txBody>
-          </p:sp>
-        </mc:Choice>
-        <mc:Fallback xmlns="">
-          <p:sp>
-            <p:nvSpPr>
-              <p:cNvPr id="23" name="テキスト ボックス 22">
-                <a:extLst>
-                  <a:ext uri="{FF2B5EF4-FFF2-40B4-BE49-F238E27FC236}">
-                    <a16:creationId xmlns:a16="http://schemas.microsoft.com/office/drawing/2014/main" id="{5903DA07-5B29-D39A-4BAF-101F4D2AB619}"/>
-                  </a:ext>
-                </a:extLst>
-              </p:cNvPr>
-              <p:cNvSpPr txBox="1">
-                <a:spLocks noRot="1" noChangeAspect="1" noMove="1" noResize="1" noEditPoints="1" noAdjustHandles="1" noChangeArrowheads="1" noChangeShapeType="1" noTextEdit="1"/>
-              </p:cNvSpPr>
-              <p:nvPr/>
-            </p:nvSpPr>
-            <p:spPr>
-              <a:xfrm>
-                <a:off x="1181559" y="2738005"/>
-                <a:ext cx="1138196" cy="805926"/>
-              </a:xfrm>
-              <a:prstGeom prst="rect">
-                <a:avLst/>
-              </a:prstGeom>
-              <a:blipFill>
-                <a:blip r:embed="rId8"/>
-                <a:stretch>
-                  <a:fillRect l="-6667" r="-2222" b="-9375"/>
-                </a:stretch>
-              </a:blipFill>
-            </p:spPr>
-            <p:txBody>
-              <a:bodyPr/>
-              <a:lstStyle/>
-              <a:p>
-                <a:r>
-                  <a:rPr lang="ja-JP" altLang="en-US">
-                    <a:noFill/>
-                  </a:rPr>
-                  <a:t> </a:t>
-                </a:r>
-              </a:p>
-            </p:txBody>
-          </p:sp>
-        </mc:Fallback>
-      </mc:AlternateContent>
-      <mc:AlternateContent xmlns:mc="http://schemas.openxmlformats.org/markup-compatibility/2006" xmlns:a14="http://schemas.microsoft.com/office/drawing/2010/main">
-        <mc:Choice Requires="a14">
-          <p:sp>
-            <p:nvSpPr>
-              <p:cNvPr id="24" name="テキスト ボックス 23">
-                <a:extLst>
-                  <a:ext uri="{FF2B5EF4-FFF2-40B4-BE49-F238E27FC236}">
-                    <a16:creationId xmlns:a16="http://schemas.microsoft.com/office/drawing/2014/main" id="{1C0AA6A9-E7E7-2CB2-6516-6AD4B4FE29B7}"/>
-                  </a:ext>
-                </a:extLst>
-              </p:cNvPr>
-              <p:cNvSpPr txBox="1"/>
-              <p:nvPr/>
-            </p:nvSpPr>
-            <p:spPr>
-              <a:xfrm>
-                <a:off x="1186080" y="3762965"/>
-                <a:ext cx="1129155" cy="764697"/>
-              </a:xfrm>
-              <a:prstGeom prst="rect">
-                <a:avLst/>
-              </a:prstGeom>
-              <a:noFill/>
-            </p:spPr>
-            <p:txBody>
-              <a:bodyPr wrap="none" lIns="0" tIns="0" rIns="0" bIns="0" rtlCol="0">
-                <a:spAutoFit/>
-              </a:bodyPr>
-              <a:lstStyle/>
-              <a:p>
-                <a:pPr/>
-                <a14:m>
-                  <m:oMathPara xmlns:m="http://schemas.openxmlformats.org/officeDocument/2006/math">
-                    <m:oMathParaPr>
-                      <m:jc m:val="centerGroup"/>
-                    </m:oMathParaPr>
-                    <m:oMath xmlns:m="http://schemas.openxmlformats.org/officeDocument/2006/math">
-                      <m:f>
-                        <m:fPr>
-                          <m:ctrlPr>
-                            <a:rPr kumimoji="1" lang="en-US" altLang="ja-JP" sz="2400" b="0" i="1" smtClean="0">
-                              <a:latin typeface="Cambria Math" panose="02040503050406030204" pitchFamily="18" charset="0"/>
-                            </a:rPr>
-                          </m:ctrlPr>
-                        </m:fPr>
-                        <m:num>
-                          <m:r>
-                            <a:rPr kumimoji="1" lang="en-US" altLang="ja-JP" sz="2400" b="0" i="1" smtClean="0">
-                              <a:latin typeface="Cambria Math" panose="02040503050406030204" pitchFamily="18" charset="0"/>
-                            </a:rPr>
-                            <m:t>𝑑</m:t>
-                          </m:r>
-                        </m:num>
-                        <m:den>
-                          <m:r>
-                            <a:rPr kumimoji="1" lang="en-US" altLang="ja-JP" sz="2400" b="0" i="1" smtClean="0">
-                              <a:latin typeface="Cambria Math" panose="02040503050406030204" pitchFamily="18" charset="0"/>
-                            </a:rPr>
-                            <m:t>𝑑𝑡</m:t>
-                          </m:r>
-                        </m:den>
-                      </m:f>
-                      <m:r>
-                        <a:rPr kumimoji="1" lang="en-US" altLang="ja-JP" sz="2400" b="0" i="1" smtClean="0">
-                          <a:latin typeface="Cambria Math" panose="02040503050406030204" pitchFamily="18" charset="0"/>
-                          <a:ea typeface="Cambria Math" panose="02040503050406030204" pitchFamily="18" charset="0"/>
-                        </a:rPr>
-                        <m:t>∘</m:t>
-                      </m:r>
-                      <m:f>
-                        <m:fPr>
-                          <m:ctrlPr>
-                            <a:rPr kumimoji="1" lang="en-US" altLang="ja-JP" sz="2400" b="0" i="1" smtClean="0">
-                              <a:latin typeface="Cambria Math" panose="02040503050406030204" pitchFamily="18" charset="0"/>
-                              <a:ea typeface="Cambria Math" panose="02040503050406030204" pitchFamily="18" charset="0"/>
-                            </a:rPr>
-                          </m:ctrlPr>
-                        </m:fPr>
-                        <m:num>
-                          <m:r>
-                            <a:rPr kumimoji="1" lang="en-US" altLang="ja-JP" sz="2400" b="0" i="1" smtClean="0">
-                              <a:latin typeface="Cambria Math" panose="02040503050406030204" pitchFamily="18" charset="0"/>
-                              <a:ea typeface="Cambria Math" panose="02040503050406030204" pitchFamily="18" charset="0"/>
-                            </a:rPr>
-                            <m:t>𝜕</m:t>
-                          </m:r>
-                        </m:num>
-                        <m:den>
-                          <m:r>
-                            <a:rPr kumimoji="1" lang="en-US" altLang="ja-JP" sz="2400" b="0" i="1" smtClean="0">
-                              <a:latin typeface="Cambria Math" panose="02040503050406030204" pitchFamily="18" charset="0"/>
-                              <a:ea typeface="Cambria Math" panose="02040503050406030204" pitchFamily="18" charset="0"/>
-                            </a:rPr>
-                            <m:t>𝜕</m:t>
-                          </m:r>
-                          <m:sSub>
-                            <m:sSubPr>
-                              <m:ctrlPr>
-                                <a:rPr kumimoji="1" lang="en-US" altLang="ja-JP" sz="2400" b="0" i="1" smtClean="0">
-                                  <a:latin typeface="Cambria Math" panose="02040503050406030204" pitchFamily="18" charset="0"/>
-                                  <a:ea typeface="Cambria Math" panose="02040503050406030204" pitchFamily="18" charset="0"/>
-                                </a:rPr>
-                              </m:ctrlPr>
-                            </m:sSubPr>
-                            <m:e>
-                              <m:r>
-                                <a:rPr kumimoji="1" lang="en-US" altLang="ja-JP" sz="2400" b="0" i="1" smtClean="0">
-                                  <a:latin typeface="Cambria Math" panose="02040503050406030204" pitchFamily="18" charset="0"/>
-                                  <a:ea typeface="Cambria Math" panose="02040503050406030204" pitchFamily="18" charset="0"/>
-                                </a:rPr>
-                                <m:t>𝑣</m:t>
-                              </m:r>
-                            </m:e>
-                            <m:sub>
-                              <m:r>
-                                <a:rPr kumimoji="1" lang="en-US" altLang="ja-JP" sz="2400" b="0" i="1" smtClean="0">
-                                  <a:latin typeface="Cambria Math" panose="02040503050406030204" pitchFamily="18" charset="0"/>
-                                  <a:ea typeface="Cambria Math" panose="02040503050406030204" pitchFamily="18" charset="0"/>
-                                </a:rPr>
-                                <m:t>𝑧</m:t>
-                              </m:r>
-                            </m:sub>
-                          </m:sSub>
-                        </m:den>
-                      </m:f>
-                    </m:oMath>
-                  </m:oMathPara>
-                </a14:m>
-                <a:endParaRPr kumimoji="1" lang="ja-JP" altLang="en-US" sz="2400" dirty="0"/>
-              </a:p>
-            </p:txBody>
-          </p:sp>
-        </mc:Choice>
-        <mc:Fallback xmlns="">
-          <p:sp>
-            <p:nvSpPr>
-              <p:cNvPr id="24" name="テキスト ボックス 23">
-                <a:extLst>
-                  <a:ext uri="{FF2B5EF4-FFF2-40B4-BE49-F238E27FC236}">
-                    <a16:creationId xmlns:a16="http://schemas.microsoft.com/office/drawing/2014/main" id="{1C0AA6A9-E7E7-2CB2-6516-6AD4B4FE29B7}"/>
-                  </a:ext>
-                </a:extLst>
-              </p:cNvPr>
-              <p:cNvSpPr txBox="1">
-                <a:spLocks noRot="1" noChangeAspect="1" noMove="1" noResize="1" noEditPoints="1" noAdjustHandles="1" noChangeArrowheads="1" noChangeShapeType="1" noTextEdit="1"/>
-              </p:cNvSpPr>
-              <p:nvPr/>
-            </p:nvSpPr>
-            <p:spPr>
-              <a:xfrm>
-                <a:off x="1186080" y="3762965"/>
-                <a:ext cx="1129155" cy="764697"/>
-              </a:xfrm>
-              <a:prstGeom prst="rect">
-                <a:avLst/>
-              </a:prstGeom>
-              <a:blipFill>
-                <a:blip r:embed="rId9"/>
-                <a:stretch>
-                  <a:fillRect l="-5556" t="-1639" b="-6557"/>
-                </a:stretch>
-              </a:blipFill>
-            </p:spPr>
-            <p:txBody>
-              <a:bodyPr/>
-              <a:lstStyle/>
-              <a:p>
-                <a:r>
-                  <a:rPr lang="ja-JP" altLang="en-US">
-                    <a:noFill/>
-                  </a:rPr>
-                  <a:t> </a:t>
-                </a:r>
-              </a:p>
-            </p:txBody>
-          </p:sp>
-        </mc:Fallback>
-      </mc:AlternateContent>
-      <mc:AlternateContent xmlns:mc="http://schemas.openxmlformats.org/markup-compatibility/2006" xmlns:a14="http://schemas.microsoft.com/office/drawing/2010/main">
-        <mc:Choice Requires="a14">
-          <p:sp>
-            <p:nvSpPr>
-              <p:cNvPr id="26" name="テキスト ボックス 25">
-                <a:extLst>
-                  <a:ext uri="{FF2B5EF4-FFF2-40B4-BE49-F238E27FC236}">
-                    <a16:creationId xmlns:a16="http://schemas.microsoft.com/office/drawing/2014/main" id="{B3DDAEF6-1C91-A62B-E3D3-DEF49129F41A}"/>
-                  </a:ext>
-                </a:extLst>
-              </p:cNvPr>
-              <p:cNvSpPr txBox="1"/>
-              <p:nvPr/>
-            </p:nvSpPr>
-            <p:spPr>
-              <a:xfrm>
-                <a:off x="6090399" y="1618095"/>
-                <a:ext cx="840763" cy="857029"/>
-              </a:xfrm>
-              <a:prstGeom prst="rect">
-                <a:avLst/>
-              </a:prstGeom>
-              <a:noFill/>
-            </p:spPr>
-            <p:txBody>
-              <a:bodyPr wrap="square">
-                <a:spAutoFit/>
-              </a:bodyPr>
-              <a:lstStyle/>
-              <a:p>
-                <a:pPr/>
-                <a14:m>
-                  <m:oMathPara xmlns:m="http://schemas.openxmlformats.org/officeDocument/2006/math">
-                    <m:oMathParaPr>
-                      <m:jc m:val="centerGroup"/>
-                    </m:oMathParaPr>
-                    <m:oMath xmlns:m="http://schemas.openxmlformats.org/officeDocument/2006/math">
-                      <m:f>
-                        <m:fPr>
-                          <m:ctrlPr>
-                            <a:rPr kumimoji="1" lang="en-US" altLang="ja-JP" sz="2400" b="0" i="1" smtClean="0">
-                              <a:latin typeface="Cambria Math" panose="02040503050406030204" pitchFamily="18" charset="0"/>
-                              <a:ea typeface="Cambria Math" panose="02040503050406030204" pitchFamily="18" charset="0"/>
-                            </a:rPr>
-                          </m:ctrlPr>
-                        </m:fPr>
-                        <m:num>
-                          <m:r>
-                            <a:rPr kumimoji="1" lang="en-US" altLang="ja-JP" sz="2400" b="0" i="1" smtClean="0">
-                              <a:latin typeface="Cambria Math" panose="02040503050406030204" pitchFamily="18" charset="0"/>
-                              <a:ea typeface="Cambria Math" panose="02040503050406030204" pitchFamily="18" charset="0"/>
-                            </a:rPr>
-                            <m:t>𝜕</m:t>
-                          </m:r>
-                        </m:num>
-                        <m:den>
-                          <m:r>
-                            <a:rPr kumimoji="1" lang="en-US" altLang="ja-JP" sz="2400" b="0" i="1" smtClean="0">
-                              <a:latin typeface="Cambria Math" panose="02040503050406030204" pitchFamily="18" charset="0"/>
-                              <a:ea typeface="Cambria Math" panose="02040503050406030204" pitchFamily="18" charset="0"/>
-                            </a:rPr>
-                            <m:t>𝜕</m:t>
-                          </m:r>
-                          <m:sSub>
-                            <m:sSubPr>
-                              <m:ctrlPr>
-                                <a:rPr kumimoji="1" lang="en-US" altLang="ja-JP" sz="2400" b="0" i="1" smtClean="0">
-                                  <a:latin typeface="Cambria Math" panose="02040503050406030204" pitchFamily="18" charset="0"/>
-                                  <a:ea typeface="Cambria Math" panose="02040503050406030204" pitchFamily="18" charset="0"/>
-                                </a:rPr>
-                              </m:ctrlPr>
-                            </m:sSubPr>
-                            <m:e>
-                              <m:r>
-                                <a:rPr kumimoji="1" lang="en-US" altLang="ja-JP" sz="2400" b="0" i="1" smtClean="0">
-                                  <a:latin typeface="Cambria Math" panose="02040503050406030204" pitchFamily="18" charset="0"/>
-                                  <a:ea typeface="Cambria Math" panose="02040503050406030204" pitchFamily="18" charset="0"/>
-                                </a:rPr>
-                                <m:t>𝑣</m:t>
-                              </m:r>
-                            </m:e>
-                            <m:sub>
-                              <m:r>
-                                <a:rPr kumimoji="1" lang="en-US" altLang="ja-JP" sz="2400" b="0" i="1" smtClean="0">
-                                  <a:latin typeface="Cambria Math" panose="02040503050406030204" pitchFamily="18" charset="0"/>
-                                  <a:ea typeface="Cambria Math" panose="02040503050406030204" pitchFamily="18" charset="0"/>
-                                </a:rPr>
-                                <m:t>𝑥</m:t>
-                              </m:r>
-                            </m:sub>
-                          </m:sSub>
-                        </m:den>
-                      </m:f>
-                    </m:oMath>
-                  </m:oMathPara>
-                </a14:m>
-                <a:endParaRPr lang="ja-JP" altLang="en-US" sz="2400"/>
-              </a:p>
-            </p:txBody>
-          </p:sp>
-        </mc:Choice>
-        <mc:Fallback xmlns="">
-          <p:sp>
-            <p:nvSpPr>
-              <p:cNvPr id="26" name="テキスト ボックス 25">
-                <a:extLst>
-                  <a:ext uri="{FF2B5EF4-FFF2-40B4-BE49-F238E27FC236}">
-                    <a16:creationId xmlns:a16="http://schemas.microsoft.com/office/drawing/2014/main" id="{B3DDAEF6-1C91-A62B-E3D3-DEF49129F41A}"/>
-                  </a:ext>
-                </a:extLst>
-              </p:cNvPr>
-              <p:cNvSpPr txBox="1">
-                <a:spLocks noRot="1" noChangeAspect="1" noMove="1" noResize="1" noEditPoints="1" noAdjustHandles="1" noChangeArrowheads="1" noChangeShapeType="1" noTextEdit="1"/>
-              </p:cNvSpPr>
-              <p:nvPr/>
-            </p:nvSpPr>
-            <p:spPr>
-              <a:xfrm>
-                <a:off x="6090399" y="1618095"/>
-                <a:ext cx="840763" cy="857029"/>
-              </a:xfrm>
-              <a:prstGeom prst="rect">
-                <a:avLst/>
-              </a:prstGeom>
-              <a:blipFill>
-                <a:blip r:embed="rId10"/>
-                <a:stretch>
-                  <a:fillRect b="-1471"/>
-                </a:stretch>
-              </a:blipFill>
-            </p:spPr>
-            <p:txBody>
-              <a:bodyPr/>
-              <a:lstStyle/>
-              <a:p>
-                <a:r>
-                  <a:rPr lang="ja-JP" altLang="en-US">
-                    <a:noFill/>
-                  </a:rPr>
-                  <a:t> </a:t>
-                </a:r>
-              </a:p>
-            </p:txBody>
-          </p:sp>
-        </mc:Fallback>
-      </mc:AlternateContent>
-      <mc:AlternateContent xmlns:mc="http://schemas.openxmlformats.org/markup-compatibility/2006" xmlns:a14="http://schemas.microsoft.com/office/drawing/2010/main">
-        <mc:Choice Requires="a14">
-          <p:sp>
-            <p:nvSpPr>
-              <p:cNvPr id="27" name="テキスト ボックス 26">
-                <a:extLst>
-                  <a:ext uri="{FF2B5EF4-FFF2-40B4-BE49-F238E27FC236}">
-                    <a16:creationId xmlns:a16="http://schemas.microsoft.com/office/drawing/2014/main" id="{7D9E38A2-999E-DF5A-EF74-DFFC4F1E1BC0}"/>
-                  </a:ext>
-                </a:extLst>
-              </p:cNvPr>
-              <p:cNvSpPr txBox="1"/>
-              <p:nvPr/>
-            </p:nvSpPr>
-            <p:spPr>
-              <a:xfrm>
-                <a:off x="6086616" y="2663993"/>
-                <a:ext cx="840763" cy="857029"/>
-              </a:xfrm>
-              <a:prstGeom prst="rect">
-                <a:avLst/>
-              </a:prstGeom>
-              <a:noFill/>
-            </p:spPr>
-            <p:txBody>
-              <a:bodyPr wrap="square">
-                <a:spAutoFit/>
-              </a:bodyPr>
-              <a:lstStyle/>
-              <a:p>
-                <a:pPr/>
-                <a14:m>
-                  <m:oMathPara xmlns:m="http://schemas.openxmlformats.org/officeDocument/2006/math">
-                    <m:oMathParaPr>
-                      <m:jc m:val="centerGroup"/>
-                    </m:oMathParaPr>
-                    <m:oMath xmlns:m="http://schemas.openxmlformats.org/officeDocument/2006/math">
-                      <m:f>
-                        <m:fPr>
-                          <m:ctrlPr>
-                            <a:rPr kumimoji="1" lang="en-US" altLang="ja-JP" sz="2400" b="0" i="1" smtClean="0">
-                              <a:latin typeface="Cambria Math" panose="02040503050406030204" pitchFamily="18" charset="0"/>
-                              <a:ea typeface="Cambria Math" panose="02040503050406030204" pitchFamily="18" charset="0"/>
-                            </a:rPr>
-                          </m:ctrlPr>
-                        </m:fPr>
-                        <m:num>
-                          <m:r>
-                            <a:rPr kumimoji="1" lang="en-US" altLang="ja-JP" sz="2400" b="0" i="1" smtClean="0">
-                              <a:latin typeface="Cambria Math" panose="02040503050406030204" pitchFamily="18" charset="0"/>
-                              <a:ea typeface="Cambria Math" panose="02040503050406030204" pitchFamily="18" charset="0"/>
-                            </a:rPr>
-                            <m:t>𝜕</m:t>
-                          </m:r>
-                        </m:num>
-                        <m:den>
-                          <m:r>
-                            <a:rPr kumimoji="1" lang="en-US" altLang="ja-JP" sz="2400" b="0" i="1" smtClean="0">
-                              <a:latin typeface="Cambria Math" panose="02040503050406030204" pitchFamily="18" charset="0"/>
-                              <a:ea typeface="Cambria Math" panose="02040503050406030204" pitchFamily="18" charset="0"/>
-                            </a:rPr>
-                            <m:t>𝜕</m:t>
-                          </m:r>
-                          <m:sSub>
-                            <m:sSubPr>
-                              <m:ctrlPr>
-                                <a:rPr kumimoji="1" lang="en-US" altLang="ja-JP" sz="2400" b="0" i="1" smtClean="0">
-                                  <a:latin typeface="Cambria Math" panose="02040503050406030204" pitchFamily="18" charset="0"/>
-                                  <a:ea typeface="Cambria Math" panose="02040503050406030204" pitchFamily="18" charset="0"/>
-                                </a:rPr>
-                              </m:ctrlPr>
-                            </m:sSubPr>
-                            <m:e>
-                              <m:r>
-                                <a:rPr kumimoji="1" lang="en-US" altLang="ja-JP" sz="2400" b="0" i="1" smtClean="0">
-                                  <a:latin typeface="Cambria Math" panose="02040503050406030204" pitchFamily="18" charset="0"/>
-                                  <a:ea typeface="Cambria Math" panose="02040503050406030204" pitchFamily="18" charset="0"/>
-                                </a:rPr>
-                                <m:t>𝑣</m:t>
-                              </m:r>
-                            </m:e>
-                            <m:sub>
-                              <m:r>
-                                <a:rPr kumimoji="1" lang="en-US" altLang="ja-JP" sz="2400" b="0" i="1" smtClean="0">
-                                  <a:latin typeface="Cambria Math" panose="02040503050406030204" pitchFamily="18" charset="0"/>
-                                  <a:ea typeface="Cambria Math" panose="02040503050406030204" pitchFamily="18" charset="0"/>
-                                </a:rPr>
-                                <m:t>𝑥</m:t>
-                              </m:r>
-                            </m:sub>
-                          </m:sSub>
-                        </m:den>
-                      </m:f>
-                    </m:oMath>
-                  </m:oMathPara>
-                </a14:m>
-                <a:endParaRPr lang="ja-JP" altLang="en-US" sz="2400"/>
-              </a:p>
-            </p:txBody>
-          </p:sp>
-        </mc:Choice>
-        <mc:Fallback xmlns="">
-          <p:sp>
-            <p:nvSpPr>
-              <p:cNvPr id="27" name="テキスト ボックス 26">
-                <a:extLst>
-                  <a:ext uri="{FF2B5EF4-FFF2-40B4-BE49-F238E27FC236}">
-                    <a16:creationId xmlns:a16="http://schemas.microsoft.com/office/drawing/2014/main" id="{7D9E38A2-999E-DF5A-EF74-DFFC4F1E1BC0}"/>
-                  </a:ext>
-                </a:extLst>
-              </p:cNvPr>
-              <p:cNvSpPr txBox="1">
-                <a:spLocks noRot="1" noChangeAspect="1" noMove="1" noResize="1" noEditPoints="1" noAdjustHandles="1" noChangeArrowheads="1" noChangeShapeType="1" noTextEdit="1"/>
-              </p:cNvSpPr>
-              <p:nvPr/>
-            </p:nvSpPr>
-            <p:spPr>
-              <a:xfrm>
-                <a:off x="6086616" y="2663993"/>
-                <a:ext cx="840763" cy="857029"/>
-              </a:xfrm>
-              <a:prstGeom prst="rect">
-                <a:avLst/>
-              </a:prstGeom>
-              <a:blipFill>
-                <a:blip r:embed="rId11"/>
-                <a:stretch>
-                  <a:fillRect/>
-                </a:stretch>
-              </a:blipFill>
-            </p:spPr>
-            <p:txBody>
-              <a:bodyPr/>
-              <a:lstStyle/>
-              <a:p>
-                <a:r>
-                  <a:rPr lang="ja-JP" altLang="en-US">
-                    <a:noFill/>
-                  </a:rPr>
-                  <a:t> </a:t>
-                </a:r>
-              </a:p>
-            </p:txBody>
-          </p:sp>
-        </mc:Fallback>
-      </mc:AlternateContent>
-      <mc:AlternateContent xmlns:mc="http://schemas.openxmlformats.org/markup-compatibility/2006" xmlns:a14="http://schemas.microsoft.com/office/drawing/2010/main">
-        <mc:Choice Requires="a14">
-          <p:sp>
-            <p:nvSpPr>
-              <p:cNvPr id="28" name="テキスト ボックス 27">
-                <a:extLst>
-                  <a:ext uri="{FF2B5EF4-FFF2-40B4-BE49-F238E27FC236}">
-                    <a16:creationId xmlns:a16="http://schemas.microsoft.com/office/drawing/2014/main" id="{9895AC37-5663-C964-6038-694CEBDD8BEB}"/>
-                  </a:ext>
-                </a:extLst>
-              </p:cNvPr>
-              <p:cNvSpPr txBox="1"/>
-              <p:nvPr/>
-            </p:nvSpPr>
-            <p:spPr>
-              <a:xfrm>
-                <a:off x="6086616" y="3634255"/>
-                <a:ext cx="840763" cy="857029"/>
-              </a:xfrm>
-              <a:prstGeom prst="rect">
-                <a:avLst/>
-              </a:prstGeom>
-              <a:noFill/>
-            </p:spPr>
-            <p:txBody>
-              <a:bodyPr wrap="square">
-                <a:spAutoFit/>
-              </a:bodyPr>
-              <a:lstStyle/>
-              <a:p>
-                <a:pPr/>
-                <a14:m>
-                  <m:oMathPara xmlns:m="http://schemas.openxmlformats.org/officeDocument/2006/math">
-                    <m:oMathParaPr>
-                      <m:jc m:val="centerGroup"/>
-                    </m:oMathParaPr>
-                    <m:oMath xmlns:m="http://schemas.openxmlformats.org/officeDocument/2006/math">
-                      <m:f>
-                        <m:fPr>
-                          <m:ctrlPr>
-                            <a:rPr kumimoji="1" lang="en-US" altLang="ja-JP" sz="2400" b="0" i="1" smtClean="0">
-                              <a:latin typeface="Cambria Math" panose="02040503050406030204" pitchFamily="18" charset="0"/>
-                              <a:ea typeface="Cambria Math" panose="02040503050406030204" pitchFamily="18" charset="0"/>
-                            </a:rPr>
-                          </m:ctrlPr>
-                        </m:fPr>
-                        <m:num>
-                          <m:r>
-                            <a:rPr kumimoji="1" lang="en-US" altLang="ja-JP" sz="2400" b="0" i="1" smtClean="0">
-                              <a:latin typeface="Cambria Math" panose="02040503050406030204" pitchFamily="18" charset="0"/>
-                              <a:ea typeface="Cambria Math" panose="02040503050406030204" pitchFamily="18" charset="0"/>
-                            </a:rPr>
-                            <m:t>𝜕</m:t>
-                          </m:r>
-                        </m:num>
-                        <m:den>
-                          <m:r>
-                            <a:rPr kumimoji="1" lang="en-US" altLang="ja-JP" sz="2400" b="0" i="1" smtClean="0">
-                              <a:latin typeface="Cambria Math" panose="02040503050406030204" pitchFamily="18" charset="0"/>
-                              <a:ea typeface="Cambria Math" panose="02040503050406030204" pitchFamily="18" charset="0"/>
-                            </a:rPr>
-                            <m:t>𝜕</m:t>
-                          </m:r>
-                          <m:sSub>
-                            <m:sSubPr>
-                              <m:ctrlPr>
-                                <a:rPr kumimoji="1" lang="en-US" altLang="ja-JP" sz="2400" b="0" i="1" smtClean="0">
-                                  <a:latin typeface="Cambria Math" panose="02040503050406030204" pitchFamily="18" charset="0"/>
-                                  <a:ea typeface="Cambria Math" panose="02040503050406030204" pitchFamily="18" charset="0"/>
-                                </a:rPr>
-                              </m:ctrlPr>
-                            </m:sSubPr>
-                            <m:e>
-                              <m:r>
-                                <a:rPr kumimoji="1" lang="en-US" altLang="ja-JP" sz="2400" b="0" i="1" smtClean="0">
-                                  <a:latin typeface="Cambria Math" panose="02040503050406030204" pitchFamily="18" charset="0"/>
-                                  <a:ea typeface="Cambria Math" panose="02040503050406030204" pitchFamily="18" charset="0"/>
-                                </a:rPr>
-                                <m:t>𝑣</m:t>
-                              </m:r>
-                            </m:e>
-                            <m:sub>
-                              <m:r>
-                                <a:rPr kumimoji="1" lang="en-US" altLang="ja-JP" sz="2400" b="0" i="1" smtClean="0">
-                                  <a:latin typeface="Cambria Math" panose="02040503050406030204" pitchFamily="18" charset="0"/>
-                                  <a:ea typeface="Cambria Math" panose="02040503050406030204" pitchFamily="18" charset="0"/>
-                                </a:rPr>
-                                <m:t>𝑥</m:t>
-                              </m:r>
-                            </m:sub>
-                          </m:sSub>
-                        </m:den>
-                      </m:f>
-                    </m:oMath>
-                  </m:oMathPara>
-                </a14:m>
-                <a:endParaRPr lang="ja-JP" altLang="en-US" sz="2400"/>
-              </a:p>
-            </p:txBody>
-          </p:sp>
-        </mc:Choice>
-        <mc:Fallback xmlns="">
-          <p:sp>
-            <p:nvSpPr>
-              <p:cNvPr id="28" name="テキスト ボックス 27">
-                <a:extLst>
-                  <a:ext uri="{FF2B5EF4-FFF2-40B4-BE49-F238E27FC236}">
-                    <a16:creationId xmlns:a16="http://schemas.microsoft.com/office/drawing/2014/main" id="{9895AC37-5663-C964-6038-694CEBDD8BEB}"/>
-                  </a:ext>
-                </a:extLst>
-              </p:cNvPr>
-              <p:cNvSpPr txBox="1">
-                <a:spLocks noRot="1" noChangeAspect="1" noMove="1" noResize="1" noEditPoints="1" noAdjustHandles="1" noChangeArrowheads="1" noChangeShapeType="1" noTextEdit="1"/>
-              </p:cNvSpPr>
-              <p:nvPr/>
-            </p:nvSpPr>
-            <p:spPr>
-              <a:xfrm>
-                <a:off x="6086616" y="3634255"/>
-                <a:ext cx="840763" cy="857029"/>
-              </a:xfrm>
-              <a:prstGeom prst="rect">
-                <a:avLst/>
-              </a:prstGeom>
-              <a:blipFill>
-                <a:blip r:embed="rId12"/>
-                <a:stretch>
-                  <a:fillRect b="-1471"/>
-                </a:stretch>
-              </a:blipFill>
-            </p:spPr>
-            <p:txBody>
-              <a:bodyPr/>
-              <a:lstStyle/>
-              <a:p>
-                <a:r>
-                  <a:rPr lang="ja-JP" altLang="en-US">
-                    <a:noFill/>
-                  </a:rPr>
-                  <a:t> </a:t>
-                </a:r>
-              </a:p>
-            </p:txBody>
-          </p:sp>
-        </mc:Fallback>
-      </mc:AlternateContent>
     </p:spTree>
     <p:extLst>
       <p:ext uri="{BB962C8B-B14F-4D97-AF65-F5344CB8AC3E}">
@@ -6546,8 +5776,8 @@
           </a:p>
         </p:txBody>
       </p:sp>
-      <mc:AlternateContent xmlns:mc="http://schemas.openxmlformats.org/markup-compatibility/2006">
-        <mc:Choice xmlns:a14="http://schemas.microsoft.com/office/drawing/2010/main" Requires="a14">
+      <mc:AlternateContent xmlns:mc="http://schemas.openxmlformats.org/markup-compatibility/2006" xmlns:a14="http://schemas.microsoft.com/office/drawing/2010/main">
+        <mc:Choice Requires="a14">
           <p:sp>
             <p:nvSpPr>
               <p:cNvPr id="14" name="テキスト ボックス 13">
@@ -6576,6 +5806,7 @@
               </a:bodyPr>
               <a:lstStyle/>
               <a:p>
+                <a:pPr/>
                 <a14:m>
                   <m:oMathPara xmlns:m="http://schemas.openxmlformats.org/officeDocument/2006/math">
                     <m:oMathParaPr>
@@ -6596,7 +5827,7 @@
             </p:txBody>
           </p:sp>
         </mc:Choice>
-        <mc:Fallback>
+        <mc:Fallback xmlns="">
           <p:sp>
             <p:nvSpPr>
               <p:cNvPr id="14" name="テキスト ボックス 13">
@@ -6641,8 +5872,8 @@
           </p:sp>
         </mc:Fallback>
       </mc:AlternateContent>
-      <mc:AlternateContent xmlns:mc="http://schemas.openxmlformats.org/markup-compatibility/2006">
-        <mc:Choice xmlns:a14="http://schemas.microsoft.com/office/drawing/2010/main" Requires="a14">
+      <mc:AlternateContent xmlns:mc="http://schemas.openxmlformats.org/markup-compatibility/2006" xmlns:a14="http://schemas.microsoft.com/office/drawing/2010/main">
+        <mc:Choice Requires="a14">
           <p:sp>
             <p:nvSpPr>
               <p:cNvPr id="15" name="テキスト ボックス 14">
@@ -6671,6 +5902,7 @@
               </a:bodyPr>
               <a:lstStyle/>
               <a:p>
+                <a:pPr/>
                 <a14:m>
                   <m:oMathPara xmlns:m="http://schemas.openxmlformats.org/officeDocument/2006/math">
                     <m:oMathParaPr>
@@ -6691,7 +5923,7 @@
             </p:txBody>
           </p:sp>
         </mc:Choice>
-        <mc:Fallback>
+        <mc:Fallback xmlns="">
           <p:sp>
             <p:nvSpPr>
               <p:cNvPr id="15" name="テキスト ボックス 14">
@@ -6736,8 +5968,8 @@
           </p:sp>
         </mc:Fallback>
       </mc:AlternateContent>
-      <mc:AlternateContent xmlns:mc="http://schemas.openxmlformats.org/markup-compatibility/2006">
-        <mc:Choice xmlns:a14="http://schemas.microsoft.com/office/drawing/2010/main" Requires="a14">
+      <mc:AlternateContent xmlns:mc="http://schemas.openxmlformats.org/markup-compatibility/2006" xmlns:a14="http://schemas.microsoft.com/office/drawing/2010/main">
+        <mc:Choice Requires="a14">
           <p:sp>
             <p:nvSpPr>
               <p:cNvPr id="16" name="テキスト ボックス 15">
@@ -6766,6 +5998,7 @@
               </a:bodyPr>
               <a:lstStyle/>
               <a:p>
+                <a:pPr/>
                 <a14:m>
                   <m:oMathPara xmlns:m="http://schemas.openxmlformats.org/officeDocument/2006/math">
                     <m:oMathParaPr>
@@ -6804,7 +6037,7 @@
             </p:txBody>
           </p:sp>
         </mc:Choice>
-        <mc:Fallback>
+        <mc:Fallback xmlns="">
           <p:sp>
             <p:nvSpPr>
               <p:cNvPr id="16" name="テキスト ボックス 15">
@@ -6849,8 +6082,8 @@
           </p:sp>
         </mc:Fallback>
       </mc:AlternateContent>
-      <mc:AlternateContent xmlns:mc="http://schemas.openxmlformats.org/markup-compatibility/2006">
-        <mc:Choice xmlns:a14="http://schemas.microsoft.com/office/drawing/2010/main" Requires="a14">
+      <mc:AlternateContent xmlns:mc="http://schemas.openxmlformats.org/markup-compatibility/2006" xmlns:a14="http://schemas.microsoft.com/office/drawing/2010/main">
+        <mc:Choice Requires="a14">
           <p:sp>
             <p:nvSpPr>
               <p:cNvPr id="17" name="テキスト ボックス 16">
@@ -6879,6 +6112,7 @@
               </a:bodyPr>
               <a:lstStyle/>
               <a:p>
+                <a:pPr/>
                 <a14:m>
                   <m:oMathPara xmlns:m="http://schemas.openxmlformats.org/officeDocument/2006/math">
                     <m:oMathParaPr>
@@ -6917,7 +6151,7 @@
             </p:txBody>
           </p:sp>
         </mc:Choice>
-        <mc:Fallback>
+        <mc:Fallback xmlns="">
           <p:sp>
             <p:nvSpPr>
               <p:cNvPr id="17" name="テキスト ボックス 16">
@@ -6962,8 +6196,8 @@
           </p:sp>
         </mc:Fallback>
       </mc:AlternateContent>
-      <mc:AlternateContent xmlns:mc="http://schemas.openxmlformats.org/markup-compatibility/2006">
-        <mc:Choice xmlns:a14="http://schemas.microsoft.com/office/drawing/2010/main" Requires="a14">
+      <mc:AlternateContent xmlns:mc="http://schemas.openxmlformats.org/markup-compatibility/2006" xmlns:a14="http://schemas.microsoft.com/office/drawing/2010/main">
+        <mc:Choice Requires="a14">
           <p:sp>
             <p:nvSpPr>
               <p:cNvPr id="18" name="テキスト ボックス 17">
@@ -6992,6 +6226,7 @@
               </a:bodyPr>
               <a:lstStyle/>
               <a:p>
+                <a:pPr/>
                 <a14:m>
                   <m:oMathPara xmlns:m="http://schemas.openxmlformats.org/officeDocument/2006/math">
                     <m:oMathParaPr>
@@ -7030,7 +6265,7 @@
             </p:txBody>
           </p:sp>
         </mc:Choice>
-        <mc:Fallback>
+        <mc:Fallback xmlns="">
           <p:sp>
             <p:nvSpPr>
               <p:cNvPr id="18" name="テキスト ボックス 17">
@@ -7075,8 +6310,8 @@
           </p:sp>
         </mc:Fallback>
       </mc:AlternateContent>
-      <mc:AlternateContent xmlns:mc="http://schemas.openxmlformats.org/markup-compatibility/2006">
-        <mc:Choice xmlns:a14="http://schemas.microsoft.com/office/drawing/2010/main" Requires="a14">
+      <mc:AlternateContent xmlns:mc="http://schemas.openxmlformats.org/markup-compatibility/2006" xmlns:a14="http://schemas.microsoft.com/office/drawing/2010/main">
+        <mc:Choice Requires="a14">
           <p:sp>
             <p:nvSpPr>
               <p:cNvPr id="19" name="テキスト ボックス 18">
@@ -7105,6 +6340,7 @@
               </a:bodyPr>
               <a:lstStyle/>
               <a:p>
+                <a:pPr/>
                 <a14:m>
                   <m:oMathPara xmlns:m="http://schemas.openxmlformats.org/officeDocument/2006/math">
                     <m:oMathParaPr>
@@ -7143,7 +6379,7 @@
             </p:txBody>
           </p:sp>
         </mc:Choice>
-        <mc:Fallback>
+        <mc:Fallback xmlns="">
           <p:sp>
             <p:nvSpPr>
               <p:cNvPr id="19" name="テキスト ボックス 18">
@@ -7228,8 +6464,8 @@
           </a:p>
         </p:txBody>
       </p:sp>
-      <mc:AlternateContent xmlns:mc="http://schemas.openxmlformats.org/markup-compatibility/2006">
-        <mc:Choice xmlns:a14="http://schemas.microsoft.com/office/drawing/2010/main" Requires="a14">
+      <mc:AlternateContent xmlns:mc="http://schemas.openxmlformats.org/markup-compatibility/2006" xmlns:a14="http://schemas.microsoft.com/office/drawing/2010/main">
+        <mc:Choice Requires="a14">
           <p:sp>
             <p:nvSpPr>
               <p:cNvPr id="21" name="テキスト ボックス 20">
@@ -7258,6 +6494,7 @@
               </a:bodyPr>
               <a:lstStyle/>
               <a:p>
+                <a:pPr/>
                 <a14:m>
                   <m:oMathPara xmlns:m="http://schemas.openxmlformats.org/officeDocument/2006/math">
                     <m:oMathParaPr>
@@ -7297,7 +6534,7 @@
             </p:txBody>
           </p:sp>
         </mc:Choice>
-        <mc:Fallback>
+        <mc:Fallback xmlns="">
           <p:sp>
             <p:nvSpPr>
               <p:cNvPr id="21" name="テキスト ボックス 20">
@@ -7430,8 +6667,8 @@
           </a:fontRef>
         </p:style>
       </p:cxnSp>
-      <mc:AlternateContent xmlns:mc="http://schemas.openxmlformats.org/markup-compatibility/2006">
-        <mc:Choice xmlns:a14="http://schemas.microsoft.com/office/drawing/2010/main" Requires="a14">
+      <mc:AlternateContent xmlns:mc="http://schemas.openxmlformats.org/markup-compatibility/2006" xmlns:a14="http://schemas.microsoft.com/office/drawing/2010/main">
+        <mc:Choice Requires="a14">
           <p:sp>
             <p:nvSpPr>
               <p:cNvPr id="26" name="テキスト ボックス 25">
@@ -7460,6 +6697,7 @@
               </a:bodyPr>
               <a:lstStyle/>
               <a:p>
+                <a:pPr/>
                 <a14:m>
                   <m:oMathPara xmlns:m="http://schemas.openxmlformats.org/officeDocument/2006/math">
                     <m:oMathParaPr>
@@ -7504,7 +6742,7 @@
             </p:txBody>
           </p:sp>
         </mc:Choice>
-        <mc:Fallback>
+        <mc:Fallback xmlns="">
           <p:sp>
             <p:nvSpPr>
               <p:cNvPr id="26" name="テキスト ボックス 25">
@@ -7549,8 +6787,8 @@
           </p:sp>
         </mc:Fallback>
       </mc:AlternateContent>
-      <mc:AlternateContent xmlns:mc="http://schemas.openxmlformats.org/markup-compatibility/2006">
-        <mc:Choice xmlns:a14="http://schemas.microsoft.com/office/drawing/2010/main" Requires="a14">
+      <mc:AlternateContent xmlns:mc="http://schemas.openxmlformats.org/markup-compatibility/2006" xmlns:a14="http://schemas.microsoft.com/office/drawing/2010/main">
+        <mc:Choice Requires="a14">
           <p:sp>
             <p:nvSpPr>
               <p:cNvPr id="27" name="テキスト ボックス 26">
@@ -7579,6 +6817,7 @@
               </a:bodyPr>
               <a:lstStyle/>
               <a:p>
+                <a:pPr/>
                 <a14:m>
                   <m:oMathPara xmlns:m="http://schemas.openxmlformats.org/officeDocument/2006/math">
                     <m:oMathParaPr>
@@ -7623,7 +6862,7 @@
             </p:txBody>
           </p:sp>
         </mc:Choice>
-        <mc:Fallback>
+        <mc:Fallback xmlns="">
           <p:sp>
             <p:nvSpPr>
               <p:cNvPr id="27" name="テキスト ボックス 26">
@@ -7756,8 +6995,8 @@
           </a:fontRef>
         </p:style>
       </p:cxnSp>
-      <mc:AlternateContent xmlns:mc="http://schemas.openxmlformats.org/markup-compatibility/2006">
-        <mc:Choice xmlns:a14="http://schemas.microsoft.com/office/drawing/2010/main" Requires="a14">
+      <mc:AlternateContent xmlns:mc="http://schemas.openxmlformats.org/markup-compatibility/2006" xmlns:a14="http://schemas.microsoft.com/office/drawing/2010/main">
+        <mc:Choice Requires="a14">
           <p:sp>
             <p:nvSpPr>
               <p:cNvPr id="35" name="テキスト ボックス 34">
@@ -7786,6 +7025,7 @@
               </a:bodyPr>
               <a:lstStyle/>
               <a:p>
+                <a:pPr/>
                 <a14:m>
                   <m:oMathPara xmlns:m="http://schemas.openxmlformats.org/officeDocument/2006/math">
                     <m:oMathParaPr>
@@ -7901,7 +7141,7 @@
             </p:txBody>
           </p:sp>
         </mc:Choice>
-        <mc:Fallback>
+        <mc:Fallback xmlns="">
           <p:sp>
             <p:nvSpPr>
               <p:cNvPr id="35" name="テキスト ボックス 34">
@@ -7946,8 +7186,8 @@
           </p:sp>
         </mc:Fallback>
       </mc:AlternateContent>
-      <mc:AlternateContent xmlns:mc="http://schemas.openxmlformats.org/markup-compatibility/2006">
-        <mc:Choice xmlns:a14="http://schemas.microsoft.com/office/drawing/2010/main" Requires="a14">
+      <mc:AlternateContent xmlns:mc="http://schemas.openxmlformats.org/markup-compatibility/2006" xmlns:a14="http://schemas.microsoft.com/office/drawing/2010/main">
+        <mc:Choice Requires="a14">
           <p:sp>
             <p:nvSpPr>
               <p:cNvPr id="36" name="テキスト ボックス 35">
@@ -7976,6 +7216,7 @@
               </a:bodyPr>
               <a:lstStyle/>
               <a:p>
+                <a:pPr/>
                 <a14:m>
                   <m:oMathPara xmlns:m="http://schemas.openxmlformats.org/officeDocument/2006/math">
                     <m:oMathParaPr>
@@ -8080,7 +7321,7 @@
             </p:txBody>
           </p:sp>
         </mc:Choice>
-        <mc:Fallback>
+        <mc:Fallback xmlns="">
           <p:sp>
             <p:nvSpPr>
               <p:cNvPr id="36" name="テキスト ボックス 35">
